--- a/D3/1. Hypothesis Testing.pptx
+++ b/D3/1. Hypothesis Testing.pptx
@@ -4,6 +4,9 @@
   <p:sldMasterIdLst>
     <p:sldMasterId id="2147483648" r:id="rId1"/>
   </p:sldMasterIdLst>
+  <p:notesMasterIdLst>
+    <p:notesMasterId r:id="rId43"/>
+  </p:notesMasterIdLst>
   <p:sldIdLst>
     <p:sldId id="256" r:id="rId2"/>
     <p:sldId id="257" r:id="rId3"/>
@@ -32,6 +35,20 @@
     <p:sldId id="282" r:id="rId26"/>
     <p:sldId id="283" r:id="rId27"/>
     <p:sldId id="284" r:id="rId28"/>
+    <p:sldId id="286" r:id="rId29"/>
+    <p:sldId id="300" r:id="rId30"/>
+    <p:sldId id="288" r:id="rId31"/>
+    <p:sldId id="289" r:id="rId32"/>
+    <p:sldId id="290" r:id="rId33"/>
+    <p:sldId id="291" r:id="rId34"/>
+    <p:sldId id="292" r:id="rId35"/>
+    <p:sldId id="293" r:id="rId36"/>
+    <p:sldId id="294" r:id="rId37"/>
+    <p:sldId id="295" r:id="rId38"/>
+    <p:sldId id="296" r:id="rId39"/>
+    <p:sldId id="297" r:id="rId40"/>
+    <p:sldId id="298" r:id="rId41"/>
+    <p:sldId id="299" r:id="rId42"/>
   </p:sldIdLst>
   <p:sldSz cx="9144000" cy="5143500" type="screen16x9"/>
   <p:notesSz cx="9144000" cy="5143500"/>
@@ -57,6 +74,1947 @@
     </p:ext>
   </p:extLst>
 </p:presentation>
+</file>
+
+<file path=ppt/notesMasters/notesMaster1.xml><?xml version="1.0" encoding="utf-8"?>
+<p:notesMaster xmlns:a="http://schemas.openxmlformats.org/drawingml/2006/main" xmlns:r="http://schemas.openxmlformats.org/officeDocument/2006/relationships" xmlns:p="http://schemas.openxmlformats.org/presentationml/2006/main">
+  <p:cSld>
+    <p:bg>
+      <p:bgRef idx="1001">
+        <a:schemeClr val="bg1"/>
+      </p:bgRef>
+    </p:bg>
+    <p:spTree>
+      <p:nvGrpSpPr>
+        <p:cNvPr id="1" name=""/>
+        <p:cNvGrpSpPr/>
+        <p:nvPr/>
+      </p:nvGrpSpPr>
+      <p:grpSpPr>
+        <a:xfrm>
+          <a:off x="0" y="0"/>
+          <a:ext cx="0" cy="0"/>
+          <a:chOff x="0" y="0"/>
+          <a:chExt cx="0" cy="0"/>
+        </a:xfrm>
+      </p:grpSpPr>
+      <p:sp>
+        <p:nvSpPr>
+          <p:cNvPr id="2" name="Header Placeholder 1"/>
+          <p:cNvSpPr>
+            <a:spLocks noGrp="1"/>
+          </p:cNvSpPr>
+          <p:nvPr>
+            <p:ph type="hdr" sz="quarter"/>
+          </p:nvPr>
+        </p:nvSpPr>
+        <p:spPr>
+          <a:xfrm>
+            <a:off x="0" y="0"/>
+            <a:ext cx="3962400" cy="257175"/>
+          </a:xfrm>
+          <a:prstGeom prst="rect">
+            <a:avLst/>
+          </a:prstGeom>
+        </p:spPr>
+        <p:txBody>
+          <a:bodyPr vert="horz" lIns="91440" tIns="45720" rIns="91440" bIns="45720" rtlCol="0"/>
+          <a:lstStyle>
+            <a:lvl1pPr algn="l">
+              <a:defRPr sz="1200"/>
+            </a:lvl1pPr>
+          </a:lstStyle>
+          <a:p>
+            <a:endParaRPr lang="en-PT"/>
+          </a:p>
+        </p:txBody>
+      </p:sp>
+      <p:sp>
+        <p:nvSpPr>
+          <p:cNvPr id="3" name="Date Placeholder 2"/>
+          <p:cNvSpPr>
+            <a:spLocks noGrp="1"/>
+          </p:cNvSpPr>
+          <p:nvPr>
+            <p:ph type="dt" idx="1"/>
+          </p:nvPr>
+        </p:nvSpPr>
+        <p:spPr>
+          <a:xfrm>
+            <a:off x="5180013" y="0"/>
+            <a:ext cx="3962400" cy="257175"/>
+          </a:xfrm>
+          <a:prstGeom prst="rect">
+            <a:avLst/>
+          </a:prstGeom>
+        </p:spPr>
+        <p:txBody>
+          <a:bodyPr vert="horz" lIns="91440" tIns="45720" rIns="91440" bIns="45720" rtlCol="0"/>
+          <a:lstStyle>
+            <a:lvl1pPr algn="r">
+              <a:defRPr sz="1200"/>
+            </a:lvl1pPr>
+          </a:lstStyle>
+          <a:p>
+            <a:fld id="{274136F6-DD71-7F46-84B0-22AA1F473099}" type="datetimeFigureOut">
+              <a:rPr lang="en-PT" smtClean="0"/>
+              <a:t>20/05/2024</a:t>
+            </a:fld>
+            <a:endParaRPr lang="en-PT"/>
+          </a:p>
+        </p:txBody>
+      </p:sp>
+      <p:sp>
+        <p:nvSpPr>
+          <p:cNvPr id="4" name="Slide Image Placeholder 3"/>
+          <p:cNvSpPr>
+            <a:spLocks noGrp="1" noRot="1" noChangeAspect="1"/>
+          </p:cNvSpPr>
+          <p:nvPr>
+            <p:ph type="sldImg" idx="2"/>
+          </p:nvPr>
+        </p:nvSpPr>
+        <p:spPr>
+          <a:xfrm>
+            <a:off x="3028950" y="642938"/>
+            <a:ext cx="3086100" cy="1736725"/>
+          </a:xfrm>
+          <a:prstGeom prst="rect">
+            <a:avLst/>
+          </a:prstGeom>
+          <a:noFill/>
+          <a:ln w="12700">
+            <a:solidFill>
+              <a:prstClr val="black"/>
+            </a:solidFill>
+          </a:ln>
+        </p:spPr>
+        <p:txBody>
+          <a:bodyPr vert="horz" lIns="91440" tIns="45720" rIns="91440" bIns="45720" rtlCol="0" anchor="ctr"/>
+          <a:lstStyle/>
+          <a:p>
+            <a:endParaRPr lang="en-PT"/>
+          </a:p>
+        </p:txBody>
+      </p:sp>
+      <p:sp>
+        <p:nvSpPr>
+          <p:cNvPr id="5" name="Notes Placeholder 4"/>
+          <p:cNvSpPr>
+            <a:spLocks noGrp="1"/>
+          </p:cNvSpPr>
+          <p:nvPr>
+            <p:ph type="body" sz="quarter" idx="3"/>
+          </p:nvPr>
+        </p:nvSpPr>
+        <p:spPr>
+          <a:xfrm>
+            <a:off x="914400" y="2474913"/>
+            <a:ext cx="7315200" cy="2025650"/>
+          </a:xfrm>
+          <a:prstGeom prst="rect">
+            <a:avLst/>
+          </a:prstGeom>
+        </p:spPr>
+        <p:txBody>
+          <a:bodyPr vert="horz" lIns="91440" tIns="45720" rIns="91440" bIns="45720" rtlCol="0"/>
+          <a:lstStyle/>
+          <a:p>
+            <a:pPr lvl="0"/>
+            <a:r>
+              <a:rPr lang="en-GB"/>
+              <a:t>Click to edit Master text styles</a:t>
+            </a:r>
+          </a:p>
+          <a:p>
+            <a:pPr lvl="1"/>
+            <a:r>
+              <a:rPr lang="en-GB"/>
+              <a:t>Second level</a:t>
+            </a:r>
+          </a:p>
+          <a:p>
+            <a:pPr lvl="2"/>
+            <a:r>
+              <a:rPr lang="en-GB"/>
+              <a:t>Third level</a:t>
+            </a:r>
+          </a:p>
+          <a:p>
+            <a:pPr lvl="3"/>
+            <a:r>
+              <a:rPr lang="en-GB"/>
+              <a:t>Fourth level</a:t>
+            </a:r>
+          </a:p>
+          <a:p>
+            <a:pPr lvl="4"/>
+            <a:r>
+              <a:rPr lang="en-GB"/>
+              <a:t>Fifth level</a:t>
+            </a:r>
+            <a:endParaRPr lang="en-PT"/>
+          </a:p>
+        </p:txBody>
+      </p:sp>
+      <p:sp>
+        <p:nvSpPr>
+          <p:cNvPr id="6" name="Footer Placeholder 5"/>
+          <p:cNvSpPr>
+            <a:spLocks noGrp="1"/>
+          </p:cNvSpPr>
+          <p:nvPr>
+            <p:ph type="ftr" sz="quarter" idx="4"/>
+          </p:nvPr>
+        </p:nvSpPr>
+        <p:spPr>
+          <a:xfrm>
+            <a:off x="0" y="4886325"/>
+            <a:ext cx="3962400" cy="257175"/>
+          </a:xfrm>
+          <a:prstGeom prst="rect">
+            <a:avLst/>
+          </a:prstGeom>
+        </p:spPr>
+        <p:txBody>
+          <a:bodyPr vert="horz" lIns="91440" tIns="45720" rIns="91440" bIns="45720" rtlCol="0" anchor="b"/>
+          <a:lstStyle>
+            <a:lvl1pPr algn="l">
+              <a:defRPr sz="1200"/>
+            </a:lvl1pPr>
+          </a:lstStyle>
+          <a:p>
+            <a:endParaRPr lang="en-PT"/>
+          </a:p>
+        </p:txBody>
+      </p:sp>
+      <p:sp>
+        <p:nvSpPr>
+          <p:cNvPr id="7" name="Slide Number Placeholder 6"/>
+          <p:cNvSpPr>
+            <a:spLocks noGrp="1"/>
+          </p:cNvSpPr>
+          <p:nvPr>
+            <p:ph type="sldNum" sz="quarter" idx="5"/>
+          </p:nvPr>
+        </p:nvSpPr>
+        <p:spPr>
+          <a:xfrm>
+            <a:off x="5180013" y="4886325"/>
+            <a:ext cx="3962400" cy="257175"/>
+          </a:xfrm>
+          <a:prstGeom prst="rect">
+            <a:avLst/>
+          </a:prstGeom>
+        </p:spPr>
+        <p:txBody>
+          <a:bodyPr vert="horz" lIns="91440" tIns="45720" rIns="91440" bIns="45720" rtlCol="0" anchor="b"/>
+          <a:lstStyle>
+            <a:lvl1pPr algn="r">
+              <a:defRPr sz="1200"/>
+            </a:lvl1pPr>
+          </a:lstStyle>
+          <a:p>
+            <a:fld id="{FAA20F02-A069-034E-8817-9680C6EA0D20}" type="slidenum">
+              <a:rPr lang="en-PT" smtClean="0"/>
+              <a:t>‹#›</a:t>
+            </a:fld>
+            <a:endParaRPr lang="en-PT"/>
+          </a:p>
+        </p:txBody>
+      </p:sp>
+    </p:spTree>
+    <p:extLst>
+      <p:ext uri="{BB962C8B-B14F-4D97-AF65-F5344CB8AC3E}">
+        <p14:creationId xmlns:p14="http://schemas.microsoft.com/office/powerpoint/2010/main" val="1148977894"/>
+      </p:ext>
+    </p:extLst>
+  </p:cSld>
+  <p:clrMap bg1="lt1" tx1="dk1" bg2="lt2" tx2="dk2" accent1="accent1" accent2="accent2" accent3="accent3" accent4="accent4" accent5="accent5" accent6="accent6" hlink="hlink" folHlink="folHlink"/>
+  <p:notesStyle>
+    <a:lvl1pPr marL="0" algn="l" defTabSz="914400" rtl="0" eaLnBrk="1" latinLnBrk="0" hangingPunct="1">
+      <a:defRPr sz="1200" kern="1200">
+        <a:solidFill>
+          <a:schemeClr val="tx1"/>
+        </a:solidFill>
+        <a:latin typeface="+mn-lt"/>
+        <a:ea typeface="+mn-ea"/>
+        <a:cs typeface="+mn-cs"/>
+      </a:defRPr>
+    </a:lvl1pPr>
+    <a:lvl2pPr marL="457200" algn="l" defTabSz="914400" rtl="0" eaLnBrk="1" latinLnBrk="0" hangingPunct="1">
+      <a:defRPr sz="1200" kern="1200">
+        <a:solidFill>
+          <a:schemeClr val="tx1"/>
+        </a:solidFill>
+        <a:latin typeface="+mn-lt"/>
+        <a:ea typeface="+mn-ea"/>
+        <a:cs typeface="+mn-cs"/>
+      </a:defRPr>
+    </a:lvl2pPr>
+    <a:lvl3pPr marL="914400" algn="l" defTabSz="914400" rtl="0" eaLnBrk="1" latinLnBrk="0" hangingPunct="1">
+      <a:defRPr sz="1200" kern="1200">
+        <a:solidFill>
+          <a:schemeClr val="tx1"/>
+        </a:solidFill>
+        <a:latin typeface="+mn-lt"/>
+        <a:ea typeface="+mn-ea"/>
+        <a:cs typeface="+mn-cs"/>
+      </a:defRPr>
+    </a:lvl3pPr>
+    <a:lvl4pPr marL="1371600" algn="l" defTabSz="914400" rtl="0" eaLnBrk="1" latinLnBrk="0" hangingPunct="1">
+      <a:defRPr sz="1200" kern="1200">
+        <a:solidFill>
+          <a:schemeClr val="tx1"/>
+        </a:solidFill>
+        <a:latin typeface="+mn-lt"/>
+        <a:ea typeface="+mn-ea"/>
+        <a:cs typeface="+mn-cs"/>
+      </a:defRPr>
+    </a:lvl4pPr>
+    <a:lvl5pPr marL="1828800" algn="l" defTabSz="914400" rtl="0" eaLnBrk="1" latinLnBrk="0" hangingPunct="1">
+      <a:defRPr sz="1200" kern="1200">
+        <a:solidFill>
+          <a:schemeClr val="tx1"/>
+        </a:solidFill>
+        <a:latin typeface="+mn-lt"/>
+        <a:ea typeface="+mn-ea"/>
+        <a:cs typeface="+mn-cs"/>
+      </a:defRPr>
+    </a:lvl5pPr>
+    <a:lvl6pPr marL="2286000" algn="l" defTabSz="914400" rtl="0" eaLnBrk="1" latinLnBrk="0" hangingPunct="1">
+      <a:defRPr sz="1200" kern="1200">
+        <a:solidFill>
+          <a:schemeClr val="tx1"/>
+        </a:solidFill>
+        <a:latin typeface="+mn-lt"/>
+        <a:ea typeface="+mn-ea"/>
+        <a:cs typeface="+mn-cs"/>
+      </a:defRPr>
+    </a:lvl6pPr>
+    <a:lvl7pPr marL="2743200" algn="l" defTabSz="914400" rtl="0" eaLnBrk="1" latinLnBrk="0" hangingPunct="1">
+      <a:defRPr sz="1200" kern="1200">
+        <a:solidFill>
+          <a:schemeClr val="tx1"/>
+        </a:solidFill>
+        <a:latin typeface="+mn-lt"/>
+        <a:ea typeface="+mn-ea"/>
+        <a:cs typeface="+mn-cs"/>
+      </a:defRPr>
+    </a:lvl7pPr>
+    <a:lvl8pPr marL="3200400" algn="l" defTabSz="914400" rtl="0" eaLnBrk="1" latinLnBrk="0" hangingPunct="1">
+      <a:defRPr sz="1200" kern="1200">
+        <a:solidFill>
+          <a:schemeClr val="tx1"/>
+        </a:solidFill>
+        <a:latin typeface="+mn-lt"/>
+        <a:ea typeface="+mn-ea"/>
+        <a:cs typeface="+mn-cs"/>
+      </a:defRPr>
+    </a:lvl8pPr>
+    <a:lvl9pPr marL="3657600" algn="l" defTabSz="914400" rtl="0" eaLnBrk="1" latinLnBrk="0" hangingPunct="1">
+      <a:defRPr sz="1200" kern="1200">
+        <a:solidFill>
+          <a:schemeClr val="tx1"/>
+        </a:solidFill>
+        <a:latin typeface="+mn-lt"/>
+        <a:ea typeface="+mn-ea"/>
+        <a:cs typeface="+mn-cs"/>
+      </a:defRPr>
+    </a:lvl9pPr>
+  </p:notesStyle>
+</p:notesMaster>
+</file>
+
+<file path=ppt/notesSlides/notesSlide1.xml><?xml version="1.0" encoding="utf-8"?>
+<p:notes xmlns:a="http://schemas.openxmlformats.org/drawingml/2006/main" xmlns:r="http://schemas.openxmlformats.org/officeDocument/2006/relationships" xmlns:p="http://schemas.openxmlformats.org/presentationml/2006/main" showMasterSp="0" showMasterPhAnim="0">
+  <p:cSld>
+    <p:spTree>
+      <p:nvGrpSpPr>
+        <p:cNvPr id="1" name="Shape 83"/>
+        <p:cNvGrpSpPr/>
+        <p:nvPr/>
+      </p:nvGrpSpPr>
+      <p:grpSpPr>
+        <a:xfrm>
+          <a:off x="0" y="0"/>
+          <a:ext cx="0" cy="0"/>
+          <a:chOff x="0" y="0"/>
+          <a:chExt cx="0" cy="0"/>
+        </a:xfrm>
+      </p:grpSpPr>
+      <p:sp>
+        <p:nvSpPr>
+          <p:cNvPr id="84" name="Google Shape;84;p6:notes"/>
+          <p:cNvSpPr>
+            <a:spLocks noGrp="1" noRot="1" noChangeAspect="1"/>
+          </p:cNvSpPr>
+          <p:nvPr>
+            <p:ph type="sldImg" idx="2"/>
+          </p:nvPr>
+        </p:nvSpPr>
+        <p:spPr>
+          <a:xfrm>
+            <a:off x="381000" y="685800"/>
+            <a:ext cx="6096000" cy="3429000"/>
+          </a:xfrm>
+          <a:custGeom>
+            <a:avLst/>
+            <a:gdLst/>
+            <a:ahLst/>
+            <a:cxnLst/>
+            <a:rect l="l" t="t" r="r" b="b"/>
+            <a:pathLst>
+              <a:path w="120000" h="120000" extrusionOk="0">
+                <a:moveTo>
+                  <a:pt x="0" y="0"/>
+                </a:moveTo>
+                <a:lnTo>
+                  <a:pt x="120000" y="0"/>
+                </a:lnTo>
+                <a:lnTo>
+                  <a:pt x="120000" y="120000"/>
+                </a:lnTo>
+                <a:lnTo>
+                  <a:pt x="0" y="120000"/>
+                </a:lnTo>
+                <a:close/>
+              </a:path>
+            </a:pathLst>
+          </a:custGeom>
+          <a:noFill/>
+          <a:ln w="9525" cap="flat" cmpd="sng">
+            <a:solidFill>
+              <a:srgbClr val="000000"/>
+            </a:solidFill>
+            <a:prstDash val="solid"/>
+            <a:round/>
+            <a:headEnd type="none" w="sm" len="sm"/>
+            <a:tailEnd type="none" w="sm" len="sm"/>
+          </a:ln>
+        </p:spPr>
+      </p:sp>
+      <p:sp>
+        <p:nvSpPr>
+          <p:cNvPr id="85" name="Google Shape;85;p6:notes"/>
+          <p:cNvSpPr txBox="1">
+            <a:spLocks noGrp="1"/>
+          </p:cNvSpPr>
+          <p:nvPr>
+            <p:ph type="body" idx="1"/>
+          </p:nvPr>
+        </p:nvSpPr>
+        <p:spPr>
+          <a:xfrm>
+            <a:off x="685800" y="4343400"/>
+            <a:ext cx="5486400" cy="4114800"/>
+          </a:xfrm>
+          <a:prstGeom prst="rect">
+            <a:avLst/>
+          </a:prstGeom>
+          <a:noFill/>
+          <a:ln>
+            <a:noFill/>
+          </a:ln>
+        </p:spPr>
+        <p:txBody>
+          <a:bodyPr spcFirstLastPara="1" wrap="square" lIns="91425" tIns="91425" rIns="91425" bIns="91425" anchor="t" anchorCtr="0">
+            <a:noAutofit/>
+          </a:bodyPr>
+          <a:lstStyle/>
+          <a:p>
+            <a:pPr marL="0" lvl="0" indent="0" algn="l" rtl="0">
+              <a:lnSpc>
+                <a:spcPct val="100000"/>
+              </a:lnSpc>
+              <a:spcBef>
+                <a:spcPts val="0"/>
+              </a:spcBef>
+              <a:spcAft>
+                <a:spcPts val="0"/>
+              </a:spcAft>
+              <a:buSzPts val="1100"/>
+              <a:buNone/>
+            </a:pPr>
+            <a:endParaRPr/>
+          </a:p>
+        </p:txBody>
+      </p:sp>
+    </p:spTree>
+    <p:extLst>
+      <p:ext uri="{BB962C8B-B14F-4D97-AF65-F5344CB8AC3E}">
+        <p14:creationId xmlns:p14="http://schemas.microsoft.com/office/powerpoint/2010/main" val="821569296"/>
+      </p:ext>
+    </p:extLst>
+  </p:cSld>
+  <p:clrMapOvr>
+    <a:masterClrMapping/>
+  </p:clrMapOvr>
+</p:notes>
+</file>
+
+<file path=ppt/notesSlides/notesSlide10.xml><?xml version="1.0" encoding="utf-8"?>
+<p:notes xmlns:a="http://schemas.openxmlformats.org/drawingml/2006/main" xmlns:r="http://schemas.openxmlformats.org/officeDocument/2006/relationships" xmlns:p="http://schemas.openxmlformats.org/presentationml/2006/main" showMasterSp="0" showMasterPhAnim="0">
+  <p:cSld>
+    <p:spTree>
+      <p:nvGrpSpPr>
+        <p:cNvPr id="1" name="Shape 143"/>
+        <p:cNvGrpSpPr/>
+        <p:nvPr/>
+      </p:nvGrpSpPr>
+      <p:grpSpPr>
+        <a:xfrm>
+          <a:off x="0" y="0"/>
+          <a:ext cx="0" cy="0"/>
+          <a:chOff x="0" y="0"/>
+          <a:chExt cx="0" cy="0"/>
+        </a:xfrm>
+      </p:grpSpPr>
+      <p:sp>
+        <p:nvSpPr>
+          <p:cNvPr id="144" name="Google Shape;144;p15:notes"/>
+          <p:cNvSpPr>
+            <a:spLocks noGrp="1" noRot="1" noChangeAspect="1"/>
+          </p:cNvSpPr>
+          <p:nvPr>
+            <p:ph type="sldImg" idx="2"/>
+          </p:nvPr>
+        </p:nvSpPr>
+        <p:spPr>
+          <a:xfrm>
+            <a:off x="381000" y="685800"/>
+            <a:ext cx="6096000" cy="3429000"/>
+          </a:xfrm>
+          <a:custGeom>
+            <a:avLst/>
+            <a:gdLst/>
+            <a:ahLst/>
+            <a:cxnLst/>
+            <a:rect l="l" t="t" r="r" b="b"/>
+            <a:pathLst>
+              <a:path w="120000" h="120000" extrusionOk="0">
+                <a:moveTo>
+                  <a:pt x="0" y="0"/>
+                </a:moveTo>
+                <a:lnTo>
+                  <a:pt x="120000" y="0"/>
+                </a:lnTo>
+                <a:lnTo>
+                  <a:pt x="120000" y="120000"/>
+                </a:lnTo>
+                <a:lnTo>
+                  <a:pt x="0" y="120000"/>
+                </a:lnTo>
+                <a:close/>
+              </a:path>
+            </a:pathLst>
+          </a:custGeom>
+          <a:noFill/>
+          <a:ln w="9525" cap="flat" cmpd="sng">
+            <a:solidFill>
+              <a:srgbClr val="000000"/>
+            </a:solidFill>
+            <a:prstDash val="solid"/>
+            <a:round/>
+            <a:headEnd type="none" w="sm" len="sm"/>
+            <a:tailEnd type="none" w="sm" len="sm"/>
+          </a:ln>
+        </p:spPr>
+      </p:sp>
+      <p:sp>
+        <p:nvSpPr>
+          <p:cNvPr id="145" name="Google Shape;145;p15:notes"/>
+          <p:cNvSpPr txBox="1">
+            <a:spLocks noGrp="1"/>
+          </p:cNvSpPr>
+          <p:nvPr>
+            <p:ph type="body" idx="1"/>
+          </p:nvPr>
+        </p:nvSpPr>
+        <p:spPr>
+          <a:xfrm>
+            <a:off x="685800" y="4343400"/>
+            <a:ext cx="5486400" cy="4114800"/>
+          </a:xfrm>
+          <a:prstGeom prst="rect">
+            <a:avLst/>
+          </a:prstGeom>
+          <a:noFill/>
+          <a:ln>
+            <a:noFill/>
+          </a:ln>
+        </p:spPr>
+        <p:txBody>
+          <a:bodyPr spcFirstLastPara="1" wrap="square" lIns="91425" tIns="91425" rIns="91425" bIns="91425" anchor="t" anchorCtr="0">
+            <a:noAutofit/>
+          </a:bodyPr>
+          <a:lstStyle/>
+          <a:p>
+            <a:pPr marL="0" lvl="0" indent="0" algn="l" rtl="0">
+              <a:lnSpc>
+                <a:spcPct val="100000"/>
+              </a:lnSpc>
+              <a:spcBef>
+                <a:spcPts val="0"/>
+              </a:spcBef>
+              <a:spcAft>
+                <a:spcPts val="0"/>
+              </a:spcAft>
+              <a:buSzPts val="1100"/>
+              <a:buNone/>
+            </a:pPr>
+            <a:endParaRPr/>
+          </a:p>
+        </p:txBody>
+      </p:sp>
+    </p:spTree>
+  </p:cSld>
+  <p:clrMapOvr>
+    <a:masterClrMapping/>
+  </p:clrMapOvr>
+</p:notes>
+</file>
+
+<file path=ppt/notesSlides/notesSlide11.xml><?xml version="1.0" encoding="utf-8"?>
+<p:notes xmlns:a="http://schemas.openxmlformats.org/drawingml/2006/main" xmlns:r="http://schemas.openxmlformats.org/officeDocument/2006/relationships" xmlns:p="http://schemas.openxmlformats.org/presentationml/2006/main" showMasterSp="0" showMasterPhAnim="0">
+  <p:cSld>
+    <p:spTree>
+      <p:nvGrpSpPr>
+        <p:cNvPr id="1" name="Shape 149"/>
+        <p:cNvGrpSpPr/>
+        <p:nvPr/>
+      </p:nvGrpSpPr>
+      <p:grpSpPr>
+        <a:xfrm>
+          <a:off x="0" y="0"/>
+          <a:ext cx="0" cy="0"/>
+          <a:chOff x="0" y="0"/>
+          <a:chExt cx="0" cy="0"/>
+        </a:xfrm>
+      </p:grpSpPr>
+      <p:sp>
+        <p:nvSpPr>
+          <p:cNvPr id="150" name="Google Shape;150;p16:notes"/>
+          <p:cNvSpPr>
+            <a:spLocks noGrp="1" noRot="1" noChangeAspect="1"/>
+          </p:cNvSpPr>
+          <p:nvPr>
+            <p:ph type="sldImg" idx="2"/>
+          </p:nvPr>
+        </p:nvSpPr>
+        <p:spPr>
+          <a:xfrm>
+            <a:off x="381000" y="685800"/>
+            <a:ext cx="6096000" cy="3429000"/>
+          </a:xfrm>
+          <a:custGeom>
+            <a:avLst/>
+            <a:gdLst/>
+            <a:ahLst/>
+            <a:cxnLst/>
+            <a:rect l="l" t="t" r="r" b="b"/>
+            <a:pathLst>
+              <a:path w="120000" h="120000" extrusionOk="0">
+                <a:moveTo>
+                  <a:pt x="0" y="0"/>
+                </a:moveTo>
+                <a:lnTo>
+                  <a:pt x="120000" y="0"/>
+                </a:lnTo>
+                <a:lnTo>
+                  <a:pt x="120000" y="120000"/>
+                </a:lnTo>
+                <a:lnTo>
+                  <a:pt x="0" y="120000"/>
+                </a:lnTo>
+                <a:close/>
+              </a:path>
+            </a:pathLst>
+          </a:custGeom>
+          <a:noFill/>
+          <a:ln w="9525" cap="flat" cmpd="sng">
+            <a:solidFill>
+              <a:srgbClr val="000000"/>
+            </a:solidFill>
+            <a:prstDash val="solid"/>
+            <a:round/>
+            <a:headEnd type="none" w="sm" len="sm"/>
+            <a:tailEnd type="none" w="sm" len="sm"/>
+          </a:ln>
+        </p:spPr>
+      </p:sp>
+      <p:sp>
+        <p:nvSpPr>
+          <p:cNvPr id="151" name="Google Shape;151;p16:notes"/>
+          <p:cNvSpPr txBox="1">
+            <a:spLocks noGrp="1"/>
+          </p:cNvSpPr>
+          <p:nvPr>
+            <p:ph type="body" idx="1"/>
+          </p:nvPr>
+        </p:nvSpPr>
+        <p:spPr>
+          <a:xfrm>
+            <a:off x="685800" y="4343400"/>
+            <a:ext cx="5486400" cy="4114800"/>
+          </a:xfrm>
+          <a:prstGeom prst="rect">
+            <a:avLst/>
+          </a:prstGeom>
+          <a:noFill/>
+          <a:ln>
+            <a:noFill/>
+          </a:ln>
+        </p:spPr>
+        <p:txBody>
+          <a:bodyPr spcFirstLastPara="1" wrap="square" lIns="91425" tIns="91425" rIns="91425" bIns="91425" anchor="t" anchorCtr="0">
+            <a:noAutofit/>
+          </a:bodyPr>
+          <a:lstStyle/>
+          <a:p>
+            <a:pPr marL="0" lvl="0" indent="0" algn="l" rtl="0">
+              <a:lnSpc>
+                <a:spcPct val="100000"/>
+              </a:lnSpc>
+              <a:spcBef>
+                <a:spcPts val="0"/>
+              </a:spcBef>
+              <a:spcAft>
+                <a:spcPts val="0"/>
+              </a:spcAft>
+              <a:buSzPts val="1100"/>
+              <a:buNone/>
+            </a:pPr>
+            <a:endParaRPr/>
+          </a:p>
+        </p:txBody>
+      </p:sp>
+    </p:spTree>
+  </p:cSld>
+  <p:clrMapOvr>
+    <a:masterClrMapping/>
+  </p:clrMapOvr>
+</p:notes>
+</file>
+
+<file path=ppt/notesSlides/notesSlide12.xml><?xml version="1.0" encoding="utf-8"?>
+<p:notes xmlns:a="http://schemas.openxmlformats.org/drawingml/2006/main" xmlns:r="http://schemas.openxmlformats.org/officeDocument/2006/relationships" xmlns:p="http://schemas.openxmlformats.org/presentationml/2006/main" showMasterSp="0" showMasterPhAnim="0">
+  <p:cSld>
+    <p:spTree>
+      <p:nvGrpSpPr>
+        <p:cNvPr id="1" name="Shape 155"/>
+        <p:cNvGrpSpPr/>
+        <p:nvPr/>
+      </p:nvGrpSpPr>
+      <p:grpSpPr>
+        <a:xfrm>
+          <a:off x="0" y="0"/>
+          <a:ext cx="0" cy="0"/>
+          <a:chOff x="0" y="0"/>
+          <a:chExt cx="0" cy="0"/>
+        </a:xfrm>
+      </p:grpSpPr>
+      <p:sp>
+        <p:nvSpPr>
+          <p:cNvPr id="156" name="Google Shape;156;p17:notes"/>
+          <p:cNvSpPr>
+            <a:spLocks noGrp="1" noRot="1" noChangeAspect="1"/>
+          </p:cNvSpPr>
+          <p:nvPr>
+            <p:ph type="sldImg" idx="2"/>
+          </p:nvPr>
+        </p:nvSpPr>
+        <p:spPr>
+          <a:xfrm>
+            <a:off x="381000" y="685800"/>
+            <a:ext cx="6096000" cy="3429000"/>
+          </a:xfrm>
+          <a:custGeom>
+            <a:avLst/>
+            <a:gdLst/>
+            <a:ahLst/>
+            <a:cxnLst/>
+            <a:rect l="l" t="t" r="r" b="b"/>
+            <a:pathLst>
+              <a:path w="120000" h="120000" extrusionOk="0">
+                <a:moveTo>
+                  <a:pt x="0" y="0"/>
+                </a:moveTo>
+                <a:lnTo>
+                  <a:pt x="120000" y="0"/>
+                </a:lnTo>
+                <a:lnTo>
+                  <a:pt x="120000" y="120000"/>
+                </a:lnTo>
+                <a:lnTo>
+                  <a:pt x="0" y="120000"/>
+                </a:lnTo>
+                <a:close/>
+              </a:path>
+            </a:pathLst>
+          </a:custGeom>
+          <a:noFill/>
+          <a:ln w="9525" cap="flat" cmpd="sng">
+            <a:solidFill>
+              <a:srgbClr val="000000"/>
+            </a:solidFill>
+            <a:prstDash val="solid"/>
+            <a:round/>
+            <a:headEnd type="none" w="sm" len="sm"/>
+            <a:tailEnd type="none" w="sm" len="sm"/>
+          </a:ln>
+        </p:spPr>
+      </p:sp>
+      <p:sp>
+        <p:nvSpPr>
+          <p:cNvPr id="157" name="Google Shape;157;p17:notes"/>
+          <p:cNvSpPr txBox="1">
+            <a:spLocks noGrp="1"/>
+          </p:cNvSpPr>
+          <p:nvPr>
+            <p:ph type="body" idx="1"/>
+          </p:nvPr>
+        </p:nvSpPr>
+        <p:spPr>
+          <a:xfrm>
+            <a:off x="685800" y="4343400"/>
+            <a:ext cx="5486400" cy="4114800"/>
+          </a:xfrm>
+          <a:prstGeom prst="rect">
+            <a:avLst/>
+          </a:prstGeom>
+          <a:noFill/>
+          <a:ln>
+            <a:noFill/>
+          </a:ln>
+        </p:spPr>
+        <p:txBody>
+          <a:bodyPr spcFirstLastPara="1" wrap="square" lIns="91425" tIns="91425" rIns="91425" bIns="91425" anchor="t" anchorCtr="0">
+            <a:noAutofit/>
+          </a:bodyPr>
+          <a:lstStyle/>
+          <a:p>
+            <a:pPr marL="0" lvl="0" indent="0" algn="l" rtl="0">
+              <a:lnSpc>
+                <a:spcPct val="100000"/>
+              </a:lnSpc>
+              <a:spcBef>
+                <a:spcPts val="0"/>
+              </a:spcBef>
+              <a:spcAft>
+                <a:spcPts val="0"/>
+              </a:spcAft>
+              <a:buSzPts val="1100"/>
+              <a:buNone/>
+            </a:pPr>
+            <a:endParaRPr/>
+          </a:p>
+        </p:txBody>
+      </p:sp>
+    </p:spTree>
+  </p:cSld>
+  <p:clrMapOvr>
+    <a:masterClrMapping/>
+  </p:clrMapOvr>
+</p:notes>
+</file>
+
+<file path=ppt/notesSlides/notesSlide13.xml><?xml version="1.0" encoding="utf-8"?>
+<p:notes xmlns:a="http://schemas.openxmlformats.org/drawingml/2006/main" xmlns:r="http://schemas.openxmlformats.org/officeDocument/2006/relationships" xmlns:p="http://schemas.openxmlformats.org/presentationml/2006/main" showMasterSp="0" showMasterPhAnim="0">
+  <p:cSld>
+    <p:spTree>
+      <p:nvGrpSpPr>
+        <p:cNvPr id="1" name="Shape 161"/>
+        <p:cNvGrpSpPr/>
+        <p:nvPr/>
+      </p:nvGrpSpPr>
+      <p:grpSpPr>
+        <a:xfrm>
+          <a:off x="0" y="0"/>
+          <a:ext cx="0" cy="0"/>
+          <a:chOff x="0" y="0"/>
+          <a:chExt cx="0" cy="0"/>
+        </a:xfrm>
+      </p:grpSpPr>
+      <p:sp>
+        <p:nvSpPr>
+          <p:cNvPr id="162" name="Google Shape;162;p18:notes"/>
+          <p:cNvSpPr>
+            <a:spLocks noGrp="1" noRot="1" noChangeAspect="1"/>
+          </p:cNvSpPr>
+          <p:nvPr>
+            <p:ph type="sldImg" idx="2"/>
+          </p:nvPr>
+        </p:nvSpPr>
+        <p:spPr>
+          <a:xfrm>
+            <a:off x="381000" y="685800"/>
+            <a:ext cx="6096000" cy="3429000"/>
+          </a:xfrm>
+          <a:custGeom>
+            <a:avLst/>
+            <a:gdLst/>
+            <a:ahLst/>
+            <a:cxnLst/>
+            <a:rect l="l" t="t" r="r" b="b"/>
+            <a:pathLst>
+              <a:path w="120000" h="120000" extrusionOk="0">
+                <a:moveTo>
+                  <a:pt x="0" y="0"/>
+                </a:moveTo>
+                <a:lnTo>
+                  <a:pt x="120000" y="0"/>
+                </a:lnTo>
+                <a:lnTo>
+                  <a:pt x="120000" y="120000"/>
+                </a:lnTo>
+                <a:lnTo>
+                  <a:pt x="0" y="120000"/>
+                </a:lnTo>
+                <a:close/>
+              </a:path>
+            </a:pathLst>
+          </a:custGeom>
+          <a:noFill/>
+          <a:ln w="9525" cap="flat" cmpd="sng">
+            <a:solidFill>
+              <a:srgbClr val="000000"/>
+            </a:solidFill>
+            <a:prstDash val="solid"/>
+            <a:round/>
+            <a:headEnd type="none" w="sm" len="sm"/>
+            <a:tailEnd type="none" w="sm" len="sm"/>
+          </a:ln>
+        </p:spPr>
+      </p:sp>
+      <p:sp>
+        <p:nvSpPr>
+          <p:cNvPr id="163" name="Google Shape;163;p18:notes"/>
+          <p:cNvSpPr txBox="1">
+            <a:spLocks noGrp="1"/>
+          </p:cNvSpPr>
+          <p:nvPr>
+            <p:ph type="body" idx="1"/>
+          </p:nvPr>
+        </p:nvSpPr>
+        <p:spPr>
+          <a:xfrm>
+            <a:off x="685800" y="4343400"/>
+            <a:ext cx="5486400" cy="4114800"/>
+          </a:xfrm>
+          <a:prstGeom prst="rect">
+            <a:avLst/>
+          </a:prstGeom>
+          <a:noFill/>
+          <a:ln>
+            <a:noFill/>
+          </a:ln>
+        </p:spPr>
+        <p:txBody>
+          <a:bodyPr spcFirstLastPara="1" wrap="square" lIns="91425" tIns="91425" rIns="91425" bIns="91425" anchor="t" anchorCtr="0">
+            <a:noAutofit/>
+          </a:bodyPr>
+          <a:lstStyle/>
+          <a:p>
+            <a:pPr marL="0" lvl="0" indent="0" algn="l" rtl="0">
+              <a:lnSpc>
+                <a:spcPct val="100000"/>
+              </a:lnSpc>
+              <a:spcBef>
+                <a:spcPts val="0"/>
+              </a:spcBef>
+              <a:spcAft>
+                <a:spcPts val="0"/>
+              </a:spcAft>
+              <a:buSzPts val="1100"/>
+              <a:buNone/>
+            </a:pPr>
+            <a:endParaRPr/>
+          </a:p>
+        </p:txBody>
+      </p:sp>
+    </p:spTree>
+  </p:cSld>
+  <p:clrMapOvr>
+    <a:masterClrMapping/>
+  </p:clrMapOvr>
+</p:notes>
+</file>
+
+<file path=ppt/notesSlides/notesSlide2.xml><?xml version="1.0" encoding="utf-8"?>
+<p:notes xmlns:a="http://schemas.openxmlformats.org/drawingml/2006/main" xmlns:r="http://schemas.openxmlformats.org/officeDocument/2006/relationships" xmlns:p="http://schemas.openxmlformats.org/presentationml/2006/main" showMasterSp="0" showMasterPhAnim="0">
+  <p:cSld>
+    <p:spTree>
+      <p:nvGrpSpPr>
+        <p:cNvPr id="1" name="Shape 89"/>
+        <p:cNvGrpSpPr/>
+        <p:nvPr/>
+      </p:nvGrpSpPr>
+      <p:grpSpPr>
+        <a:xfrm>
+          <a:off x="0" y="0"/>
+          <a:ext cx="0" cy="0"/>
+          <a:chOff x="0" y="0"/>
+          <a:chExt cx="0" cy="0"/>
+        </a:xfrm>
+      </p:grpSpPr>
+      <p:sp>
+        <p:nvSpPr>
+          <p:cNvPr id="90" name="Google Shape;90;p7:notes"/>
+          <p:cNvSpPr>
+            <a:spLocks noGrp="1" noRot="1" noChangeAspect="1"/>
+          </p:cNvSpPr>
+          <p:nvPr>
+            <p:ph type="sldImg" idx="2"/>
+          </p:nvPr>
+        </p:nvSpPr>
+        <p:spPr>
+          <a:xfrm>
+            <a:off x="381000" y="685800"/>
+            <a:ext cx="6096000" cy="3429000"/>
+          </a:xfrm>
+          <a:custGeom>
+            <a:avLst/>
+            <a:gdLst/>
+            <a:ahLst/>
+            <a:cxnLst/>
+            <a:rect l="l" t="t" r="r" b="b"/>
+            <a:pathLst>
+              <a:path w="120000" h="120000" extrusionOk="0">
+                <a:moveTo>
+                  <a:pt x="0" y="0"/>
+                </a:moveTo>
+                <a:lnTo>
+                  <a:pt x="120000" y="0"/>
+                </a:lnTo>
+                <a:lnTo>
+                  <a:pt x="120000" y="120000"/>
+                </a:lnTo>
+                <a:lnTo>
+                  <a:pt x="0" y="120000"/>
+                </a:lnTo>
+                <a:close/>
+              </a:path>
+            </a:pathLst>
+          </a:custGeom>
+          <a:noFill/>
+          <a:ln w="9525" cap="flat" cmpd="sng">
+            <a:solidFill>
+              <a:srgbClr val="000000"/>
+            </a:solidFill>
+            <a:prstDash val="solid"/>
+            <a:round/>
+            <a:headEnd type="none" w="sm" len="sm"/>
+            <a:tailEnd type="none" w="sm" len="sm"/>
+          </a:ln>
+        </p:spPr>
+      </p:sp>
+      <p:sp>
+        <p:nvSpPr>
+          <p:cNvPr id="91" name="Google Shape;91;p7:notes"/>
+          <p:cNvSpPr txBox="1">
+            <a:spLocks noGrp="1"/>
+          </p:cNvSpPr>
+          <p:nvPr>
+            <p:ph type="body" idx="1"/>
+          </p:nvPr>
+        </p:nvSpPr>
+        <p:spPr>
+          <a:xfrm>
+            <a:off x="685800" y="4343400"/>
+            <a:ext cx="5486400" cy="4114800"/>
+          </a:xfrm>
+          <a:prstGeom prst="rect">
+            <a:avLst/>
+          </a:prstGeom>
+          <a:noFill/>
+          <a:ln>
+            <a:noFill/>
+          </a:ln>
+        </p:spPr>
+        <p:txBody>
+          <a:bodyPr spcFirstLastPara="1" wrap="square" lIns="91425" tIns="91425" rIns="91425" bIns="91425" anchor="t" anchorCtr="0">
+            <a:noAutofit/>
+          </a:bodyPr>
+          <a:lstStyle/>
+          <a:p>
+            <a:pPr marL="0" lvl="0" indent="0" algn="l" rtl="0">
+              <a:lnSpc>
+                <a:spcPct val="100000"/>
+              </a:lnSpc>
+              <a:spcBef>
+                <a:spcPts val="0"/>
+              </a:spcBef>
+              <a:spcAft>
+                <a:spcPts val="0"/>
+              </a:spcAft>
+              <a:buSzPts val="1100"/>
+              <a:buNone/>
+            </a:pPr>
+            <a:endParaRPr/>
+          </a:p>
+        </p:txBody>
+      </p:sp>
+    </p:spTree>
+  </p:cSld>
+  <p:clrMapOvr>
+    <a:masterClrMapping/>
+  </p:clrMapOvr>
+</p:notes>
+</file>
+
+<file path=ppt/notesSlides/notesSlide3.xml><?xml version="1.0" encoding="utf-8"?>
+<p:notes xmlns:a="http://schemas.openxmlformats.org/drawingml/2006/main" xmlns:r="http://schemas.openxmlformats.org/officeDocument/2006/relationships" xmlns:p="http://schemas.openxmlformats.org/presentationml/2006/main" showMasterSp="0" showMasterPhAnim="0">
+  <p:cSld>
+    <p:spTree>
+      <p:nvGrpSpPr>
+        <p:cNvPr id="1" name="Shape 95"/>
+        <p:cNvGrpSpPr/>
+        <p:nvPr/>
+      </p:nvGrpSpPr>
+      <p:grpSpPr>
+        <a:xfrm>
+          <a:off x="0" y="0"/>
+          <a:ext cx="0" cy="0"/>
+          <a:chOff x="0" y="0"/>
+          <a:chExt cx="0" cy="0"/>
+        </a:xfrm>
+      </p:grpSpPr>
+      <p:sp>
+        <p:nvSpPr>
+          <p:cNvPr id="96" name="Google Shape;96;p8:notes"/>
+          <p:cNvSpPr>
+            <a:spLocks noGrp="1" noRot="1" noChangeAspect="1"/>
+          </p:cNvSpPr>
+          <p:nvPr>
+            <p:ph type="sldImg" idx="2"/>
+          </p:nvPr>
+        </p:nvSpPr>
+        <p:spPr>
+          <a:xfrm>
+            <a:off x="381000" y="685800"/>
+            <a:ext cx="6096000" cy="3429000"/>
+          </a:xfrm>
+          <a:custGeom>
+            <a:avLst/>
+            <a:gdLst/>
+            <a:ahLst/>
+            <a:cxnLst/>
+            <a:rect l="l" t="t" r="r" b="b"/>
+            <a:pathLst>
+              <a:path w="120000" h="120000" extrusionOk="0">
+                <a:moveTo>
+                  <a:pt x="0" y="0"/>
+                </a:moveTo>
+                <a:lnTo>
+                  <a:pt x="120000" y="0"/>
+                </a:lnTo>
+                <a:lnTo>
+                  <a:pt x="120000" y="120000"/>
+                </a:lnTo>
+                <a:lnTo>
+                  <a:pt x="0" y="120000"/>
+                </a:lnTo>
+                <a:close/>
+              </a:path>
+            </a:pathLst>
+          </a:custGeom>
+          <a:noFill/>
+          <a:ln w="9525" cap="flat" cmpd="sng">
+            <a:solidFill>
+              <a:srgbClr val="000000"/>
+            </a:solidFill>
+            <a:prstDash val="solid"/>
+            <a:round/>
+            <a:headEnd type="none" w="sm" len="sm"/>
+            <a:tailEnd type="none" w="sm" len="sm"/>
+          </a:ln>
+        </p:spPr>
+      </p:sp>
+      <p:sp>
+        <p:nvSpPr>
+          <p:cNvPr id="97" name="Google Shape;97;p8:notes"/>
+          <p:cNvSpPr txBox="1">
+            <a:spLocks noGrp="1"/>
+          </p:cNvSpPr>
+          <p:nvPr>
+            <p:ph type="body" idx="1"/>
+          </p:nvPr>
+        </p:nvSpPr>
+        <p:spPr>
+          <a:xfrm>
+            <a:off x="685800" y="4343400"/>
+            <a:ext cx="5486400" cy="4114800"/>
+          </a:xfrm>
+          <a:prstGeom prst="rect">
+            <a:avLst/>
+          </a:prstGeom>
+          <a:noFill/>
+          <a:ln>
+            <a:noFill/>
+          </a:ln>
+        </p:spPr>
+        <p:txBody>
+          <a:bodyPr spcFirstLastPara="1" wrap="square" lIns="91425" tIns="91425" rIns="91425" bIns="91425" anchor="t" anchorCtr="0">
+            <a:noAutofit/>
+          </a:bodyPr>
+          <a:lstStyle/>
+          <a:p>
+            <a:pPr marL="0" lvl="0" indent="0" algn="l" rtl="0">
+              <a:lnSpc>
+                <a:spcPct val="100000"/>
+              </a:lnSpc>
+              <a:spcBef>
+                <a:spcPts val="0"/>
+              </a:spcBef>
+              <a:spcAft>
+                <a:spcPts val="0"/>
+              </a:spcAft>
+              <a:buSzPts val="1100"/>
+              <a:buNone/>
+            </a:pPr>
+            <a:endParaRPr/>
+          </a:p>
+        </p:txBody>
+      </p:sp>
+    </p:spTree>
+  </p:cSld>
+  <p:clrMapOvr>
+    <a:masterClrMapping/>
+  </p:clrMapOvr>
+</p:notes>
+</file>
+
+<file path=ppt/notesSlides/notesSlide4.xml><?xml version="1.0" encoding="utf-8"?>
+<p:notes xmlns:a="http://schemas.openxmlformats.org/drawingml/2006/main" xmlns:r="http://schemas.openxmlformats.org/officeDocument/2006/relationships" xmlns:p="http://schemas.openxmlformats.org/presentationml/2006/main" showMasterSp="0" showMasterPhAnim="0">
+  <p:cSld>
+    <p:spTree>
+      <p:nvGrpSpPr>
+        <p:cNvPr id="1" name="Shape 103"/>
+        <p:cNvGrpSpPr/>
+        <p:nvPr/>
+      </p:nvGrpSpPr>
+      <p:grpSpPr>
+        <a:xfrm>
+          <a:off x="0" y="0"/>
+          <a:ext cx="0" cy="0"/>
+          <a:chOff x="0" y="0"/>
+          <a:chExt cx="0" cy="0"/>
+        </a:xfrm>
+      </p:grpSpPr>
+      <p:sp>
+        <p:nvSpPr>
+          <p:cNvPr id="104" name="Google Shape;104;p9:notes"/>
+          <p:cNvSpPr>
+            <a:spLocks noGrp="1" noRot="1" noChangeAspect="1"/>
+          </p:cNvSpPr>
+          <p:nvPr>
+            <p:ph type="sldImg" idx="2"/>
+          </p:nvPr>
+        </p:nvSpPr>
+        <p:spPr>
+          <a:xfrm>
+            <a:off x="381000" y="685800"/>
+            <a:ext cx="6096000" cy="3429000"/>
+          </a:xfrm>
+          <a:custGeom>
+            <a:avLst/>
+            <a:gdLst/>
+            <a:ahLst/>
+            <a:cxnLst/>
+            <a:rect l="l" t="t" r="r" b="b"/>
+            <a:pathLst>
+              <a:path w="120000" h="120000" extrusionOk="0">
+                <a:moveTo>
+                  <a:pt x="0" y="0"/>
+                </a:moveTo>
+                <a:lnTo>
+                  <a:pt x="120000" y="0"/>
+                </a:lnTo>
+                <a:lnTo>
+                  <a:pt x="120000" y="120000"/>
+                </a:lnTo>
+                <a:lnTo>
+                  <a:pt x="0" y="120000"/>
+                </a:lnTo>
+                <a:close/>
+              </a:path>
+            </a:pathLst>
+          </a:custGeom>
+          <a:noFill/>
+          <a:ln w="9525" cap="flat" cmpd="sng">
+            <a:solidFill>
+              <a:srgbClr val="000000"/>
+            </a:solidFill>
+            <a:prstDash val="solid"/>
+            <a:round/>
+            <a:headEnd type="none" w="sm" len="sm"/>
+            <a:tailEnd type="none" w="sm" len="sm"/>
+          </a:ln>
+        </p:spPr>
+      </p:sp>
+      <p:sp>
+        <p:nvSpPr>
+          <p:cNvPr id="105" name="Google Shape;105;p9:notes"/>
+          <p:cNvSpPr txBox="1">
+            <a:spLocks noGrp="1"/>
+          </p:cNvSpPr>
+          <p:nvPr>
+            <p:ph type="body" idx="1"/>
+          </p:nvPr>
+        </p:nvSpPr>
+        <p:spPr>
+          <a:xfrm>
+            <a:off x="685800" y="4343400"/>
+            <a:ext cx="5486400" cy="4114800"/>
+          </a:xfrm>
+          <a:prstGeom prst="rect">
+            <a:avLst/>
+          </a:prstGeom>
+          <a:noFill/>
+          <a:ln>
+            <a:noFill/>
+          </a:ln>
+        </p:spPr>
+        <p:txBody>
+          <a:bodyPr spcFirstLastPara="1" wrap="square" lIns="91425" tIns="91425" rIns="91425" bIns="91425" anchor="t" anchorCtr="0">
+            <a:noAutofit/>
+          </a:bodyPr>
+          <a:lstStyle/>
+          <a:p>
+            <a:pPr marL="0" lvl="0" indent="0" algn="l" rtl="0">
+              <a:lnSpc>
+                <a:spcPct val="100000"/>
+              </a:lnSpc>
+              <a:spcBef>
+                <a:spcPts val="0"/>
+              </a:spcBef>
+              <a:spcAft>
+                <a:spcPts val="0"/>
+              </a:spcAft>
+              <a:buSzPts val="1100"/>
+              <a:buNone/>
+            </a:pPr>
+            <a:endParaRPr/>
+          </a:p>
+        </p:txBody>
+      </p:sp>
+    </p:spTree>
+  </p:cSld>
+  <p:clrMapOvr>
+    <a:masterClrMapping/>
+  </p:clrMapOvr>
+</p:notes>
+</file>
+
+<file path=ppt/notesSlides/notesSlide5.xml><?xml version="1.0" encoding="utf-8"?>
+<p:notes xmlns:a="http://schemas.openxmlformats.org/drawingml/2006/main" xmlns:r="http://schemas.openxmlformats.org/officeDocument/2006/relationships" xmlns:p="http://schemas.openxmlformats.org/presentationml/2006/main" showMasterSp="0" showMasterPhAnim="0">
+  <p:cSld>
+    <p:spTree>
+      <p:nvGrpSpPr>
+        <p:cNvPr id="1" name="Shape 109"/>
+        <p:cNvGrpSpPr/>
+        <p:nvPr/>
+      </p:nvGrpSpPr>
+      <p:grpSpPr>
+        <a:xfrm>
+          <a:off x="0" y="0"/>
+          <a:ext cx="0" cy="0"/>
+          <a:chOff x="0" y="0"/>
+          <a:chExt cx="0" cy="0"/>
+        </a:xfrm>
+      </p:grpSpPr>
+      <p:sp>
+        <p:nvSpPr>
+          <p:cNvPr id="110" name="Google Shape;110;p10:notes"/>
+          <p:cNvSpPr>
+            <a:spLocks noGrp="1" noRot="1" noChangeAspect="1"/>
+          </p:cNvSpPr>
+          <p:nvPr>
+            <p:ph type="sldImg" idx="2"/>
+          </p:nvPr>
+        </p:nvSpPr>
+        <p:spPr>
+          <a:xfrm>
+            <a:off x="381000" y="685800"/>
+            <a:ext cx="6096000" cy="3429000"/>
+          </a:xfrm>
+          <a:custGeom>
+            <a:avLst/>
+            <a:gdLst/>
+            <a:ahLst/>
+            <a:cxnLst/>
+            <a:rect l="l" t="t" r="r" b="b"/>
+            <a:pathLst>
+              <a:path w="120000" h="120000" extrusionOk="0">
+                <a:moveTo>
+                  <a:pt x="0" y="0"/>
+                </a:moveTo>
+                <a:lnTo>
+                  <a:pt x="120000" y="0"/>
+                </a:lnTo>
+                <a:lnTo>
+                  <a:pt x="120000" y="120000"/>
+                </a:lnTo>
+                <a:lnTo>
+                  <a:pt x="0" y="120000"/>
+                </a:lnTo>
+                <a:close/>
+              </a:path>
+            </a:pathLst>
+          </a:custGeom>
+          <a:noFill/>
+          <a:ln w="9525" cap="flat" cmpd="sng">
+            <a:solidFill>
+              <a:srgbClr val="000000"/>
+            </a:solidFill>
+            <a:prstDash val="solid"/>
+            <a:round/>
+            <a:headEnd type="none" w="sm" len="sm"/>
+            <a:tailEnd type="none" w="sm" len="sm"/>
+          </a:ln>
+        </p:spPr>
+      </p:sp>
+      <p:sp>
+        <p:nvSpPr>
+          <p:cNvPr id="111" name="Google Shape;111;p10:notes"/>
+          <p:cNvSpPr txBox="1">
+            <a:spLocks noGrp="1"/>
+          </p:cNvSpPr>
+          <p:nvPr>
+            <p:ph type="body" idx="1"/>
+          </p:nvPr>
+        </p:nvSpPr>
+        <p:spPr>
+          <a:xfrm>
+            <a:off x="685800" y="4343400"/>
+            <a:ext cx="5486400" cy="4114800"/>
+          </a:xfrm>
+          <a:prstGeom prst="rect">
+            <a:avLst/>
+          </a:prstGeom>
+          <a:noFill/>
+          <a:ln>
+            <a:noFill/>
+          </a:ln>
+        </p:spPr>
+        <p:txBody>
+          <a:bodyPr spcFirstLastPara="1" wrap="square" lIns="91425" tIns="91425" rIns="91425" bIns="91425" anchor="t" anchorCtr="0">
+            <a:noAutofit/>
+          </a:bodyPr>
+          <a:lstStyle/>
+          <a:p>
+            <a:pPr marL="0" lvl="0" indent="0" algn="l" rtl="0">
+              <a:lnSpc>
+                <a:spcPct val="100000"/>
+              </a:lnSpc>
+              <a:spcBef>
+                <a:spcPts val="0"/>
+              </a:spcBef>
+              <a:spcAft>
+                <a:spcPts val="0"/>
+              </a:spcAft>
+              <a:buSzPts val="1100"/>
+              <a:buNone/>
+            </a:pPr>
+            <a:endParaRPr/>
+          </a:p>
+        </p:txBody>
+      </p:sp>
+    </p:spTree>
+  </p:cSld>
+  <p:clrMapOvr>
+    <a:masterClrMapping/>
+  </p:clrMapOvr>
+</p:notes>
+</file>
+
+<file path=ppt/notesSlides/notesSlide6.xml><?xml version="1.0" encoding="utf-8"?>
+<p:notes xmlns:a="http://schemas.openxmlformats.org/drawingml/2006/main" xmlns:r="http://schemas.openxmlformats.org/officeDocument/2006/relationships" xmlns:p="http://schemas.openxmlformats.org/presentationml/2006/main" showMasterSp="0" showMasterPhAnim="0">
+  <p:cSld>
+    <p:spTree>
+      <p:nvGrpSpPr>
+        <p:cNvPr id="1" name="Shape 115"/>
+        <p:cNvGrpSpPr/>
+        <p:nvPr/>
+      </p:nvGrpSpPr>
+      <p:grpSpPr>
+        <a:xfrm>
+          <a:off x="0" y="0"/>
+          <a:ext cx="0" cy="0"/>
+          <a:chOff x="0" y="0"/>
+          <a:chExt cx="0" cy="0"/>
+        </a:xfrm>
+      </p:grpSpPr>
+      <p:sp>
+        <p:nvSpPr>
+          <p:cNvPr id="116" name="Google Shape;116;p11:notes"/>
+          <p:cNvSpPr>
+            <a:spLocks noGrp="1" noRot="1" noChangeAspect="1"/>
+          </p:cNvSpPr>
+          <p:nvPr>
+            <p:ph type="sldImg" idx="2"/>
+          </p:nvPr>
+        </p:nvSpPr>
+        <p:spPr>
+          <a:xfrm>
+            <a:off x="381000" y="685800"/>
+            <a:ext cx="6096000" cy="3429000"/>
+          </a:xfrm>
+          <a:custGeom>
+            <a:avLst/>
+            <a:gdLst/>
+            <a:ahLst/>
+            <a:cxnLst/>
+            <a:rect l="l" t="t" r="r" b="b"/>
+            <a:pathLst>
+              <a:path w="120000" h="120000" extrusionOk="0">
+                <a:moveTo>
+                  <a:pt x="0" y="0"/>
+                </a:moveTo>
+                <a:lnTo>
+                  <a:pt x="120000" y="0"/>
+                </a:lnTo>
+                <a:lnTo>
+                  <a:pt x="120000" y="120000"/>
+                </a:lnTo>
+                <a:lnTo>
+                  <a:pt x="0" y="120000"/>
+                </a:lnTo>
+                <a:close/>
+              </a:path>
+            </a:pathLst>
+          </a:custGeom>
+          <a:noFill/>
+          <a:ln w="9525" cap="flat" cmpd="sng">
+            <a:solidFill>
+              <a:srgbClr val="000000"/>
+            </a:solidFill>
+            <a:prstDash val="solid"/>
+            <a:round/>
+            <a:headEnd type="none" w="sm" len="sm"/>
+            <a:tailEnd type="none" w="sm" len="sm"/>
+          </a:ln>
+        </p:spPr>
+      </p:sp>
+      <p:sp>
+        <p:nvSpPr>
+          <p:cNvPr id="117" name="Google Shape;117;p11:notes"/>
+          <p:cNvSpPr txBox="1">
+            <a:spLocks noGrp="1"/>
+          </p:cNvSpPr>
+          <p:nvPr>
+            <p:ph type="body" idx="1"/>
+          </p:nvPr>
+        </p:nvSpPr>
+        <p:spPr>
+          <a:xfrm>
+            <a:off x="685800" y="4343400"/>
+            <a:ext cx="5486400" cy="4114800"/>
+          </a:xfrm>
+          <a:prstGeom prst="rect">
+            <a:avLst/>
+          </a:prstGeom>
+          <a:noFill/>
+          <a:ln>
+            <a:noFill/>
+          </a:ln>
+        </p:spPr>
+        <p:txBody>
+          <a:bodyPr spcFirstLastPara="1" wrap="square" lIns="91425" tIns="91425" rIns="91425" bIns="91425" anchor="t" anchorCtr="0">
+            <a:noAutofit/>
+          </a:bodyPr>
+          <a:lstStyle/>
+          <a:p>
+            <a:pPr marL="0" lvl="0" indent="0" algn="l" rtl="0">
+              <a:lnSpc>
+                <a:spcPct val="100000"/>
+              </a:lnSpc>
+              <a:spcBef>
+                <a:spcPts val="0"/>
+              </a:spcBef>
+              <a:spcAft>
+                <a:spcPts val="0"/>
+              </a:spcAft>
+              <a:buSzPts val="1100"/>
+              <a:buNone/>
+            </a:pPr>
+            <a:endParaRPr/>
+          </a:p>
+        </p:txBody>
+      </p:sp>
+    </p:spTree>
+  </p:cSld>
+  <p:clrMapOvr>
+    <a:masterClrMapping/>
+  </p:clrMapOvr>
+</p:notes>
+</file>
+
+<file path=ppt/notesSlides/notesSlide7.xml><?xml version="1.0" encoding="utf-8"?>
+<p:notes xmlns:a="http://schemas.openxmlformats.org/drawingml/2006/main" xmlns:r="http://schemas.openxmlformats.org/officeDocument/2006/relationships" xmlns:p="http://schemas.openxmlformats.org/presentationml/2006/main" showMasterSp="0" showMasterPhAnim="0">
+  <p:cSld>
+    <p:spTree>
+      <p:nvGrpSpPr>
+        <p:cNvPr id="1" name="Shape 121"/>
+        <p:cNvGrpSpPr/>
+        <p:nvPr/>
+      </p:nvGrpSpPr>
+      <p:grpSpPr>
+        <a:xfrm>
+          <a:off x="0" y="0"/>
+          <a:ext cx="0" cy="0"/>
+          <a:chOff x="0" y="0"/>
+          <a:chExt cx="0" cy="0"/>
+        </a:xfrm>
+      </p:grpSpPr>
+      <p:sp>
+        <p:nvSpPr>
+          <p:cNvPr id="122" name="Google Shape;122;p12:notes"/>
+          <p:cNvSpPr>
+            <a:spLocks noGrp="1" noRot="1" noChangeAspect="1"/>
+          </p:cNvSpPr>
+          <p:nvPr>
+            <p:ph type="sldImg" idx="2"/>
+          </p:nvPr>
+        </p:nvSpPr>
+        <p:spPr>
+          <a:xfrm>
+            <a:off x="381000" y="685800"/>
+            <a:ext cx="6096000" cy="3429000"/>
+          </a:xfrm>
+          <a:custGeom>
+            <a:avLst/>
+            <a:gdLst/>
+            <a:ahLst/>
+            <a:cxnLst/>
+            <a:rect l="l" t="t" r="r" b="b"/>
+            <a:pathLst>
+              <a:path w="120000" h="120000" extrusionOk="0">
+                <a:moveTo>
+                  <a:pt x="0" y="0"/>
+                </a:moveTo>
+                <a:lnTo>
+                  <a:pt x="120000" y="0"/>
+                </a:lnTo>
+                <a:lnTo>
+                  <a:pt x="120000" y="120000"/>
+                </a:lnTo>
+                <a:lnTo>
+                  <a:pt x="0" y="120000"/>
+                </a:lnTo>
+                <a:close/>
+              </a:path>
+            </a:pathLst>
+          </a:custGeom>
+          <a:noFill/>
+          <a:ln w="9525" cap="flat" cmpd="sng">
+            <a:solidFill>
+              <a:srgbClr val="000000"/>
+            </a:solidFill>
+            <a:prstDash val="solid"/>
+            <a:round/>
+            <a:headEnd type="none" w="sm" len="sm"/>
+            <a:tailEnd type="none" w="sm" len="sm"/>
+          </a:ln>
+        </p:spPr>
+      </p:sp>
+      <p:sp>
+        <p:nvSpPr>
+          <p:cNvPr id="123" name="Google Shape;123;p12:notes"/>
+          <p:cNvSpPr txBox="1">
+            <a:spLocks noGrp="1"/>
+          </p:cNvSpPr>
+          <p:nvPr>
+            <p:ph type="body" idx="1"/>
+          </p:nvPr>
+        </p:nvSpPr>
+        <p:spPr>
+          <a:xfrm>
+            <a:off x="685800" y="4343400"/>
+            <a:ext cx="5486400" cy="4114800"/>
+          </a:xfrm>
+          <a:prstGeom prst="rect">
+            <a:avLst/>
+          </a:prstGeom>
+          <a:noFill/>
+          <a:ln>
+            <a:noFill/>
+          </a:ln>
+        </p:spPr>
+        <p:txBody>
+          <a:bodyPr spcFirstLastPara="1" wrap="square" lIns="91425" tIns="91425" rIns="91425" bIns="91425" anchor="t" anchorCtr="0">
+            <a:noAutofit/>
+          </a:bodyPr>
+          <a:lstStyle/>
+          <a:p>
+            <a:pPr marL="0" lvl="0" indent="0" algn="l" rtl="0">
+              <a:lnSpc>
+                <a:spcPct val="100000"/>
+              </a:lnSpc>
+              <a:spcBef>
+                <a:spcPts val="0"/>
+              </a:spcBef>
+              <a:spcAft>
+                <a:spcPts val="0"/>
+              </a:spcAft>
+              <a:buSzPts val="1100"/>
+              <a:buNone/>
+            </a:pPr>
+            <a:endParaRPr/>
+          </a:p>
+        </p:txBody>
+      </p:sp>
+    </p:spTree>
+  </p:cSld>
+  <p:clrMapOvr>
+    <a:masterClrMapping/>
+  </p:clrMapOvr>
+</p:notes>
+</file>
+
+<file path=ppt/notesSlides/notesSlide8.xml><?xml version="1.0" encoding="utf-8"?>
+<p:notes xmlns:a="http://schemas.openxmlformats.org/drawingml/2006/main" xmlns:r="http://schemas.openxmlformats.org/officeDocument/2006/relationships" xmlns:p="http://schemas.openxmlformats.org/presentationml/2006/main" showMasterSp="0" showMasterPhAnim="0">
+  <p:cSld>
+    <p:spTree>
+      <p:nvGrpSpPr>
+        <p:cNvPr id="1" name="Shape 127"/>
+        <p:cNvGrpSpPr/>
+        <p:nvPr/>
+      </p:nvGrpSpPr>
+      <p:grpSpPr>
+        <a:xfrm>
+          <a:off x="0" y="0"/>
+          <a:ext cx="0" cy="0"/>
+          <a:chOff x="0" y="0"/>
+          <a:chExt cx="0" cy="0"/>
+        </a:xfrm>
+      </p:grpSpPr>
+      <p:sp>
+        <p:nvSpPr>
+          <p:cNvPr id="128" name="Google Shape;128;p13:notes"/>
+          <p:cNvSpPr>
+            <a:spLocks noGrp="1" noRot="1" noChangeAspect="1"/>
+          </p:cNvSpPr>
+          <p:nvPr>
+            <p:ph type="sldImg" idx="2"/>
+          </p:nvPr>
+        </p:nvSpPr>
+        <p:spPr>
+          <a:xfrm>
+            <a:off x="381000" y="685800"/>
+            <a:ext cx="6096000" cy="3429000"/>
+          </a:xfrm>
+          <a:custGeom>
+            <a:avLst/>
+            <a:gdLst/>
+            <a:ahLst/>
+            <a:cxnLst/>
+            <a:rect l="l" t="t" r="r" b="b"/>
+            <a:pathLst>
+              <a:path w="120000" h="120000" extrusionOk="0">
+                <a:moveTo>
+                  <a:pt x="0" y="0"/>
+                </a:moveTo>
+                <a:lnTo>
+                  <a:pt x="120000" y="0"/>
+                </a:lnTo>
+                <a:lnTo>
+                  <a:pt x="120000" y="120000"/>
+                </a:lnTo>
+                <a:lnTo>
+                  <a:pt x="0" y="120000"/>
+                </a:lnTo>
+                <a:close/>
+              </a:path>
+            </a:pathLst>
+          </a:custGeom>
+          <a:noFill/>
+          <a:ln w="9525" cap="flat" cmpd="sng">
+            <a:solidFill>
+              <a:srgbClr val="000000"/>
+            </a:solidFill>
+            <a:prstDash val="solid"/>
+            <a:round/>
+            <a:headEnd type="none" w="sm" len="sm"/>
+            <a:tailEnd type="none" w="sm" len="sm"/>
+          </a:ln>
+        </p:spPr>
+      </p:sp>
+      <p:sp>
+        <p:nvSpPr>
+          <p:cNvPr id="129" name="Google Shape;129;p13:notes"/>
+          <p:cNvSpPr txBox="1">
+            <a:spLocks noGrp="1"/>
+          </p:cNvSpPr>
+          <p:nvPr>
+            <p:ph type="body" idx="1"/>
+          </p:nvPr>
+        </p:nvSpPr>
+        <p:spPr>
+          <a:xfrm>
+            <a:off x="685800" y="4343400"/>
+            <a:ext cx="5486400" cy="4114800"/>
+          </a:xfrm>
+          <a:prstGeom prst="rect">
+            <a:avLst/>
+          </a:prstGeom>
+          <a:noFill/>
+          <a:ln>
+            <a:noFill/>
+          </a:ln>
+        </p:spPr>
+        <p:txBody>
+          <a:bodyPr spcFirstLastPara="1" wrap="square" lIns="91425" tIns="91425" rIns="91425" bIns="91425" anchor="t" anchorCtr="0">
+            <a:noAutofit/>
+          </a:bodyPr>
+          <a:lstStyle/>
+          <a:p>
+            <a:pPr marL="0" lvl="0" indent="0" algn="l" rtl="0">
+              <a:lnSpc>
+                <a:spcPct val="100000"/>
+              </a:lnSpc>
+              <a:spcBef>
+                <a:spcPts val="0"/>
+              </a:spcBef>
+              <a:spcAft>
+                <a:spcPts val="0"/>
+              </a:spcAft>
+              <a:buSzPts val="1100"/>
+              <a:buNone/>
+            </a:pPr>
+            <a:endParaRPr/>
+          </a:p>
+        </p:txBody>
+      </p:sp>
+    </p:spTree>
+  </p:cSld>
+  <p:clrMapOvr>
+    <a:masterClrMapping/>
+  </p:clrMapOvr>
+</p:notes>
+</file>
+
+<file path=ppt/notesSlides/notesSlide9.xml><?xml version="1.0" encoding="utf-8"?>
+<p:notes xmlns:a="http://schemas.openxmlformats.org/drawingml/2006/main" xmlns:r="http://schemas.openxmlformats.org/officeDocument/2006/relationships" xmlns:p="http://schemas.openxmlformats.org/presentationml/2006/main" showMasterSp="0" showMasterPhAnim="0">
+  <p:cSld>
+    <p:spTree>
+      <p:nvGrpSpPr>
+        <p:cNvPr id="1" name="Shape 133"/>
+        <p:cNvGrpSpPr/>
+        <p:nvPr/>
+      </p:nvGrpSpPr>
+      <p:grpSpPr>
+        <a:xfrm>
+          <a:off x="0" y="0"/>
+          <a:ext cx="0" cy="0"/>
+          <a:chOff x="0" y="0"/>
+          <a:chExt cx="0" cy="0"/>
+        </a:xfrm>
+      </p:grpSpPr>
+      <p:sp>
+        <p:nvSpPr>
+          <p:cNvPr id="134" name="Google Shape;134;p14:notes"/>
+          <p:cNvSpPr>
+            <a:spLocks noGrp="1" noRot="1" noChangeAspect="1"/>
+          </p:cNvSpPr>
+          <p:nvPr>
+            <p:ph type="sldImg" idx="2"/>
+          </p:nvPr>
+        </p:nvSpPr>
+        <p:spPr>
+          <a:xfrm>
+            <a:off x="381000" y="685800"/>
+            <a:ext cx="6096000" cy="3429000"/>
+          </a:xfrm>
+          <a:custGeom>
+            <a:avLst/>
+            <a:gdLst/>
+            <a:ahLst/>
+            <a:cxnLst/>
+            <a:rect l="l" t="t" r="r" b="b"/>
+            <a:pathLst>
+              <a:path w="120000" h="120000" extrusionOk="0">
+                <a:moveTo>
+                  <a:pt x="0" y="0"/>
+                </a:moveTo>
+                <a:lnTo>
+                  <a:pt x="120000" y="0"/>
+                </a:lnTo>
+                <a:lnTo>
+                  <a:pt x="120000" y="120000"/>
+                </a:lnTo>
+                <a:lnTo>
+                  <a:pt x="0" y="120000"/>
+                </a:lnTo>
+                <a:close/>
+              </a:path>
+            </a:pathLst>
+          </a:custGeom>
+          <a:noFill/>
+          <a:ln w="9525" cap="flat" cmpd="sng">
+            <a:solidFill>
+              <a:srgbClr val="000000"/>
+            </a:solidFill>
+            <a:prstDash val="solid"/>
+            <a:round/>
+            <a:headEnd type="none" w="sm" len="sm"/>
+            <a:tailEnd type="none" w="sm" len="sm"/>
+          </a:ln>
+        </p:spPr>
+      </p:sp>
+      <p:sp>
+        <p:nvSpPr>
+          <p:cNvPr id="135" name="Google Shape;135;p14:notes"/>
+          <p:cNvSpPr txBox="1">
+            <a:spLocks noGrp="1"/>
+          </p:cNvSpPr>
+          <p:nvPr>
+            <p:ph type="body" idx="1"/>
+          </p:nvPr>
+        </p:nvSpPr>
+        <p:spPr>
+          <a:xfrm>
+            <a:off x="685800" y="4343400"/>
+            <a:ext cx="5486400" cy="4114800"/>
+          </a:xfrm>
+          <a:prstGeom prst="rect">
+            <a:avLst/>
+          </a:prstGeom>
+          <a:noFill/>
+          <a:ln>
+            <a:noFill/>
+          </a:ln>
+        </p:spPr>
+        <p:txBody>
+          <a:bodyPr spcFirstLastPara="1" wrap="square" lIns="91425" tIns="91425" rIns="91425" bIns="91425" anchor="t" anchorCtr="0">
+            <a:noAutofit/>
+          </a:bodyPr>
+          <a:lstStyle/>
+          <a:p>
+            <a:pPr marL="0" lvl="0" indent="0" algn="l" rtl="0">
+              <a:lnSpc>
+                <a:spcPct val="100000"/>
+              </a:lnSpc>
+              <a:spcBef>
+                <a:spcPts val="0"/>
+              </a:spcBef>
+              <a:spcAft>
+                <a:spcPts val="0"/>
+              </a:spcAft>
+              <a:buSzPts val="1100"/>
+              <a:buNone/>
+            </a:pPr>
+            <a:endParaRPr/>
+          </a:p>
+        </p:txBody>
+      </p:sp>
+    </p:spTree>
+  </p:cSld>
+  <p:clrMapOvr>
+    <a:masterClrMapping/>
+  </p:clrMapOvr>
+</p:notes>
 </file>
 
 <file path=ppt/slideLayouts/slideLayout1.xml><?xml version="1.0" encoding="utf-8"?>
@@ -922,6 +2880,637 @@
 </p:sldLayout>
 </file>
 
+<file path=ppt/slideLayouts/slideLayout6.xml><?xml version="1.0" encoding="utf-8"?>
+<p:sldLayout xmlns:a="http://schemas.openxmlformats.org/drawingml/2006/main" xmlns:r="http://schemas.openxmlformats.org/officeDocument/2006/relationships" xmlns:p="http://schemas.openxmlformats.org/presentationml/2006/main" matchingName="Title and body" type="tx">
+  <p:cSld name="Title and body">
+    <p:spTree>
+      <p:nvGrpSpPr>
+        <p:cNvPr id="1" name="Shape 9"/>
+        <p:cNvGrpSpPr/>
+        <p:nvPr/>
+      </p:nvGrpSpPr>
+      <p:grpSpPr>
+        <a:xfrm>
+          <a:off x="0" y="0"/>
+          <a:ext cx="0" cy="0"/>
+          <a:chOff x="0" y="0"/>
+          <a:chExt cx="0" cy="0"/>
+        </a:xfrm>
+      </p:grpSpPr>
+      <p:sp>
+        <p:nvSpPr>
+          <p:cNvPr id="10" name="Google Shape;10;p24"/>
+          <p:cNvSpPr txBox="1">
+            <a:spLocks noGrp="1"/>
+          </p:cNvSpPr>
+          <p:nvPr>
+            <p:ph type="title"/>
+          </p:nvPr>
+        </p:nvSpPr>
+        <p:spPr>
+          <a:xfrm>
+            <a:off x="311700" y="445025"/>
+            <a:ext cx="8520600" cy="572700"/>
+          </a:xfrm>
+          <a:prstGeom prst="rect">
+            <a:avLst/>
+          </a:prstGeom>
+          <a:noFill/>
+          <a:ln>
+            <a:noFill/>
+          </a:ln>
+        </p:spPr>
+        <p:txBody>
+          <a:bodyPr spcFirstLastPara="1" wrap="square" lIns="91425" tIns="91425" rIns="91425" bIns="91425" anchor="t" anchorCtr="0">
+            <a:noAutofit/>
+          </a:bodyPr>
+          <a:lstStyle>
+            <a:lvl1pPr lvl="0" algn="l">
+              <a:lnSpc>
+                <a:spcPct val="100000"/>
+              </a:lnSpc>
+              <a:spcBef>
+                <a:spcPts val="0"/>
+              </a:spcBef>
+              <a:spcAft>
+                <a:spcPts val="0"/>
+              </a:spcAft>
+              <a:buSzPts val="2800"/>
+              <a:buNone/>
+              <a:defRPr/>
+            </a:lvl1pPr>
+            <a:lvl2pPr lvl="1" algn="l">
+              <a:lnSpc>
+                <a:spcPct val="100000"/>
+              </a:lnSpc>
+              <a:spcBef>
+                <a:spcPts val="0"/>
+              </a:spcBef>
+              <a:spcAft>
+                <a:spcPts val="0"/>
+              </a:spcAft>
+              <a:buSzPts val="2800"/>
+              <a:buNone/>
+              <a:defRPr/>
+            </a:lvl2pPr>
+            <a:lvl3pPr lvl="2" algn="l">
+              <a:lnSpc>
+                <a:spcPct val="100000"/>
+              </a:lnSpc>
+              <a:spcBef>
+                <a:spcPts val="0"/>
+              </a:spcBef>
+              <a:spcAft>
+                <a:spcPts val="0"/>
+              </a:spcAft>
+              <a:buSzPts val="2800"/>
+              <a:buNone/>
+              <a:defRPr/>
+            </a:lvl3pPr>
+            <a:lvl4pPr lvl="3" algn="l">
+              <a:lnSpc>
+                <a:spcPct val="100000"/>
+              </a:lnSpc>
+              <a:spcBef>
+                <a:spcPts val="0"/>
+              </a:spcBef>
+              <a:spcAft>
+                <a:spcPts val="0"/>
+              </a:spcAft>
+              <a:buSzPts val="2800"/>
+              <a:buNone/>
+              <a:defRPr/>
+            </a:lvl4pPr>
+            <a:lvl5pPr lvl="4" algn="l">
+              <a:lnSpc>
+                <a:spcPct val="100000"/>
+              </a:lnSpc>
+              <a:spcBef>
+                <a:spcPts val="0"/>
+              </a:spcBef>
+              <a:spcAft>
+                <a:spcPts val="0"/>
+              </a:spcAft>
+              <a:buSzPts val="2800"/>
+              <a:buNone/>
+              <a:defRPr/>
+            </a:lvl5pPr>
+            <a:lvl6pPr lvl="5" algn="l">
+              <a:lnSpc>
+                <a:spcPct val="100000"/>
+              </a:lnSpc>
+              <a:spcBef>
+                <a:spcPts val="0"/>
+              </a:spcBef>
+              <a:spcAft>
+                <a:spcPts val="0"/>
+              </a:spcAft>
+              <a:buSzPts val="2800"/>
+              <a:buNone/>
+              <a:defRPr/>
+            </a:lvl6pPr>
+            <a:lvl7pPr lvl="6" algn="l">
+              <a:lnSpc>
+                <a:spcPct val="100000"/>
+              </a:lnSpc>
+              <a:spcBef>
+                <a:spcPts val="0"/>
+              </a:spcBef>
+              <a:spcAft>
+                <a:spcPts val="0"/>
+              </a:spcAft>
+              <a:buSzPts val="2800"/>
+              <a:buNone/>
+              <a:defRPr/>
+            </a:lvl7pPr>
+            <a:lvl8pPr lvl="7" algn="l">
+              <a:lnSpc>
+                <a:spcPct val="100000"/>
+              </a:lnSpc>
+              <a:spcBef>
+                <a:spcPts val="0"/>
+              </a:spcBef>
+              <a:spcAft>
+                <a:spcPts val="0"/>
+              </a:spcAft>
+              <a:buSzPts val="2800"/>
+              <a:buNone/>
+              <a:defRPr/>
+            </a:lvl8pPr>
+            <a:lvl9pPr lvl="8" algn="l">
+              <a:lnSpc>
+                <a:spcPct val="100000"/>
+              </a:lnSpc>
+              <a:spcBef>
+                <a:spcPts val="0"/>
+              </a:spcBef>
+              <a:spcAft>
+                <a:spcPts val="0"/>
+              </a:spcAft>
+              <a:buSzPts val="2800"/>
+              <a:buNone/>
+              <a:defRPr/>
+            </a:lvl9pPr>
+          </a:lstStyle>
+          <a:p>
+            <a:endParaRPr/>
+          </a:p>
+        </p:txBody>
+      </p:sp>
+      <p:sp>
+        <p:nvSpPr>
+          <p:cNvPr id="11" name="Google Shape;11;p24"/>
+          <p:cNvSpPr txBox="1">
+            <a:spLocks noGrp="1"/>
+          </p:cNvSpPr>
+          <p:nvPr>
+            <p:ph type="body" idx="1"/>
+          </p:nvPr>
+        </p:nvSpPr>
+        <p:spPr>
+          <a:xfrm>
+            <a:off x="311700" y="1152475"/>
+            <a:ext cx="8520600" cy="3416400"/>
+          </a:xfrm>
+          <a:prstGeom prst="rect">
+            <a:avLst/>
+          </a:prstGeom>
+          <a:noFill/>
+          <a:ln>
+            <a:noFill/>
+          </a:ln>
+        </p:spPr>
+        <p:txBody>
+          <a:bodyPr spcFirstLastPara="1" wrap="square" lIns="91425" tIns="91425" rIns="91425" bIns="91425" anchor="t" anchorCtr="0">
+            <a:noAutofit/>
+          </a:bodyPr>
+          <a:lstStyle>
+            <a:lvl1pPr marL="457200" lvl="0" indent="-342900" algn="l">
+              <a:lnSpc>
+                <a:spcPct val="115000"/>
+              </a:lnSpc>
+              <a:spcBef>
+                <a:spcPts val="0"/>
+              </a:spcBef>
+              <a:spcAft>
+                <a:spcPts val="0"/>
+              </a:spcAft>
+              <a:buSzPts val="1800"/>
+              <a:buChar char="●"/>
+              <a:defRPr/>
+            </a:lvl1pPr>
+            <a:lvl2pPr marL="914400" lvl="1" indent="-317500" algn="l">
+              <a:lnSpc>
+                <a:spcPct val="115000"/>
+              </a:lnSpc>
+              <a:spcBef>
+                <a:spcPts val="1600"/>
+              </a:spcBef>
+              <a:spcAft>
+                <a:spcPts val="0"/>
+              </a:spcAft>
+              <a:buSzPts val="1400"/>
+              <a:buChar char="○"/>
+              <a:defRPr/>
+            </a:lvl2pPr>
+            <a:lvl3pPr marL="1371600" lvl="2" indent="-317500" algn="l">
+              <a:lnSpc>
+                <a:spcPct val="115000"/>
+              </a:lnSpc>
+              <a:spcBef>
+                <a:spcPts val="1600"/>
+              </a:spcBef>
+              <a:spcAft>
+                <a:spcPts val="0"/>
+              </a:spcAft>
+              <a:buSzPts val="1400"/>
+              <a:buChar char="■"/>
+              <a:defRPr/>
+            </a:lvl3pPr>
+            <a:lvl4pPr marL="1828800" lvl="3" indent="-317500" algn="l">
+              <a:lnSpc>
+                <a:spcPct val="115000"/>
+              </a:lnSpc>
+              <a:spcBef>
+                <a:spcPts val="1600"/>
+              </a:spcBef>
+              <a:spcAft>
+                <a:spcPts val="0"/>
+              </a:spcAft>
+              <a:buSzPts val="1400"/>
+              <a:buChar char="●"/>
+              <a:defRPr/>
+            </a:lvl4pPr>
+            <a:lvl5pPr marL="2286000" lvl="4" indent="-317500" algn="l">
+              <a:lnSpc>
+                <a:spcPct val="115000"/>
+              </a:lnSpc>
+              <a:spcBef>
+                <a:spcPts val="1600"/>
+              </a:spcBef>
+              <a:spcAft>
+                <a:spcPts val="0"/>
+              </a:spcAft>
+              <a:buSzPts val="1400"/>
+              <a:buChar char="○"/>
+              <a:defRPr/>
+            </a:lvl5pPr>
+            <a:lvl6pPr marL="2743200" lvl="5" indent="-317500" algn="l">
+              <a:lnSpc>
+                <a:spcPct val="115000"/>
+              </a:lnSpc>
+              <a:spcBef>
+                <a:spcPts val="1600"/>
+              </a:spcBef>
+              <a:spcAft>
+                <a:spcPts val="0"/>
+              </a:spcAft>
+              <a:buSzPts val="1400"/>
+              <a:buChar char="■"/>
+              <a:defRPr/>
+            </a:lvl6pPr>
+            <a:lvl7pPr marL="3200400" lvl="6" indent="-317500" algn="l">
+              <a:lnSpc>
+                <a:spcPct val="115000"/>
+              </a:lnSpc>
+              <a:spcBef>
+                <a:spcPts val="1600"/>
+              </a:spcBef>
+              <a:spcAft>
+                <a:spcPts val="0"/>
+              </a:spcAft>
+              <a:buSzPts val="1400"/>
+              <a:buChar char="●"/>
+              <a:defRPr/>
+            </a:lvl7pPr>
+            <a:lvl8pPr marL="3657600" lvl="7" indent="-317500" algn="l">
+              <a:lnSpc>
+                <a:spcPct val="115000"/>
+              </a:lnSpc>
+              <a:spcBef>
+                <a:spcPts val="1600"/>
+              </a:spcBef>
+              <a:spcAft>
+                <a:spcPts val="0"/>
+              </a:spcAft>
+              <a:buSzPts val="1400"/>
+              <a:buChar char="○"/>
+              <a:defRPr/>
+            </a:lvl8pPr>
+            <a:lvl9pPr marL="4114800" lvl="8" indent="-317500" algn="l">
+              <a:lnSpc>
+                <a:spcPct val="115000"/>
+              </a:lnSpc>
+              <a:spcBef>
+                <a:spcPts val="1600"/>
+              </a:spcBef>
+              <a:spcAft>
+                <a:spcPts val="1600"/>
+              </a:spcAft>
+              <a:buSzPts val="1400"/>
+              <a:buChar char="■"/>
+              <a:defRPr/>
+            </a:lvl9pPr>
+          </a:lstStyle>
+          <a:p>
+            <a:endParaRPr/>
+          </a:p>
+        </p:txBody>
+      </p:sp>
+      <p:sp>
+        <p:nvSpPr>
+          <p:cNvPr id="12" name="Google Shape;12;p24"/>
+          <p:cNvSpPr txBox="1">
+            <a:spLocks noGrp="1"/>
+          </p:cNvSpPr>
+          <p:nvPr>
+            <p:ph type="sldNum" idx="12"/>
+          </p:nvPr>
+        </p:nvSpPr>
+        <p:spPr>
+          <a:xfrm>
+            <a:off x="8472458" y="4663217"/>
+            <a:ext cx="548700" cy="393600"/>
+          </a:xfrm>
+          <a:prstGeom prst="rect">
+            <a:avLst/>
+          </a:prstGeom>
+          <a:noFill/>
+          <a:ln>
+            <a:noFill/>
+          </a:ln>
+        </p:spPr>
+        <p:txBody>
+          <a:bodyPr spcFirstLastPara="1" wrap="square" lIns="91425" tIns="91425" rIns="91425" bIns="91425" anchor="ctr" anchorCtr="0">
+            <a:noAutofit/>
+          </a:bodyPr>
+          <a:lstStyle>
+            <a:lvl1pPr marL="0" marR="0" lvl="0" indent="0" algn="r">
+              <a:lnSpc>
+                <a:spcPct val="100000"/>
+              </a:lnSpc>
+              <a:spcBef>
+                <a:spcPts val="0"/>
+              </a:spcBef>
+              <a:spcAft>
+                <a:spcPts val="0"/>
+              </a:spcAft>
+              <a:buClr>
+                <a:srgbClr val="000000"/>
+              </a:buClr>
+              <a:buSzPts val="1000"/>
+              <a:buFont typeface="Arial"/>
+              <a:buNone/>
+              <a:defRPr sz="1000" b="0" i="0" u="none" strike="noStrike" cap="none">
+                <a:solidFill>
+                  <a:schemeClr val="dk2"/>
+                </a:solidFill>
+                <a:latin typeface="Arial"/>
+                <a:ea typeface="Arial"/>
+                <a:cs typeface="Arial"/>
+                <a:sym typeface="Arial"/>
+              </a:defRPr>
+            </a:lvl1pPr>
+            <a:lvl2pPr marL="0" marR="0" lvl="1" indent="0" algn="r">
+              <a:lnSpc>
+                <a:spcPct val="100000"/>
+              </a:lnSpc>
+              <a:spcBef>
+                <a:spcPts val="0"/>
+              </a:spcBef>
+              <a:spcAft>
+                <a:spcPts val="0"/>
+              </a:spcAft>
+              <a:buClr>
+                <a:srgbClr val="000000"/>
+              </a:buClr>
+              <a:buSzPts val="1000"/>
+              <a:buFont typeface="Arial"/>
+              <a:buNone/>
+              <a:defRPr sz="1000" b="0" i="0" u="none" strike="noStrike" cap="none">
+                <a:solidFill>
+                  <a:schemeClr val="dk2"/>
+                </a:solidFill>
+                <a:latin typeface="Arial"/>
+                <a:ea typeface="Arial"/>
+                <a:cs typeface="Arial"/>
+                <a:sym typeface="Arial"/>
+              </a:defRPr>
+            </a:lvl2pPr>
+            <a:lvl3pPr marL="0" marR="0" lvl="2" indent="0" algn="r">
+              <a:lnSpc>
+                <a:spcPct val="100000"/>
+              </a:lnSpc>
+              <a:spcBef>
+                <a:spcPts val="0"/>
+              </a:spcBef>
+              <a:spcAft>
+                <a:spcPts val="0"/>
+              </a:spcAft>
+              <a:buClr>
+                <a:srgbClr val="000000"/>
+              </a:buClr>
+              <a:buSzPts val="1000"/>
+              <a:buFont typeface="Arial"/>
+              <a:buNone/>
+              <a:defRPr sz="1000" b="0" i="0" u="none" strike="noStrike" cap="none">
+                <a:solidFill>
+                  <a:schemeClr val="dk2"/>
+                </a:solidFill>
+                <a:latin typeface="Arial"/>
+                <a:ea typeface="Arial"/>
+                <a:cs typeface="Arial"/>
+                <a:sym typeface="Arial"/>
+              </a:defRPr>
+            </a:lvl3pPr>
+            <a:lvl4pPr marL="0" marR="0" lvl="3" indent="0" algn="r">
+              <a:lnSpc>
+                <a:spcPct val="100000"/>
+              </a:lnSpc>
+              <a:spcBef>
+                <a:spcPts val="0"/>
+              </a:spcBef>
+              <a:spcAft>
+                <a:spcPts val="0"/>
+              </a:spcAft>
+              <a:buClr>
+                <a:srgbClr val="000000"/>
+              </a:buClr>
+              <a:buSzPts val="1000"/>
+              <a:buFont typeface="Arial"/>
+              <a:buNone/>
+              <a:defRPr sz="1000" b="0" i="0" u="none" strike="noStrike" cap="none">
+                <a:solidFill>
+                  <a:schemeClr val="dk2"/>
+                </a:solidFill>
+                <a:latin typeface="Arial"/>
+                <a:ea typeface="Arial"/>
+                <a:cs typeface="Arial"/>
+                <a:sym typeface="Arial"/>
+              </a:defRPr>
+            </a:lvl4pPr>
+            <a:lvl5pPr marL="0" marR="0" lvl="4" indent="0" algn="r">
+              <a:lnSpc>
+                <a:spcPct val="100000"/>
+              </a:lnSpc>
+              <a:spcBef>
+                <a:spcPts val="0"/>
+              </a:spcBef>
+              <a:spcAft>
+                <a:spcPts val="0"/>
+              </a:spcAft>
+              <a:buClr>
+                <a:srgbClr val="000000"/>
+              </a:buClr>
+              <a:buSzPts val="1000"/>
+              <a:buFont typeface="Arial"/>
+              <a:buNone/>
+              <a:defRPr sz="1000" b="0" i="0" u="none" strike="noStrike" cap="none">
+                <a:solidFill>
+                  <a:schemeClr val="dk2"/>
+                </a:solidFill>
+                <a:latin typeface="Arial"/>
+                <a:ea typeface="Arial"/>
+                <a:cs typeface="Arial"/>
+                <a:sym typeface="Arial"/>
+              </a:defRPr>
+            </a:lvl5pPr>
+            <a:lvl6pPr marL="0" marR="0" lvl="5" indent="0" algn="r">
+              <a:lnSpc>
+                <a:spcPct val="100000"/>
+              </a:lnSpc>
+              <a:spcBef>
+                <a:spcPts val="0"/>
+              </a:spcBef>
+              <a:spcAft>
+                <a:spcPts val="0"/>
+              </a:spcAft>
+              <a:buClr>
+                <a:srgbClr val="000000"/>
+              </a:buClr>
+              <a:buSzPts val="1000"/>
+              <a:buFont typeface="Arial"/>
+              <a:buNone/>
+              <a:defRPr sz="1000" b="0" i="0" u="none" strike="noStrike" cap="none">
+                <a:solidFill>
+                  <a:schemeClr val="dk2"/>
+                </a:solidFill>
+                <a:latin typeface="Arial"/>
+                <a:ea typeface="Arial"/>
+                <a:cs typeface="Arial"/>
+                <a:sym typeface="Arial"/>
+              </a:defRPr>
+            </a:lvl6pPr>
+            <a:lvl7pPr marL="0" marR="0" lvl="6" indent="0" algn="r">
+              <a:lnSpc>
+                <a:spcPct val="100000"/>
+              </a:lnSpc>
+              <a:spcBef>
+                <a:spcPts val="0"/>
+              </a:spcBef>
+              <a:spcAft>
+                <a:spcPts val="0"/>
+              </a:spcAft>
+              <a:buClr>
+                <a:srgbClr val="000000"/>
+              </a:buClr>
+              <a:buSzPts val="1000"/>
+              <a:buFont typeface="Arial"/>
+              <a:buNone/>
+              <a:defRPr sz="1000" b="0" i="0" u="none" strike="noStrike" cap="none">
+                <a:solidFill>
+                  <a:schemeClr val="dk2"/>
+                </a:solidFill>
+                <a:latin typeface="Arial"/>
+                <a:ea typeface="Arial"/>
+                <a:cs typeface="Arial"/>
+                <a:sym typeface="Arial"/>
+              </a:defRPr>
+            </a:lvl7pPr>
+            <a:lvl8pPr marL="0" marR="0" lvl="7" indent="0" algn="r">
+              <a:lnSpc>
+                <a:spcPct val="100000"/>
+              </a:lnSpc>
+              <a:spcBef>
+                <a:spcPts val="0"/>
+              </a:spcBef>
+              <a:spcAft>
+                <a:spcPts val="0"/>
+              </a:spcAft>
+              <a:buClr>
+                <a:srgbClr val="000000"/>
+              </a:buClr>
+              <a:buSzPts val="1000"/>
+              <a:buFont typeface="Arial"/>
+              <a:buNone/>
+              <a:defRPr sz="1000" b="0" i="0" u="none" strike="noStrike" cap="none">
+                <a:solidFill>
+                  <a:schemeClr val="dk2"/>
+                </a:solidFill>
+                <a:latin typeface="Arial"/>
+                <a:ea typeface="Arial"/>
+                <a:cs typeface="Arial"/>
+                <a:sym typeface="Arial"/>
+              </a:defRPr>
+            </a:lvl8pPr>
+            <a:lvl9pPr marL="0" marR="0" lvl="8" indent="0" algn="r">
+              <a:lnSpc>
+                <a:spcPct val="100000"/>
+              </a:lnSpc>
+              <a:spcBef>
+                <a:spcPts val="0"/>
+              </a:spcBef>
+              <a:spcAft>
+                <a:spcPts val="0"/>
+              </a:spcAft>
+              <a:buClr>
+                <a:srgbClr val="000000"/>
+              </a:buClr>
+              <a:buSzPts val="1000"/>
+              <a:buFont typeface="Arial"/>
+              <a:buNone/>
+              <a:defRPr sz="1000" b="0" i="0" u="none" strike="noStrike" cap="none">
+                <a:solidFill>
+                  <a:schemeClr val="dk2"/>
+                </a:solidFill>
+                <a:latin typeface="Arial"/>
+                <a:ea typeface="Arial"/>
+                <a:cs typeface="Arial"/>
+                <a:sym typeface="Arial"/>
+              </a:defRPr>
+            </a:lvl9pPr>
+          </a:lstStyle>
+          <a:p>
+            <a:pPr marL="0" lvl="0" indent="0" algn="r" rtl="0">
+              <a:spcBef>
+                <a:spcPts val="0"/>
+              </a:spcBef>
+              <a:spcAft>
+                <a:spcPts val="0"/>
+              </a:spcAft>
+              <a:buNone/>
+            </a:pPr>
+            <a:fld id="{00000000-1234-1234-1234-123412341234}" type="slidenum">
+              <a:rPr lang="en"/>
+              <a:t>‹#›</a:t>
+            </a:fld>
+            <a:endParaRPr/>
+          </a:p>
+        </p:txBody>
+      </p:sp>
+    </p:spTree>
+    <p:extLst>
+      <p:ext uri="{BB962C8B-B14F-4D97-AF65-F5344CB8AC3E}">
+        <p14:creationId xmlns:p14="http://schemas.microsoft.com/office/powerpoint/2010/main" val="1947459017"/>
+      </p:ext>
+    </p:extLst>
+  </p:cSld>
+  <p:clrMapOvr>
+    <a:masterClrMapping/>
+  </p:clrMapOvr>
+</p:sldLayout>
+</file>
+
 <file path=ppt/slideMasters/slideMaster1.xml><?xml version="1.0" encoding="utf-8"?>
 <p:sldMaster xmlns:a="http://schemas.openxmlformats.org/drawingml/2006/main" xmlns:r="http://schemas.openxmlformats.org/officeDocument/2006/relationships" xmlns:p="http://schemas.openxmlformats.org/presentationml/2006/main">
   <p:cSld>
@@ -954,7 +3543,7 @@
           <p:nvPr/>
         </p:nvPicPr>
         <p:blipFill>
-          <a:blip r:embed="rId7" cstate="print"/>
+          <a:blip r:embed="rId8" cstate="print"/>
           <a:stretch>
             <a:fillRect/>
           </a:stretch>
@@ -1180,6 +3769,7 @@
     <p:sldLayoutId id="2147483663" r:id="rId3"/>
     <p:sldLayoutId id="2147483664" r:id="rId4"/>
     <p:sldLayoutId id="2147483665" r:id="rId5"/>
+    <p:sldLayoutId id="2147483666" r:id="rId6"/>
   </p:sldLayoutIdLst>
   <p:txStyles>
     <p:titleStyle>
@@ -18425,6 +21015,420 @@
 </p:sld>
 </file>
 
+<file path=ppt/slides/slide28.xml><?xml version="1.0" encoding="utf-8"?>
+<p:sld xmlns:a="http://schemas.openxmlformats.org/drawingml/2006/main" xmlns:r="http://schemas.openxmlformats.org/officeDocument/2006/relationships" xmlns:p="http://schemas.openxmlformats.org/presentationml/2006/main">
+  <p:cSld>
+    <p:spTree>
+      <p:nvGrpSpPr>
+        <p:cNvPr id="1" name=""/>
+        <p:cNvGrpSpPr/>
+        <p:nvPr/>
+      </p:nvGrpSpPr>
+      <p:grpSpPr>
+        <a:xfrm>
+          <a:off x="0" y="0"/>
+          <a:ext cx="0" cy="0"/>
+          <a:chOff x="0" y="0"/>
+          <a:chExt cx="0" cy="0"/>
+        </a:xfrm>
+      </p:grpSpPr>
+      <p:sp>
+        <p:nvSpPr>
+          <p:cNvPr id="2" name="object 2"/>
+          <p:cNvSpPr txBox="1">
+            <a:spLocks noGrp="1"/>
+          </p:cNvSpPr>
+          <p:nvPr>
+            <p:ph type="title"/>
+          </p:nvPr>
+        </p:nvSpPr>
+        <p:spPr>
+          <a:xfrm>
+            <a:off x="2438400" y="2495550"/>
+            <a:ext cx="4686300" cy="360680"/>
+          </a:xfrm>
+          <a:prstGeom prst="rect">
+            <a:avLst/>
+          </a:prstGeom>
+        </p:spPr>
+        <p:txBody>
+          <a:bodyPr vert="horz" wrap="square" lIns="0" tIns="12700" rIns="0" bIns="0" rtlCol="0">
+            <a:spAutoFit/>
+          </a:bodyPr>
+          <a:lstStyle/>
+          <a:p>
+            <a:pPr marL="12700">
+              <a:lnSpc>
+                <a:spcPct val="100000"/>
+              </a:lnSpc>
+              <a:spcBef>
+                <a:spcPts val="100"/>
+              </a:spcBef>
+            </a:pPr>
+            <a:r>
+              <a:rPr lang="pt-PT" spc="-10" dirty="0" err="1"/>
+              <a:t>Lets</a:t>
+            </a:r>
+            <a:r>
+              <a:rPr lang="pt-PT" spc="-10" dirty="0"/>
+              <a:t> </a:t>
+            </a:r>
+            <a:r>
+              <a:rPr lang="pt-PT" spc="-10" dirty="0" err="1"/>
+              <a:t>see</a:t>
+            </a:r>
+            <a:r>
+              <a:rPr lang="pt-PT" spc="-10" dirty="0"/>
+              <a:t> </a:t>
+            </a:r>
+            <a:r>
+              <a:rPr lang="pt-PT" spc="-10" dirty="0" err="1"/>
+              <a:t>this</a:t>
+            </a:r>
+            <a:r>
+              <a:rPr lang="pt-PT" spc="-10" dirty="0"/>
+              <a:t> in </a:t>
+            </a:r>
+            <a:r>
+              <a:rPr lang="pt-PT" spc="-10" dirty="0" err="1"/>
+              <a:t>Python</a:t>
+            </a:r>
+            <a:r>
+              <a:rPr lang="pt-PT" spc="-10" dirty="0"/>
+              <a:t>?</a:t>
+            </a:r>
+            <a:endParaRPr spc="-10" dirty="0"/>
+          </a:p>
+        </p:txBody>
+      </p:sp>
+    </p:spTree>
+    <p:extLst>
+      <p:ext uri="{BB962C8B-B14F-4D97-AF65-F5344CB8AC3E}">
+        <p14:creationId xmlns:p14="http://schemas.microsoft.com/office/powerpoint/2010/main" val="1963940434"/>
+      </p:ext>
+    </p:extLst>
+  </p:cSld>
+  <p:clrMapOvr>
+    <a:masterClrMapping/>
+  </p:clrMapOvr>
+</p:sld>
+</file>
+
+<file path=ppt/slides/slide29.xml><?xml version="1.0" encoding="utf-8"?>
+<p:sld xmlns:a="http://schemas.openxmlformats.org/drawingml/2006/main" xmlns:r="http://schemas.openxmlformats.org/officeDocument/2006/relationships" xmlns:p="http://schemas.openxmlformats.org/presentationml/2006/main">
+  <p:cSld>
+    <p:spTree>
+      <p:nvGrpSpPr>
+        <p:cNvPr id="1" name="Shape 86"/>
+        <p:cNvGrpSpPr/>
+        <p:nvPr/>
+      </p:nvGrpSpPr>
+      <p:grpSpPr>
+        <a:xfrm>
+          <a:off x="0" y="0"/>
+          <a:ext cx="0" cy="0"/>
+          <a:chOff x="0" y="0"/>
+          <a:chExt cx="0" cy="0"/>
+        </a:xfrm>
+      </p:grpSpPr>
+      <p:sp>
+        <p:nvSpPr>
+          <p:cNvPr id="87" name="Google Shape;87;p6"/>
+          <p:cNvSpPr txBox="1"/>
+          <p:nvPr/>
+        </p:nvSpPr>
+        <p:spPr>
+          <a:xfrm>
+            <a:off x="719375" y="842675"/>
+            <a:ext cx="7657200" cy="3529800"/>
+          </a:xfrm>
+          <a:prstGeom prst="rect">
+            <a:avLst/>
+          </a:prstGeom>
+          <a:noFill/>
+          <a:ln>
+            <a:noFill/>
+          </a:ln>
+        </p:spPr>
+        <p:txBody>
+          <a:bodyPr spcFirstLastPara="1" wrap="square" lIns="91425" tIns="91425" rIns="91425" bIns="91425" anchor="t" anchorCtr="0">
+            <a:noAutofit/>
+          </a:bodyPr>
+          <a:lstStyle/>
+          <a:p>
+            <a:pPr marL="0" marR="0" lvl="0" indent="0" algn="l" rtl="0">
+              <a:lnSpc>
+                <a:spcPct val="150000"/>
+              </a:lnSpc>
+              <a:spcBef>
+                <a:spcPts val="0"/>
+              </a:spcBef>
+              <a:spcAft>
+                <a:spcPts val="0"/>
+              </a:spcAft>
+              <a:buClr>
+                <a:srgbClr val="000000"/>
+              </a:buClr>
+              <a:buSzPts val="1100"/>
+              <a:buFont typeface="Arial"/>
+              <a:buNone/>
+            </a:pPr>
+            <a:r>
+              <a:rPr lang="en" sz="1800" b="1" i="0" u="none" strike="noStrike" cap="none" dirty="0">
+                <a:solidFill>
+                  <a:srgbClr val="2DC5FA"/>
+                </a:solidFill>
+                <a:latin typeface="Roboto"/>
+                <a:ea typeface="Roboto"/>
+                <a:cs typeface="Roboto"/>
+                <a:sym typeface="Roboto"/>
+              </a:rPr>
+              <a:t>RUNNING EXAMPLE</a:t>
+            </a:r>
+            <a:endParaRPr sz="1400" b="1" i="0" u="none" strike="noStrike" cap="none" dirty="0">
+              <a:solidFill>
+                <a:schemeClr val="dk1"/>
+              </a:solidFill>
+              <a:latin typeface="Roboto"/>
+              <a:ea typeface="Roboto"/>
+              <a:cs typeface="Roboto"/>
+              <a:sym typeface="Roboto"/>
+            </a:endParaRPr>
+          </a:p>
+          <a:p>
+            <a:pPr marL="0" marR="0" lvl="0" indent="0" algn="l" rtl="0">
+              <a:lnSpc>
+                <a:spcPct val="150000"/>
+              </a:lnSpc>
+              <a:spcBef>
+                <a:spcPts val="0"/>
+              </a:spcBef>
+              <a:spcAft>
+                <a:spcPts val="0"/>
+              </a:spcAft>
+              <a:buClr>
+                <a:srgbClr val="000000"/>
+              </a:buClr>
+              <a:buSzPts val="1400"/>
+              <a:buFont typeface="Arial"/>
+              <a:buNone/>
+            </a:pPr>
+            <a:endParaRPr sz="1400" b="1" i="0" u="none" strike="noStrike" cap="none" dirty="0">
+              <a:solidFill>
+                <a:schemeClr val="dk1"/>
+              </a:solidFill>
+              <a:latin typeface="Roboto"/>
+              <a:ea typeface="Roboto"/>
+              <a:cs typeface="Roboto"/>
+              <a:sym typeface="Roboto"/>
+            </a:endParaRPr>
+          </a:p>
+          <a:p>
+            <a:pPr marL="457200" marR="0" lvl="0" indent="-317500" algn="l" rtl="0">
+              <a:lnSpc>
+                <a:spcPct val="150000"/>
+              </a:lnSpc>
+              <a:spcBef>
+                <a:spcPts val="0"/>
+              </a:spcBef>
+              <a:spcAft>
+                <a:spcPts val="0"/>
+              </a:spcAft>
+              <a:buClr>
+                <a:schemeClr val="dk1"/>
+              </a:buClr>
+              <a:buSzPts val="1400"/>
+              <a:buFont typeface="Roboto"/>
+              <a:buChar char="●"/>
+            </a:pPr>
+            <a:r>
+              <a:rPr lang="en" sz="1400" b="0" i="0" u="none" strike="noStrike" cap="none" dirty="0">
+                <a:solidFill>
+                  <a:schemeClr val="dk1"/>
+                </a:solidFill>
+                <a:latin typeface="Roboto"/>
+                <a:ea typeface="Roboto"/>
+                <a:cs typeface="Roboto"/>
+                <a:sym typeface="Roboto"/>
+              </a:rPr>
+              <a:t>Let’s take our Titanic dataset. You have seen that the prices in first class were on average 85 dollars and someone told you that prices in 3rd class were usually a fifth of prices in first class. You are skeptical. Set up the hypotheses to test this.</a:t>
+            </a:r>
+            <a:endParaRPr sz="1400" b="0" i="0" u="none" strike="noStrike" cap="none" dirty="0">
+              <a:solidFill>
+                <a:schemeClr val="dk1"/>
+              </a:solidFill>
+              <a:latin typeface="Roboto"/>
+              <a:ea typeface="Roboto"/>
+              <a:cs typeface="Roboto"/>
+              <a:sym typeface="Roboto"/>
+            </a:endParaRPr>
+          </a:p>
+          <a:p>
+            <a:pPr marL="0" marR="0" lvl="0" indent="0" algn="l" rtl="0">
+              <a:lnSpc>
+                <a:spcPct val="150000"/>
+              </a:lnSpc>
+              <a:spcBef>
+                <a:spcPts val="0"/>
+              </a:spcBef>
+              <a:spcAft>
+                <a:spcPts val="0"/>
+              </a:spcAft>
+              <a:buClr>
+                <a:srgbClr val="000000"/>
+              </a:buClr>
+              <a:buSzPts val="1400"/>
+              <a:buFont typeface="Arial"/>
+              <a:buNone/>
+            </a:pPr>
+            <a:endParaRPr sz="1400" b="0" i="0" u="none" strike="noStrike" cap="none" dirty="0">
+              <a:solidFill>
+                <a:schemeClr val="dk1"/>
+              </a:solidFill>
+              <a:latin typeface="Roboto"/>
+              <a:ea typeface="Roboto"/>
+              <a:cs typeface="Roboto"/>
+              <a:sym typeface="Roboto"/>
+            </a:endParaRPr>
+          </a:p>
+          <a:p>
+            <a:pPr marL="457200" marR="0" lvl="0" indent="-317500" algn="l" rtl="0">
+              <a:lnSpc>
+                <a:spcPct val="150000"/>
+              </a:lnSpc>
+              <a:spcBef>
+                <a:spcPts val="0"/>
+              </a:spcBef>
+              <a:spcAft>
+                <a:spcPts val="0"/>
+              </a:spcAft>
+              <a:buClr>
+                <a:schemeClr val="dk1"/>
+              </a:buClr>
+              <a:buSzPts val="1400"/>
+              <a:buFont typeface="Roboto"/>
+              <a:buChar char="●"/>
+            </a:pPr>
+            <a:r>
+              <a:rPr lang="en" sz="1400" b="0" i="0" u="none" strike="noStrike" cap="none" dirty="0">
+                <a:solidFill>
+                  <a:schemeClr val="dk1"/>
+                </a:solidFill>
+                <a:latin typeface="Roboto"/>
+                <a:ea typeface="Roboto"/>
+                <a:cs typeface="Roboto"/>
+                <a:sym typeface="Roboto"/>
+              </a:rPr>
+              <a:t>Now, you think the prices in third class are even cheaper than that. Set up the hypotheses to test this.</a:t>
+            </a:r>
+            <a:endParaRPr sz="1400" b="0" i="0" u="none" strike="noStrike" cap="none" dirty="0">
+              <a:solidFill>
+                <a:schemeClr val="dk1"/>
+              </a:solidFill>
+              <a:latin typeface="Roboto"/>
+              <a:ea typeface="Roboto"/>
+              <a:cs typeface="Roboto"/>
+              <a:sym typeface="Roboto"/>
+            </a:endParaRPr>
+          </a:p>
+          <a:p>
+            <a:pPr marL="0" marR="0" lvl="0" indent="0" algn="l" rtl="0">
+              <a:lnSpc>
+                <a:spcPct val="150000"/>
+              </a:lnSpc>
+              <a:spcBef>
+                <a:spcPts val="0"/>
+              </a:spcBef>
+              <a:spcAft>
+                <a:spcPts val="0"/>
+              </a:spcAft>
+              <a:buClr>
+                <a:srgbClr val="000000"/>
+              </a:buClr>
+              <a:buSzPts val="1400"/>
+              <a:buFont typeface="Arial"/>
+              <a:buNone/>
+            </a:pPr>
+            <a:endParaRPr sz="1400" b="0" i="0" u="none" strike="noStrike" cap="none" dirty="0">
+              <a:solidFill>
+                <a:schemeClr val="dk1"/>
+              </a:solidFill>
+              <a:latin typeface="Roboto"/>
+              <a:ea typeface="Roboto"/>
+              <a:cs typeface="Roboto"/>
+              <a:sym typeface="Roboto"/>
+            </a:endParaRPr>
+          </a:p>
+          <a:p>
+            <a:pPr marL="0" marR="0" lvl="0" indent="0" algn="l" rtl="0">
+              <a:lnSpc>
+                <a:spcPct val="150000"/>
+              </a:lnSpc>
+              <a:spcBef>
+                <a:spcPts val="0"/>
+              </a:spcBef>
+              <a:spcAft>
+                <a:spcPts val="0"/>
+              </a:spcAft>
+              <a:buClr>
+                <a:srgbClr val="000000"/>
+              </a:buClr>
+              <a:buSzPts val="1400"/>
+              <a:buFont typeface="Arial"/>
+              <a:buNone/>
+            </a:pPr>
+            <a:endParaRPr sz="1400" b="0" i="0" u="none" strike="noStrike" cap="none" dirty="0">
+              <a:solidFill>
+                <a:schemeClr val="dk1"/>
+              </a:solidFill>
+              <a:latin typeface="Roboto"/>
+              <a:ea typeface="Roboto"/>
+              <a:cs typeface="Roboto"/>
+              <a:sym typeface="Roboto"/>
+            </a:endParaRPr>
+          </a:p>
+        </p:txBody>
+      </p:sp>
+      <p:pic>
+        <p:nvPicPr>
+          <p:cNvPr id="88" name="Google Shape;88;p6"/>
+          <p:cNvPicPr preferRelativeResize="0"/>
+          <p:nvPr/>
+        </p:nvPicPr>
+        <p:blipFill rotWithShape="1">
+          <a:blip r:embed="rId3">
+            <a:alphaModFix/>
+          </a:blip>
+          <a:srcRect/>
+          <a:stretch/>
+        </p:blipFill>
+        <p:spPr>
+          <a:xfrm>
+            <a:off x="-809150" y="3742975"/>
+            <a:ext cx="2599849" cy="2803224"/>
+          </a:xfrm>
+          <a:prstGeom prst="rect">
+            <a:avLst/>
+          </a:prstGeom>
+          <a:noFill/>
+          <a:ln>
+            <a:noFill/>
+          </a:ln>
+        </p:spPr>
+      </p:pic>
+    </p:spTree>
+    <p:extLst>
+      <p:ext uri="{BB962C8B-B14F-4D97-AF65-F5344CB8AC3E}">
+        <p14:creationId xmlns:p14="http://schemas.microsoft.com/office/powerpoint/2010/main" val="3615738605"/>
+      </p:ext>
+    </p:extLst>
+  </p:cSld>
+  <p:clrMapOvr>
+    <a:masterClrMapping/>
+  </p:clrMapOvr>
+</p:sld>
+</file>
+
 <file path=ppt/slides/slide3.xml><?xml version="1.0" encoding="utf-8"?>
 <p:sld xmlns:a="http://schemas.openxmlformats.org/drawingml/2006/main" xmlns:r="http://schemas.openxmlformats.org/officeDocument/2006/relationships" xmlns:p="http://schemas.openxmlformats.org/presentationml/2006/main" showMasterSp="0">
   <p:cSld>
@@ -18961,6 +21965,3977 @@
 </p:sld>
 </file>
 
+<file path=ppt/slides/slide30.xml><?xml version="1.0" encoding="utf-8"?>
+<p:sld xmlns:a="http://schemas.openxmlformats.org/drawingml/2006/main" xmlns:r="http://schemas.openxmlformats.org/officeDocument/2006/relationships" xmlns:p="http://schemas.openxmlformats.org/presentationml/2006/main">
+  <p:cSld>
+    <p:spTree>
+      <p:nvGrpSpPr>
+        <p:cNvPr id="1" name="Shape 92"/>
+        <p:cNvGrpSpPr/>
+        <p:nvPr/>
+      </p:nvGrpSpPr>
+      <p:grpSpPr>
+        <a:xfrm>
+          <a:off x="0" y="0"/>
+          <a:ext cx="0" cy="0"/>
+          <a:chOff x="0" y="0"/>
+          <a:chExt cx="0" cy="0"/>
+        </a:xfrm>
+      </p:grpSpPr>
+      <p:sp>
+        <p:nvSpPr>
+          <p:cNvPr id="93" name="Google Shape;93;p7"/>
+          <p:cNvSpPr txBox="1"/>
+          <p:nvPr/>
+        </p:nvSpPr>
+        <p:spPr>
+          <a:xfrm>
+            <a:off x="719375" y="842675"/>
+            <a:ext cx="7657200" cy="3529800"/>
+          </a:xfrm>
+          <a:prstGeom prst="rect">
+            <a:avLst/>
+          </a:prstGeom>
+          <a:noFill/>
+          <a:ln>
+            <a:noFill/>
+          </a:ln>
+        </p:spPr>
+        <p:txBody>
+          <a:bodyPr spcFirstLastPara="1" wrap="square" lIns="91425" tIns="91425" rIns="91425" bIns="91425" anchor="t" anchorCtr="0">
+            <a:noAutofit/>
+          </a:bodyPr>
+          <a:lstStyle/>
+          <a:p>
+            <a:pPr marL="0" marR="0" lvl="0" indent="0" algn="l" rtl="0">
+              <a:lnSpc>
+                <a:spcPct val="150000"/>
+              </a:lnSpc>
+              <a:spcBef>
+                <a:spcPts val="0"/>
+              </a:spcBef>
+              <a:spcAft>
+                <a:spcPts val="0"/>
+              </a:spcAft>
+              <a:buClr>
+                <a:srgbClr val="000000"/>
+              </a:buClr>
+              <a:buSzPts val="1100"/>
+              <a:buFont typeface="Arial"/>
+              <a:buNone/>
+            </a:pPr>
+            <a:r>
+              <a:rPr lang="en" sz="1800" b="1" i="0" u="none" strike="noStrike" cap="none">
+                <a:solidFill>
+                  <a:srgbClr val="2DC5FA"/>
+                </a:solidFill>
+                <a:latin typeface="Roboto"/>
+                <a:ea typeface="Roboto"/>
+                <a:cs typeface="Roboto"/>
+                <a:sym typeface="Roboto"/>
+              </a:rPr>
+              <a:t>THE 5 STEPS OF HYPOTHESIS TESTING</a:t>
+            </a:r>
+            <a:endParaRPr sz="1400" b="1" i="0" u="none" strike="noStrike" cap="none">
+              <a:solidFill>
+                <a:schemeClr val="dk1"/>
+              </a:solidFill>
+              <a:latin typeface="Roboto"/>
+              <a:ea typeface="Roboto"/>
+              <a:cs typeface="Roboto"/>
+              <a:sym typeface="Roboto"/>
+            </a:endParaRPr>
+          </a:p>
+          <a:p>
+            <a:pPr marL="0" marR="0" lvl="0" indent="0" algn="l" rtl="0">
+              <a:lnSpc>
+                <a:spcPct val="115000"/>
+              </a:lnSpc>
+              <a:spcBef>
+                <a:spcPts val="0"/>
+              </a:spcBef>
+              <a:spcAft>
+                <a:spcPts val="0"/>
+              </a:spcAft>
+              <a:buClr>
+                <a:schemeClr val="dk1"/>
+              </a:buClr>
+              <a:buSzPts val="1100"/>
+              <a:buFont typeface="Arial"/>
+              <a:buNone/>
+            </a:pPr>
+            <a:endParaRPr sz="2000" b="1" i="0" u="none" strike="noStrike" cap="none">
+              <a:solidFill>
+                <a:schemeClr val="dk1"/>
+              </a:solidFill>
+              <a:latin typeface="Roboto"/>
+              <a:ea typeface="Roboto"/>
+              <a:cs typeface="Roboto"/>
+              <a:sym typeface="Roboto"/>
+            </a:endParaRPr>
+          </a:p>
+          <a:p>
+            <a:pPr marL="457200" marR="0" lvl="0" indent="-330200" algn="just" rtl="0">
+              <a:lnSpc>
+                <a:spcPct val="100000"/>
+              </a:lnSpc>
+              <a:spcBef>
+                <a:spcPts val="0"/>
+              </a:spcBef>
+              <a:spcAft>
+                <a:spcPts val="0"/>
+              </a:spcAft>
+              <a:buClr>
+                <a:schemeClr val="dk1"/>
+              </a:buClr>
+              <a:buSzPts val="1600"/>
+              <a:buFont typeface="Roboto"/>
+              <a:buAutoNum type="arabicPeriod"/>
+            </a:pPr>
+            <a:r>
+              <a:rPr lang="en" sz="1700" b="0" i="0" u="none" strike="noStrike" cap="none">
+                <a:solidFill>
+                  <a:schemeClr val="dk1"/>
+                </a:solidFill>
+                <a:latin typeface="Arial"/>
+                <a:ea typeface="Arial"/>
+                <a:cs typeface="Arial"/>
+                <a:sym typeface="Arial"/>
+              </a:rPr>
+              <a:t>Set the hypothesis</a:t>
+            </a:r>
+            <a:endParaRPr sz="1700" b="0" i="0" u="none" strike="noStrike" cap="none">
+              <a:solidFill>
+                <a:schemeClr val="dk1"/>
+              </a:solidFill>
+              <a:latin typeface="Arial"/>
+              <a:ea typeface="Arial"/>
+              <a:cs typeface="Arial"/>
+              <a:sym typeface="Arial"/>
+            </a:endParaRPr>
+          </a:p>
+          <a:p>
+            <a:pPr marL="457200" marR="0" lvl="0" indent="-336550" algn="just" rtl="0">
+              <a:lnSpc>
+                <a:spcPct val="100000"/>
+              </a:lnSpc>
+              <a:spcBef>
+                <a:spcPts val="0"/>
+              </a:spcBef>
+              <a:spcAft>
+                <a:spcPts val="0"/>
+              </a:spcAft>
+              <a:buClr>
+                <a:schemeClr val="dk1"/>
+              </a:buClr>
+              <a:buSzPts val="1700"/>
+              <a:buFont typeface="Arial"/>
+              <a:buAutoNum type="arabicPeriod"/>
+            </a:pPr>
+            <a:r>
+              <a:rPr lang="en" sz="1700" b="1" i="0" u="none" strike="noStrike" cap="none">
+                <a:solidFill>
+                  <a:schemeClr val="dk1"/>
+                </a:solidFill>
+                <a:latin typeface="Arial"/>
+                <a:ea typeface="Arial"/>
+                <a:cs typeface="Arial"/>
+                <a:sym typeface="Arial"/>
+              </a:rPr>
+              <a:t>Choose significance / confidence level</a:t>
+            </a:r>
+            <a:endParaRPr sz="1700" b="1" i="0" u="none" strike="noStrike" cap="none">
+              <a:solidFill>
+                <a:schemeClr val="dk1"/>
+              </a:solidFill>
+              <a:latin typeface="Arial"/>
+              <a:ea typeface="Arial"/>
+              <a:cs typeface="Arial"/>
+              <a:sym typeface="Arial"/>
+            </a:endParaRPr>
+          </a:p>
+          <a:p>
+            <a:pPr marL="457200" marR="0" lvl="0" indent="-336550" algn="just" rtl="0">
+              <a:lnSpc>
+                <a:spcPct val="100000"/>
+              </a:lnSpc>
+              <a:spcBef>
+                <a:spcPts val="0"/>
+              </a:spcBef>
+              <a:spcAft>
+                <a:spcPts val="0"/>
+              </a:spcAft>
+              <a:buClr>
+                <a:schemeClr val="dk1"/>
+              </a:buClr>
+              <a:buSzPts val="1700"/>
+              <a:buFont typeface="Arial"/>
+              <a:buAutoNum type="arabicPeriod"/>
+            </a:pPr>
+            <a:r>
+              <a:rPr lang="en" sz="1700" b="0" i="0" u="none" strike="noStrike" cap="none">
+                <a:solidFill>
+                  <a:schemeClr val="dk1"/>
+                </a:solidFill>
+                <a:latin typeface="Arial"/>
+                <a:ea typeface="Arial"/>
+                <a:cs typeface="Arial"/>
+                <a:sym typeface="Arial"/>
+              </a:rPr>
+              <a:t>Sample</a:t>
+            </a:r>
+            <a:endParaRPr sz="1700" b="0" i="0" u="none" strike="noStrike" cap="none">
+              <a:solidFill>
+                <a:schemeClr val="dk1"/>
+              </a:solidFill>
+              <a:latin typeface="Arial"/>
+              <a:ea typeface="Arial"/>
+              <a:cs typeface="Arial"/>
+              <a:sym typeface="Arial"/>
+            </a:endParaRPr>
+          </a:p>
+          <a:p>
+            <a:pPr marL="457200" marR="0" lvl="0" indent="-336550" algn="just" rtl="0">
+              <a:lnSpc>
+                <a:spcPct val="100000"/>
+              </a:lnSpc>
+              <a:spcBef>
+                <a:spcPts val="0"/>
+              </a:spcBef>
+              <a:spcAft>
+                <a:spcPts val="0"/>
+              </a:spcAft>
+              <a:buClr>
+                <a:schemeClr val="dk1"/>
+              </a:buClr>
+              <a:buSzPts val="1700"/>
+              <a:buFont typeface="Arial"/>
+              <a:buAutoNum type="arabicPeriod"/>
+            </a:pPr>
+            <a:r>
+              <a:rPr lang="en" sz="1700" b="0" i="0" u="none" strike="noStrike" cap="none">
+                <a:solidFill>
+                  <a:schemeClr val="dk1"/>
+                </a:solidFill>
+                <a:latin typeface="Arial"/>
+                <a:ea typeface="Arial"/>
+                <a:cs typeface="Arial"/>
+                <a:sym typeface="Arial"/>
+              </a:rPr>
+              <a:t>Compute statistic + Get p-value </a:t>
+            </a:r>
+            <a:endParaRPr sz="1700" b="0" i="0" u="none" strike="noStrike" cap="none">
+              <a:solidFill>
+                <a:schemeClr val="dk1"/>
+              </a:solidFill>
+              <a:latin typeface="Arial"/>
+              <a:ea typeface="Arial"/>
+              <a:cs typeface="Arial"/>
+              <a:sym typeface="Arial"/>
+            </a:endParaRPr>
+          </a:p>
+          <a:p>
+            <a:pPr marL="457200" marR="0" lvl="0" indent="-336550" algn="just" rtl="0">
+              <a:lnSpc>
+                <a:spcPct val="100000"/>
+              </a:lnSpc>
+              <a:spcBef>
+                <a:spcPts val="0"/>
+              </a:spcBef>
+              <a:spcAft>
+                <a:spcPts val="0"/>
+              </a:spcAft>
+              <a:buClr>
+                <a:schemeClr val="dk1"/>
+              </a:buClr>
+              <a:buSzPts val="1700"/>
+              <a:buFont typeface="Arial"/>
+              <a:buAutoNum type="arabicPeriod"/>
+            </a:pPr>
+            <a:r>
+              <a:rPr lang="en" sz="1700" b="0" i="0" u="none" strike="noStrike" cap="none">
+                <a:solidFill>
+                  <a:schemeClr val="dk1"/>
+                </a:solidFill>
+                <a:latin typeface="Arial"/>
+                <a:ea typeface="Arial"/>
+                <a:cs typeface="Arial"/>
+                <a:sym typeface="Arial"/>
+              </a:rPr>
+              <a:t>Decide</a:t>
+            </a:r>
+            <a:endParaRPr sz="1700" b="0" i="0" u="none" strike="noStrike" cap="none">
+              <a:solidFill>
+                <a:schemeClr val="dk1"/>
+              </a:solidFill>
+              <a:latin typeface="Arial"/>
+              <a:ea typeface="Arial"/>
+              <a:cs typeface="Arial"/>
+              <a:sym typeface="Arial"/>
+            </a:endParaRPr>
+          </a:p>
+        </p:txBody>
+      </p:sp>
+      <p:pic>
+        <p:nvPicPr>
+          <p:cNvPr id="94" name="Google Shape;94;p7"/>
+          <p:cNvPicPr preferRelativeResize="0"/>
+          <p:nvPr/>
+        </p:nvPicPr>
+        <p:blipFill rotWithShape="1">
+          <a:blip r:embed="rId3">
+            <a:alphaModFix/>
+          </a:blip>
+          <a:srcRect/>
+          <a:stretch/>
+        </p:blipFill>
+        <p:spPr>
+          <a:xfrm>
+            <a:off x="-809150" y="3742975"/>
+            <a:ext cx="2599849" cy="2803224"/>
+          </a:xfrm>
+          <a:prstGeom prst="rect">
+            <a:avLst/>
+          </a:prstGeom>
+          <a:noFill/>
+          <a:ln>
+            <a:noFill/>
+          </a:ln>
+        </p:spPr>
+      </p:pic>
+    </p:spTree>
+  </p:cSld>
+  <p:clrMapOvr>
+    <a:masterClrMapping/>
+  </p:clrMapOvr>
+</p:sld>
+</file>
+
+<file path=ppt/slides/slide31.xml><?xml version="1.0" encoding="utf-8"?>
+<p:sld xmlns:a="http://schemas.openxmlformats.org/drawingml/2006/main" xmlns:r="http://schemas.openxmlformats.org/officeDocument/2006/relationships" xmlns:p="http://schemas.openxmlformats.org/presentationml/2006/main">
+  <p:cSld>
+    <p:spTree>
+      <p:nvGrpSpPr>
+        <p:cNvPr id="1" name="Shape 98"/>
+        <p:cNvGrpSpPr/>
+        <p:nvPr/>
+      </p:nvGrpSpPr>
+      <p:grpSpPr>
+        <a:xfrm>
+          <a:off x="0" y="0"/>
+          <a:ext cx="0" cy="0"/>
+          <a:chOff x="0" y="0"/>
+          <a:chExt cx="0" cy="0"/>
+        </a:xfrm>
+      </p:grpSpPr>
+      <p:sp>
+        <p:nvSpPr>
+          <p:cNvPr id="99" name="Google Shape;99;p8"/>
+          <p:cNvSpPr txBox="1"/>
+          <p:nvPr/>
+        </p:nvSpPr>
+        <p:spPr>
+          <a:xfrm>
+            <a:off x="719375" y="842675"/>
+            <a:ext cx="7657200" cy="3529800"/>
+          </a:xfrm>
+          <a:prstGeom prst="rect">
+            <a:avLst/>
+          </a:prstGeom>
+          <a:noFill/>
+          <a:ln>
+            <a:noFill/>
+          </a:ln>
+        </p:spPr>
+        <p:txBody>
+          <a:bodyPr spcFirstLastPara="1" wrap="square" lIns="91425" tIns="91425" rIns="91425" bIns="91425" anchor="t" anchorCtr="0">
+            <a:noAutofit/>
+          </a:bodyPr>
+          <a:lstStyle/>
+          <a:p>
+            <a:pPr marL="0" marR="0" lvl="0" indent="0" algn="l" rtl="0">
+              <a:lnSpc>
+                <a:spcPct val="150000"/>
+              </a:lnSpc>
+              <a:spcBef>
+                <a:spcPts val="0"/>
+              </a:spcBef>
+              <a:spcAft>
+                <a:spcPts val="0"/>
+              </a:spcAft>
+              <a:buClr>
+                <a:srgbClr val="000000"/>
+              </a:buClr>
+              <a:buSzPts val="1100"/>
+              <a:buFont typeface="Arial"/>
+              <a:buNone/>
+            </a:pPr>
+            <a:r>
+              <a:rPr lang="en" sz="1800" b="1" i="0" u="none" strike="noStrike" cap="none">
+                <a:solidFill>
+                  <a:srgbClr val="2DC5FA"/>
+                </a:solidFill>
+                <a:latin typeface="Roboto"/>
+                <a:ea typeface="Roboto"/>
+                <a:cs typeface="Roboto"/>
+                <a:sym typeface="Roboto"/>
+              </a:rPr>
+              <a:t>SIGNIFICANCE AND TYPES OF ERRORS</a:t>
+            </a:r>
+            <a:endParaRPr sz="1400" b="1" i="0" u="none" strike="noStrike" cap="none">
+              <a:solidFill>
+                <a:schemeClr val="dk1"/>
+              </a:solidFill>
+              <a:latin typeface="Roboto"/>
+              <a:ea typeface="Roboto"/>
+              <a:cs typeface="Roboto"/>
+              <a:sym typeface="Roboto"/>
+            </a:endParaRPr>
+          </a:p>
+          <a:p>
+            <a:pPr marL="0" marR="0" lvl="0" indent="0" algn="l" rtl="0">
+              <a:lnSpc>
+                <a:spcPct val="150000"/>
+              </a:lnSpc>
+              <a:spcBef>
+                <a:spcPts val="0"/>
+              </a:spcBef>
+              <a:spcAft>
+                <a:spcPts val="0"/>
+              </a:spcAft>
+              <a:buClr>
+                <a:srgbClr val="000000"/>
+              </a:buClr>
+              <a:buSzPts val="1200"/>
+              <a:buFont typeface="Arial"/>
+              <a:buNone/>
+            </a:pPr>
+            <a:r>
+              <a:rPr lang="en" sz="1200" b="0" i="0" u="none" strike="noStrike" cap="none">
+                <a:solidFill>
+                  <a:schemeClr val="dk1"/>
+                </a:solidFill>
+                <a:latin typeface="Roboto"/>
+                <a:ea typeface="Roboto"/>
+                <a:cs typeface="Roboto"/>
+                <a:sym typeface="Roboto"/>
+              </a:rPr>
+              <a:t>We said that we would make our decision to reject the null when it strains credibility yo maintain it. But how do we measure this? We set a significance level 𝝰 </a:t>
+            </a:r>
+            <a:r>
+              <a:rPr lang="en" sz="1200" b="0" i="1" u="none" strike="noStrike" cap="none">
+                <a:solidFill>
+                  <a:schemeClr val="dk1"/>
+                </a:solidFill>
+                <a:latin typeface="Roboto"/>
+                <a:ea typeface="Roboto"/>
+                <a:cs typeface="Roboto"/>
+                <a:sym typeface="Roboto"/>
+              </a:rPr>
+              <a:t>à priori</a:t>
+            </a:r>
+            <a:r>
+              <a:rPr lang="en" sz="1200" b="0" i="0" u="none" strike="noStrike" cap="none">
+                <a:solidFill>
+                  <a:schemeClr val="dk1"/>
+                </a:solidFill>
+                <a:latin typeface="Roboto"/>
+                <a:ea typeface="Roboto"/>
+                <a:cs typeface="Roboto"/>
+                <a:sym typeface="Roboto"/>
+              </a:rPr>
+              <a:t>.</a:t>
+            </a:r>
+            <a:endParaRPr sz="1200" b="0" i="0" u="none" strike="noStrike" cap="none">
+              <a:solidFill>
+                <a:schemeClr val="dk1"/>
+              </a:solidFill>
+              <a:latin typeface="Roboto"/>
+              <a:ea typeface="Roboto"/>
+              <a:cs typeface="Roboto"/>
+              <a:sym typeface="Roboto"/>
+            </a:endParaRPr>
+          </a:p>
+          <a:p>
+            <a:pPr marL="0" marR="0" lvl="0" indent="0" algn="l" rtl="0">
+              <a:lnSpc>
+                <a:spcPct val="150000"/>
+              </a:lnSpc>
+              <a:spcBef>
+                <a:spcPts val="0"/>
+              </a:spcBef>
+              <a:spcAft>
+                <a:spcPts val="0"/>
+              </a:spcAft>
+              <a:buClr>
+                <a:srgbClr val="000000"/>
+              </a:buClr>
+              <a:buSzPts val="1200"/>
+              <a:buFont typeface="Arial"/>
+              <a:buNone/>
+            </a:pPr>
+            <a:endParaRPr sz="1200" b="0" i="0" u="none" strike="noStrike" cap="none">
+              <a:solidFill>
+                <a:schemeClr val="dk1"/>
+              </a:solidFill>
+              <a:latin typeface="Roboto"/>
+              <a:ea typeface="Roboto"/>
+              <a:cs typeface="Roboto"/>
+              <a:sym typeface="Roboto"/>
+            </a:endParaRPr>
+          </a:p>
+          <a:p>
+            <a:pPr marL="457200" marR="0" lvl="0" indent="0" algn="l" rtl="0">
+              <a:lnSpc>
+                <a:spcPct val="150000"/>
+              </a:lnSpc>
+              <a:spcBef>
+                <a:spcPts val="0"/>
+              </a:spcBef>
+              <a:spcAft>
+                <a:spcPts val="0"/>
+              </a:spcAft>
+              <a:buClr>
+                <a:srgbClr val="000000"/>
+              </a:buClr>
+              <a:buSzPts val="1400"/>
+              <a:buFont typeface="Arial"/>
+              <a:buNone/>
+            </a:pPr>
+            <a:endParaRPr sz="1400" b="0" i="0" u="none" strike="noStrike" cap="none">
+              <a:solidFill>
+                <a:schemeClr val="dk1"/>
+              </a:solidFill>
+              <a:latin typeface="Roboto"/>
+              <a:ea typeface="Roboto"/>
+              <a:cs typeface="Roboto"/>
+              <a:sym typeface="Roboto"/>
+            </a:endParaRPr>
+          </a:p>
+          <a:p>
+            <a:pPr marL="0" marR="0" lvl="0" indent="0" algn="l" rtl="0">
+              <a:lnSpc>
+                <a:spcPct val="150000"/>
+              </a:lnSpc>
+              <a:spcBef>
+                <a:spcPts val="0"/>
+              </a:spcBef>
+              <a:spcAft>
+                <a:spcPts val="0"/>
+              </a:spcAft>
+              <a:buClr>
+                <a:srgbClr val="000000"/>
+              </a:buClr>
+              <a:buSzPts val="1400"/>
+              <a:buFont typeface="Arial"/>
+              <a:buNone/>
+            </a:pPr>
+            <a:endParaRPr sz="1400" b="0" i="0" u="none" strike="noStrike" cap="none">
+              <a:solidFill>
+                <a:schemeClr val="dk1"/>
+              </a:solidFill>
+              <a:latin typeface="Roboto"/>
+              <a:ea typeface="Roboto"/>
+              <a:cs typeface="Roboto"/>
+              <a:sym typeface="Roboto"/>
+            </a:endParaRPr>
+          </a:p>
+          <a:p>
+            <a:pPr marL="0" marR="0" lvl="0" indent="0" algn="l" rtl="0">
+              <a:lnSpc>
+                <a:spcPct val="150000"/>
+              </a:lnSpc>
+              <a:spcBef>
+                <a:spcPts val="0"/>
+              </a:spcBef>
+              <a:spcAft>
+                <a:spcPts val="0"/>
+              </a:spcAft>
+              <a:buClr>
+                <a:srgbClr val="000000"/>
+              </a:buClr>
+              <a:buSzPts val="1400"/>
+              <a:buFont typeface="Arial"/>
+              <a:buNone/>
+            </a:pPr>
+            <a:endParaRPr sz="1400" b="0" i="0" u="none" strike="noStrike" cap="none">
+              <a:solidFill>
+                <a:schemeClr val="dk1"/>
+              </a:solidFill>
+              <a:latin typeface="Roboto"/>
+              <a:ea typeface="Roboto"/>
+              <a:cs typeface="Roboto"/>
+              <a:sym typeface="Roboto"/>
+            </a:endParaRPr>
+          </a:p>
+        </p:txBody>
+      </p:sp>
+      <p:pic>
+        <p:nvPicPr>
+          <p:cNvPr id="100" name="Google Shape;100;p8"/>
+          <p:cNvPicPr preferRelativeResize="0"/>
+          <p:nvPr/>
+        </p:nvPicPr>
+        <p:blipFill rotWithShape="1">
+          <a:blip r:embed="rId3">
+            <a:alphaModFix/>
+          </a:blip>
+          <a:srcRect/>
+          <a:stretch/>
+        </p:blipFill>
+        <p:spPr>
+          <a:xfrm>
+            <a:off x="-809150" y="3742975"/>
+            <a:ext cx="2599849" cy="2803224"/>
+          </a:xfrm>
+          <a:prstGeom prst="rect">
+            <a:avLst/>
+          </a:prstGeom>
+          <a:noFill/>
+          <a:ln>
+            <a:noFill/>
+          </a:ln>
+        </p:spPr>
+      </p:pic>
+      <p:sp>
+        <p:nvSpPr>
+          <p:cNvPr id="101" name="Google Shape;101;p8"/>
+          <p:cNvSpPr txBox="1"/>
+          <p:nvPr/>
+        </p:nvSpPr>
+        <p:spPr>
+          <a:xfrm>
+            <a:off x="719375" y="2260050"/>
+            <a:ext cx="3857700" cy="3000000"/>
+          </a:xfrm>
+          <a:prstGeom prst="rect">
+            <a:avLst/>
+          </a:prstGeom>
+          <a:noFill/>
+          <a:ln>
+            <a:noFill/>
+          </a:ln>
+        </p:spPr>
+        <p:txBody>
+          <a:bodyPr spcFirstLastPara="1" wrap="square" lIns="91425" tIns="91425" rIns="91425" bIns="91425" anchor="t" anchorCtr="0">
+            <a:noAutofit/>
+          </a:bodyPr>
+          <a:lstStyle/>
+          <a:p>
+            <a:pPr marL="0" marR="0" lvl="0" indent="0" algn="l" rtl="0">
+              <a:lnSpc>
+                <a:spcPct val="150000"/>
+              </a:lnSpc>
+              <a:spcBef>
+                <a:spcPts val="0"/>
+              </a:spcBef>
+              <a:spcAft>
+                <a:spcPts val="0"/>
+              </a:spcAft>
+              <a:buClr>
+                <a:srgbClr val="000000"/>
+              </a:buClr>
+              <a:buSzPts val="1200"/>
+              <a:buFont typeface="Arial"/>
+              <a:buNone/>
+            </a:pPr>
+            <a:r>
+              <a:rPr lang="en" sz="1200" b="0" i="0" u="none" strike="noStrike" cap="none">
+                <a:solidFill>
+                  <a:schemeClr val="dk1"/>
+                </a:solidFill>
+                <a:latin typeface="Roboto"/>
+                <a:ea typeface="Roboto"/>
+                <a:cs typeface="Roboto"/>
+                <a:sym typeface="Roboto"/>
+              </a:rPr>
+              <a:t>Significance is the probability of rejecting the null if it happens to be true. This is the most damaging type of error so we should be demanding with our significance (𝝰 chosen at most 5%, usually)</a:t>
+            </a:r>
+            <a:endParaRPr sz="1200" b="0" i="0" u="none" strike="noStrike" cap="none">
+              <a:solidFill>
+                <a:schemeClr val="dk1"/>
+              </a:solidFill>
+              <a:latin typeface="Roboto"/>
+              <a:ea typeface="Roboto"/>
+              <a:cs typeface="Roboto"/>
+              <a:sym typeface="Roboto"/>
+            </a:endParaRPr>
+          </a:p>
+          <a:p>
+            <a:pPr marL="0" marR="0" lvl="0" indent="0" algn="l" rtl="0">
+              <a:lnSpc>
+                <a:spcPct val="150000"/>
+              </a:lnSpc>
+              <a:spcBef>
+                <a:spcPts val="0"/>
+              </a:spcBef>
+              <a:spcAft>
+                <a:spcPts val="0"/>
+              </a:spcAft>
+              <a:buClr>
+                <a:srgbClr val="000000"/>
+              </a:buClr>
+              <a:buSzPts val="1200"/>
+              <a:buFont typeface="Arial"/>
+              <a:buNone/>
+            </a:pPr>
+            <a:endParaRPr sz="1200" b="0" i="0" u="none" strike="noStrike" cap="none">
+              <a:solidFill>
+                <a:schemeClr val="dk1"/>
+              </a:solidFill>
+              <a:latin typeface="Roboto"/>
+              <a:ea typeface="Roboto"/>
+              <a:cs typeface="Roboto"/>
+              <a:sym typeface="Roboto"/>
+            </a:endParaRPr>
+          </a:p>
+          <a:p>
+            <a:pPr marL="0" marR="0" lvl="0" indent="0" algn="l" rtl="0">
+              <a:lnSpc>
+                <a:spcPct val="150000"/>
+              </a:lnSpc>
+              <a:spcBef>
+                <a:spcPts val="0"/>
+              </a:spcBef>
+              <a:spcAft>
+                <a:spcPts val="0"/>
+              </a:spcAft>
+              <a:buClr>
+                <a:srgbClr val="000000"/>
+              </a:buClr>
+              <a:buSzPts val="1200"/>
+              <a:buFont typeface="Arial"/>
+              <a:buNone/>
+            </a:pPr>
+            <a:r>
+              <a:rPr lang="en" sz="1200" b="0" i="0" u="none" strike="noStrike" cap="none">
+                <a:solidFill>
+                  <a:schemeClr val="dk1"/>
+                </a:solidFill>
+                <a:latin typeface="Roboto"/>
+                <a:ea typeface="Roboto"/>
+                <a:cs typeface="Roboto"/>
+                <a:sym typeface="Roboto"/>
+              </a:rPr>
+              <a:t>We have seen that significance is the converse of confidence (1-𝝰).</a:t>
+            </a:r>
+            <a:endParaRPr sz="1200" b="0" i="0" u="none" strike="noStrike" cap="none">
+              <a:solidFill>
+                <a:schemeClr val="dk1"/>
+              </a:solidFill>
+              <a:latin typeface="Roboto"/>
+              <a:ea typeface="Roboto"/>
+              <a:cs typeface="Roboto"/>
+              <a:sym typeface="Roboto"/>
+            </a:endParaRPr>
+          </a:p>
+        </p:txBody>
+      </p:sp>
+      <p:pic>
+        <p:nvPicPr>
+          <p:cNvPr id="102" name="Google Shape;102;p8"/>
+          <p:cNvPicPr preferRelativeResize="0"/>
+          <p:nvPr/>
+        </p:nvPicPr>
+        <p:blipFill rotWithShape="1">
+          <a:blip r:embed="rId4">
+            <a:alphaModFix/>
+          </a:blip>
+          <a:srcRect/>
+          <a:stretch/>
+        </p:blipFill>
+        <p:spPr>
+          <a:xfrm>
+            <a:off x="4803826" y="2069650"/>
+            <a:ext cx="3447075" cy="2302825"/>
+          </a:xfrm>
+          <a:prstGeom prst="rect">
+            <a:avLst/>
+          </a:prstGeom>
+          <a:noFill/>
+          <a:ln>
+            <a:noFill/>
+          </a:ln>
+        </p:spPr>
+      </p:pic>
+    </p:spTree>
+  </p:cSld>
+  <p:clrMapOvr>
+    <a:masterClrMapping/>
+  </p:clrMapOvr>
+</p:sld>
+</file>
+
+<file path=ppt/slides/slide32.xml><?xml version="1.0" encoding="utf-8"?>
+<p:sld xmlns:a="http://schemas.openxmlformats.org/drawingml/2006/main" xmlns:r="http://schemas.openxmlformats.org/officeDocument/2006/relationships" xmlns:p="http://schemas.openxmlformats.org/presentationml/2006/main">
+  <p:cSld>
+    <p:spTree>
+      <p:nvGrpSpPr>
+        <p:cNvPr id="1" name="Shape 106"/>
+        <p:cNvGrpSpPr/>
+        <p:nvPr/>
+      </p:nvGrpSpPr>
+      <p:grpSpPr>
+        <a:xfrm>
+          <a:off x="0" y="0"/>
+          <a:ext cx="0" cy="0"/>
+          <a:chOff x="0" y="0"/>
+          <a:chExt cx="0" cy="0"/>
+        </a:xfrm>
+      </p:grpSpPr>
+      <p:sp>
+        <p:nvSpPr>
+          <p:cNvPr id="107" name="Google Shape;107;p9"/>
+          <p:cNvSpPr txBox="1"/>
+          <p:nvPr/>
+        </p:nvSpPr>
+        <p:spPr>
+          <a:xfrm>
+            <a:off x="719375" y="842675"/>
+            <a:ext cx="7657200" cy="3529800"/>
+          </a:xfrm>
+          <a:prstGeom prst="rect">
+            <a:avLst/>
+          </a:prstGeom>
+          <a:noFill/>
+          <a:ln>
+            <a:noFill/>
+          </a:ln>
+        </p:spPr>
+        <p:txBody>
+          <a:bodyPr spcFirstLastPara="1" wrap="square" lIns="91425" tIns="91425" rIns="91425" bIns="91425" anchor="t" anchorCtr="0">
+            <a:noAutofit/>
+          </a:bodyPr>
+          <a:lstStyle/>
+          <a:p>
+            <a:pPr marL="0" marR="0" lvl="0" indent="0" algn="l" rtl="0">
+              <a:lnSpc>
+                <a:spcPct val="150000"/>
+              </a:lnSpc>
+              <a:spcBef>
+                <a:spcPts val="0"/>
+              </a:spcBef>
+              <a:spcAft>
+                <a:spcPts val="0"/>
+              </a:spcAft>
+              <a:buClr>
+                <a:srgbClr val="000000"/>
+              </a:buClr>
+              <a:buSzPts val="1100"/>
+              <a:buFont typeface="Arial"/>
+              <a:buNone/>
+            </a:pPr>
+            <a:r>
+              <a:rPr lang="en" sz="1800" b="1" i="0" u="none" strike="noStrike" cap="none">
+                <a:solidFill>
+                  <a:srgbClr val="2DC5FA"/>
+                </a:solidFill>
+                <a:latin typeface="Roboto"/>
+                <a:ea typeface="Roboto"/>
+                <a:cs typeface="Roboto"/>
+                <a:sym typeface="Roboto"/>
+              </a:rPr>
+              <a:t>RUNNING EXAMPLE</a:t>
+            </a:r>
+            <a:endParaRPr sz="1400" b="1" i="0" u="none" strike="noStrike" cap="none">
+              <a:solidFill>
+                <a:schemeClr val="dk1"/>
+              </a:solidFill>
+              <a:latin typeface="Roboto"/>
+              <a:ea typeface="Roboto"/>
+              <a:cs typeface="Roboto"/>
+              <a:sym typeface="Roboto"/>
+            </a:endParaRPr>
+          </a:p>
+          <a:p>
+            <a:pPr marL="0" marR="0" lvl="0" indent="0" algn="l" rtl="0">
+              <a:lnSpc>
+                <a:spcPct val="150000"/>
+              </a:lnSpc>
+              <a:spcBef>
+                <a:spcPts val="0"/>
+              </a:spcBef>
+              <a:spcAft>
+                <a:spcPts val="0"/>
+              </a:spcAft>
+              <a:buClr>
+                <a:srgbClr val="000000"/>
+              </a:buClr>
+              <a:buSzPts val="1400"/>
+              <a:buFont typeface="Arial"/>
+              <a:buNone/>
+            </a:pPr>
+            <a:endParaRPr sz="1400" b="1" i="0" u="none" strike="noStrike" cap="none">
+              <a:solidFill>
+                <a:schemeClr val="dk1"/>
+              </a:solidFill>
+              <a:latin typeface="Roboto"/>
+              <a:ea typeface="Roboto"/>
+              <a:cs typeface="Roboto"/>
+              <a:sym typeface="Roboto"/>
+            </a:endParaRPr>
+          </a:p>
+          <a:p>
+            <a:pPr marL="457200" marR="0" lvl="0" indent="-317500" algn="l" rtl="0">
+              <a:lnSpc>
+                <a:spcPct val="150000"/>
+              </a:lnSpc>
+              <a:spcBef>
+                <a:spcPts val="0"/>
+              </a:spcBef>
+              <a:spcAft>
+                <a:spcPts val="0"/>
+              </a:spcAft>
+              <a:buClr>
+                <a:schemeClr val="dk1"/>
+              </a:buClr>
+              <a:buSzPts val="1400"/>
+              <a:buFont typeface="Roboto"/>
+              <a:buChar char="●"/>
+            </a:pPr>
+            <a:r>
+              <a:rPr lang="en" sz="1400" b="0" i="0" u="none" strike="noStrike" cap="none">
+                <a:solidFill>
+                  <a:schemeClr val="dk1"/>
+                </a:solidFill>
+                <a:latin typeface="Roboto"/>
+                <a:ea typeface="Roboto"/>
+                <a:cs typeface="Roboto"/>
+                <a:sym typeface="Roboto"/>
+              </a:rPr>
+              <a:t>Let’s pick a significance level. Are you feeling confident about our claim or not?</a:t>
+            </a:r>
+            <a:endParaRPr sz="1400" b="0" i="0" u="none" strike="noStrike" cap="none">
+              <a:solidFill>
+                <a:schemeClr val="dk1"/>
+              </a:solidFill>
+              <a:latin typeface="Roboto"/>
+              <a:ea typeface="Roboto"/>
+              <a:cs typeface="Roboto"/>
+              <a:sym typeface="Roboto"/>
+            </a:endParaRPr>
+          </a:p>
+          <a:p>
+            <a:pPr marL="0" marR="0" lvl="0" indent="0" algn="l" rtl="0">
+              <a:lnSpc>
+                <a:spcPct val="150000"/>
+              </a:lnSpc>
+              <a:spcBef>
+                <a:spcPts val="0"/>
+              </a:spcBef>
+              <a:spcAft>
+                <a:spcPts val="0"/>
+              </a:spcAft>
+              <a:buClr>
+                <a:srgbClr val="000000"/>
+              </a:buClr>
+              <a:buSzPts val="1400"/>
+              <a:buFont typeface="Arial"/>
+              <a:buNone/>
+            </a:pPr>
+            <a:endParaRPr sz="1400" b="0" i="0" u="none" strike="noStrike" cap="none">
+              <a:solidFill>
+                <a:schemeClr val="dk1"/>
+              </a:solidFill>
+              <a:latin typeface="Roboto"/>
+              <a:ea typeface="Roboto"/>
+              <a:cs typeface="Roboto"/>
+              <a:sym typeface="Roboto"/>
+            </a:endParaRPr>
+          </a:p>
+        </p:txBody>
+      </p:sp>
+      <p:pic>
+        <p:nvPicPr>
+          <p:cNvPr id="108" name="Google Shape;108;p9"/>
+          <p:cNvPicPr preferRelativeResize="0"/>
+          <p:nvPr/>
+        </p:nvPicPr>
+        <p:blipFill rotWithShape="1">
+          <a:blip r:embed="rId3">
+            <a:alphaModFix/>
+          </a:blip>
+          <a:srcRect/>
+          <a:stretch/>
+        </p:blipFill>
+        <p:spPr>
+          <a:xfrm>
+            <a:off x="-809150" y="3742975"/>
+            <a:ext cx="2599849" cy="2803224"/>
+          </a:xfrm>
+          <a:prstGeom prst="rect">
+            <a:avLst/>
+          </a:prstGeom>
+          <a:noFill/>
+          <a:ln>
+            <a:noFill/>
+          </a:ln>
+        </p:spPr>
+      </p:pic>
+    </p:spTree>
+  </p:cSld>
+  <p:clrMapOvr>
+    <a:masterClrMapping/>
+  </p:clrMapOvr>
+</p:sld>
+</file>
+
+<file path=ppt/slides/slide33.xml><?xml version="1.0" encoding="utf-8"?>
+<p:sld xmlns:a="http://schemas.openxmlformats.org/drawingml/2006/main" xmlns:r="http://schemas.openxmlformats.org/officeDocument/2006/relationships" xmlns:p="http://schemas.openxmlformats.org/presentationml/2006/main">
+  <p:cSld>
+    <p:spTree>
+      <p:nvGrpSpPr>
+        <p:cNvPr id="1" name="Shape 112"/>
+        <p:cNvGrpSpPr/>
+        <p:nvPr/>
+      </p:nvGrpSpPr>
+      <p:grpSpPr>
+        <a:xfrm>
+          <a:off x="0" y="0"/>
+          <a:ext cx="0" cy="0"/>
+          <a:chOff x="0" y="0"/>
+          <a:chExt cx="0" cy="0"/>
+        </a:xfrm>
+      </p:grpSpPr>
+      <p:sp>
+        <p:nvSpPr>
+          <p:cNvPr id="113" name="Google Shape;113;p10"/>
+          <p:cNvSpPr txBox="1"/>
+          <p:nvPr/>
+        </p:nvSpPr>
+        <p:spPr>
+          <a:xfrm>
+            <a:off x="719375" y="842675"/>
+            <a:ext cx="7657200" cy="3529800"/>
+          </a:xfrm>
+          <a:prstGeom prst="rect">
+            <a:avLst/>
+          </a:prstGeom>
+          <a:noFill/>
+          <a:ln>
+            <a:noFill/>
+          </a:ln>
+        </p:spPr>
+        <p:txBody>
+          <a:bodyPr spcFirstLastPara="1" wrap="square" lIns="91425" tIns="91425" rIns="91425" bIns="91425" anchor="t" anchorCtr="0">
+            <a:noAutofit/>
+          </a:bodyPr>
+          <a:lstStyle/>
+          <a:p>
+            <a:pPr marL="0" marR="0" lvl="0" indent="0" algn="l" rtl="0">
+              <a:lnSpc>
+                <a:spcPct val="150000"/>
+              </a:lnSpc>
+              <a:spcBef>
+                <a:spcPts val="0"/>
+              </a:spcBef>
+              <a:spcAft>
+                <a:spcPts val="0"/>
+              </a:spcAft>
+              <a:buClr>
+                <a:srgbClr val="000000"/>
+              </a:buClr>
+              <a:buSzPts val="1100"/>
+              <a:buFont typeface="Arial"/>
+              <a:buNone/>
+            </a:pPr>
+            <a:r>
+              <a:rPr lang="en" sz="1800" b="1" i="0" u="none" strike="noStrike" cap="none">
+                <a:solidFill>
+                  <a:srgbClr val="2DC5FA"/>
+                </a:solidFill>
+                <a:latin typeface="Roboto"/>
+                <a:ea typeface="Roboto"/>
+                <a:cs typeface="Roboto"/>
+                <a:sym typeface="Roboto"/>
+              </a:rPr>
+              <a:t>THE 5 STEPS OF HYPOTHESIS TESTING</a:t>
+            </a:r>
+            <a:endParaRPr sz="1400" b="1" i="0" u="none" strike="noStrike" cap="none">
+              <a:solidFill>
+                <a:schemeClr val="dk1"/>
+              </a:solidFill>
+              <a:latin typeface="Roboto"/>
+              <a:ea typeface="Roboto"/>
+              <a:cs typeface="Roboto"/>
+              <a:sym typeface="Roboto"/>
+            </a:endParaRPr>
+          </a:p>
+          <a:p>
+            <a:pPr marL="0" marR="0" lvl="0" indent="0" algn="l" rtl="0">
+              <a:lnSpc>
+                <a:spcPct val="115000"/>
+              </a:lnSpc>
+              <a:spcBef>
+                <a:spcPts val="0"/>
+              </a:spcBef>
+              <a:spcAft>
+                <a:spcPts val="0"/>
+              </a:spcAft>
+              <a:buClr>
+                <a:schemeClr val="dk1"/>
+              </a:buClr>
+              <a:buSzPts val="1100"/>
+              <a:buFont typeface="Arial"/>
+              <a:buNone/>
+            </a:pPr>
+            <a:endParaRPr sz="2000" b="1" i="0" u="none" strike="noStrike" cap="none">
+              <a:solidFill>
+                <a:schemeClr val="dk1"/>
+              </a:solidFill>
+              <a:latin typeface="Roboto"/>
+              <a:ea typeface="Roboto"/>
+              <a:cs typeface="Roboto"/>
+              <a:sym typeface="Roboto"/>
+            </a:endParaRPr>
+          </a:p>
+          <a:p>
+            <a:pPr marL="457200" marR="0" lvl="0" indent="-330200" algn="just" rtl="0">
+              <a:lnSpc>
+                <a:spcPct val="100000"/>
+              </a:lnSpc>
+              <a:spcBef>
+                <a:spcPts val="0"/>
+              </a:spcBef>
+              <a:spcAft>
+                <a:spcPts val="0"/>
+              </a:spcAft>
+              <a:buClr>
+                <a:schemeClr val="dk1"/>
+              </a:buClr>
+              <a:buSzPts val="1600"/>
+              <a:buFont typeface="Roboto"/>
+              <a:buAutoNum type="arabicPeriod"/>
+            </a:pPr>
+            <a:r>
+              <a:rPr lang="en" sz="1700" b="0" i="0" u="none" strike="noStrike" cap="none">
+                <a:solidFill>
+                  <a:schemeClr val="dk1"/>
+                </a:solidFill>
+                <a:latin typeface="Arial"/>
+                <a:ea typeface="Arial"/>
+                <a:cs typeface="Arial"/>
+                <a:sym typeface="Arial"/>
+              </a:rPr>
+              <a:t>Set the hypothesis</a:t>
+            </a:r>
+            <a:endParaRPr sz="1700" b="0" i="0" u="none" strike="noStrike" cap="none">
+              <a:solidFill>
+                <a:schemeClr val="dk1"/>
+              </a:solidFill>
+              <a:latin typeface="Arial"/>
+              <a:ea typeface="Arial"/>
+              <a:cs typeface="Arial"/>
+              <a:sym typeface="Arial"/>
+            </a:endParaRPr>
+          </a:p>
+          <a:p>
+            <a:pPr marL="457200" marR="0" lvl="0" indent="-336550" algn="just" rtl="0">
+              <a:lnSpc>
+                <a:spcPct val="100000"/>
+              </a:lnSpc>
+              <a:spcBef>
+                <a:spcPts val="0"/>
+              </a:spcBef>
+              <a:spcAft>
+                <a:spcPts val="0"/>
+              </a:spcAft>
+              <a:buClr>
+                <a:schemeClr val="dk1"/>
+              </a:buClr>
+              <a:buSzPts val="1700"/>
+              <a:buFont typeface="Arial"/>
+              <a:buAutoNum type="arabicPeriod"/>
+            </a:pPr>
+            <a:r>
+              <a:rPr lang="en" sz="1700" b="0" i="0" u="none" strike="noStrike" cap="none">
+                <a:solidFill>
+                  <a:schemeClr val="dk1"/>
+                </a:solidFill>
+                <a:latin typeface="Arial"/>
+                <a:ea typeface="Arial"/>
+                <a:cs typeface="Arial"/>
+                <a:sym typeface="Arial"/>
+              </a:rPr>
+              <a:t>Choose significance / confidence level</a:t>
+            </a:r>
+            <a:endParaRPr sz="1700" b="0" i="0" u="none" strike="noStrike" cap="none">
+              <a:solidFill>
+                <a:schemeClr val="dk1"/>
+              </a:solidFill>
+              <a:latin typeface="Arial"/>
+              <a:ea typeface="Arial"/>
+              <a:cs typeface="Arial"/>
+              <a:sym typeface="Arial"/>
+            </a:endParaRPr>
+          </a:p>
+          <a:p>
+            <a:pPr marL="457200" marR="0" lvl="0" indent="-336550" algn="just" rtl="0">
+              <a:lnSpc>
+                <a:spcPct val="100000"/>
+              </a:lnSpc>
+              <a:spcBef>
+                <a:spcPts val="0"/>
+              </a:spcBef>
+              <a:spcAft>
+                <a:spcPts val="0"/>
+              </a:spcAft>
+              <a:buClr>
+                <a:schemeClr val="dk1"/>
+              </a:buClr>
+              <a:buSzPts val="1700"/>
+              <a:buFont typeface="Arial"/>
+              <a:buAutoNum type="arabicPeriod"/>
+            </a:pPr>
+            <a:r>
+              <a:rPr lang="en" sz="1700" b="1" i="0" u="none" strike="noStrike" cap="none">
+                <a:solidFill>
+                  <a:schemeClr val="dk1"/>
+                </a:solidFill>
+                <a:latin typeface="Arial"/>
+                <a:ea typeface="Arial"/>
+                <a:cs typeface="Arial"/>
+                <a:sym typeface="Arial"/>
+              </a:rPr>
+              <a:t>Sample</a:t>
+            </a:r>
+            <a:endParaRPr sz="1700" b="1" i="0" u="none" strike="noStrike" cap="none">
+              <a:solidFill>
+                <a:schemeClr val="dk1"/>
+              </a:solidFill>
+              <a:latin typeface="Arial"/>
+              <a:ea typeface="Arial"/>
+              <a:cs typeface="Arial"/>
+              <a:sym typeface="Arial"/>
+            </a:endParaRPr>
+          </a:p>
+          <a:p>
+            <a:pPr marL="457200" marR="0" lvl="0" indent="-336550" algn="just" rtl="0">
+              <a:lnSpc>
+                <a:spcPct val="100000"/>
+              </a:lnSpc>
+              <a:spcBef>
+                <a:spcPts val="0"/>
+              </a:spcBef>
+              <a:spcAft>
+                <a:spcPts val="0"/>
+              </a:spcAft>
+              <a:buClr>
+                <a:schemeClr val="dk1"/>
+              </a:buClr>
+              <a:buSzPts val="1700"/>
+              <a:buFont typeface="Arial"/>
+              <a:buAutoNum type="arabicPeriod"/>
+            </a:pPr>
+            <a:r>
+              <a:rPr lang="en" sz="1700" b="0" i="0" u="none" strike="noStrike" cap="none">
+                <a:solidFill>
+                  <a:schemeClr val="dk1"/>
+                </a:solidFill>
+                <a:latin typeface="Arial"/>
+                <a:ea typeface="Arial"/>
+                <a:cs typeface="Arial"/>
+                <a:sym typeface="Arial"/>
+              </a:rPr>
+              <a:t>Compute statistic + Get p-value </a:t>
+            </a:r>
+            <a:endParaRPr sz="1700" b="0" i="0" u="none" strike="noStrike" cap="none">
+              <a:solidFill>
+                <a:schemeClr val="dk1"/>
+              </a:solidFill>
+              <a:latin typeface="Arial"/>
+              <a:ea typeface="Arial"/>
+              <a:cs typeface="Arial"/>
+              <a:sym typeface="Arial"/>
+            </a:endParaRPr>
+          </a:p>
+          <a:p>
+            <a:pPr marL="457200" marR="0" lvl="0" indent="-336550" algn="just" rtl="0">
+              <a:lnSpc>
+                <a:spcPct val="100000"/>
+              </a:lnSpc>
+              <a:spcBef>
+                <a:spcPts val="0"/>
+              </a:spcBef>
+              <a:spcAft>
+                <a:spcPts val="0"/>
+              </a:spcAft>
+              <a:buClr>
+                <a:schemeClr val="dk1"/>
+              </a:buClr>
+              <a:buSzPts val="1700"/>
+              <a:buFont typeface="Arial"/>
+              <a:buAutoNum type="arabicPeriod"/>
+            </a:pPr>
+            <a:r>
+              <a:rPr lang="en" sz="1700" b="0" i="0" u="none" strike="noStrike" cap="none">
+                <a:solidFill>
+                  <a:schemeClr val="dk1"/>
+                </a:solidFill>
+                <a:latin typeface="Arial"/>
+                <a:ea typeface="Arial"/>
+                <a:cs typeface="Arial"/>
+                <a:sym typeface="Arial"/>
+              </a:rPr>
+              <a:t>Decide</a:t>
+            </a:r>
+            <a:endParaRPr sz="1700" b="0" i="0" u="none" strike="noStrike" cap="none">
+              <a:solidFill>
+                <a:schemeClr val="dk1"/>
+              </a:solidFill>
+              <a:latin typeface="Arial"/>
+              <a:ea typeface="Arial"/>
+              <a:cs typeface="Arial"/>
+              <a:sym typeface="Arial"/>
+            </a:endParaRPr>
+          </a:p>
+        </p:txBody>
+      </p:sp>
+      <p:pic>
+        <p:nvPicPr>
+          <p:cNvPr id="114" name="Google Shape;114;p10"/>
+          <p:cNvPicPr preferRelativeResize="0"/>
+          <p:nvPr/>
+        </p:nvPicPr>
+        <p:blipFill rotWithShape="1">
+          <a:blip r:embed="rId3">
+            <a:alphaModFix/>
+          </a:blip>
+          <a:srcRect/>
+          <a:stretch/>
+        </p:blipFill>
+        <p:spPr>
+          <a:xfrm>
+            <a:off x="-809150" y="3742975"/>
+            <a:ext cx="2599849" cy="2803224"/>
+          </a:xfrm>
+          <a:prstGeom prst="rect">
+            <a:avLst/>
+          </a:prstGeom>
+          <a:noFill/>
+          <a:ln>
+            <a:noFill/>
+          </a:ln>
+        </p:spPr>
+      </p:pic>
+    </p:spTree>
+  </p:cSld>
+  <p:clrMapOvr>
+    <a:masterClrMapping/>
+  </p:clrMapOvr>
+</p:sld>
+</file>
+
+<file path=ppt/slides/slide34.xml><?xml version="1.0" encoding="utf-8"?>
+<p:sld xmlns:a="http://schemas.openxmlformats.org/drawingml/2006/main" xmlns:r="http://schemas.openxmlformats.org/officeDocument/2006/relationships" xmlns:p="http://schemas.openxmlformats.org/presentationml/2006/main">
+  <p:cSld>
+    <p:spTree>
+      <p:nvGrpSpPr>
+        <p:cNvPr id="1" name="Shape 118"/>
+        <p:cNvGrpSpPr/>
+        <p:nvPr/>
+      </p:nvGrpSpPr>
+      <p:grpSpPr>
+        <a:xfrm>
+          <a:off x="0" y="0"/>
+          <a:ext cx="0" cy="0"/>
+          <a:chOff x="0" y="0"/>
+          <a:chExt cx="0" cy="0"/>
+        </a:xfrm>
+      </p:grpSpPr>
+      <p:sp>
+        <p:nvSpPr>
+          <p:cNvPr id="119" name="Google Shape;119;p11"/>
+          <p:cNvSpPr txBox="1"/>
+          <p:nvPr/>
+        </p:nvSpPr>
+        <p:spPr>
+          <a:xfrm>
+            <a:off x="719375" y="842675"/>
+            <a:ext cx="7657200" cy="3529800"/>
+          </a:xfrm>
+          <a:prstGeom prst="rect">
+            <a:avLst/>
+          </a:prstGeom>
+          <a:noFill/>
+          <a:ln>
+            <a:noFill/>
+          </a:ln>
+        </p:spPr>
+        <p:txBody>
+          <a:bodyPr spcFirstLastPara="1" wrap="square" lIns="91425" tIns="91425" rIns="91425" bIns="91425" anchor="t" anchorCtr="0">
+            <a:noAutofit/>
+          </a:bodyPr>
+          <a:lstStyle/>
+          <a:p>
+            <a:pPr marL="0" marR="0" lvl="0" indent="0" algn="l" rtl="0">
+              <a:lnSpc>
+                <a:spcPct val="150000"/>
+              </a:lnSpc>
+              <a:spcBef>
+                <a:spcPts val="0"/>
+              </a:spcBef>
+              <a:spcAft>
+                <a:spcPts val="0"/>
+              </a:spcAft>
+              <a:buClr>
+                <a:srgbClr val="000000"/>
+              </a:buClr>
+              <a:buSzPts val="1100"/>
+              <a:buFont typeface="Arial"/>
+              <a:buNone/>
+            </a:pPr>
+            <a:r>
+              <a:rPr lang="en" sz="1800" b="1" i="0" u="none" strike="noStrike" cap="none">
+                <a:solidFill>
+                  <a:srgbClr val="2DC5FA"/>
+                </a:solidFill>
+                <a:latin typeface="Roboto"/>
+                <a:ea typeface="Roboto"/>
+                <a:cs typeface="Roboto"/>
+                <a:sym typeface="Roboto"/>
+              </a:rPr>
+              <a:t>RUNNING EXAMPLE</a:t>
+            </a:r>
+            <a:endParaRPr sz="1400" b="1" i="0" u="none" strike="noStrike" cap="none">
+              <a:solidFill>
+                <a:schemeClr val="dk1"/>
+              </a:solidFill>
+              <a:latin typeface="Roboto"/>
+              <a:ea typeface="Roboto"/>
+              <a:cs typeface="Roboto"/>
+              <a:sym typeface="Roboto"/>
+            </a:endParaRPr>
+          </a:p>
+          <a:p>
+            <a:pPr marL="0" marR="0" lvl="0" indent="0" algn="l" rtl="0">
+              <a:lnSpc>
+                <a:spcPct val="150000"/>
+              </a:lnSpc>
+              <a:spcBef>
+                <a:spcPts val="0"/>
+              </a:spcBef>
+              <a:spcAft>
+                <a:spcPts val="0"/>
+              </a:spcAft>
+              <a:buClr>
+                <a:srgbClr val="000000"/>
+              </a:buClr>
+              <a:buSzPts val="1400"/>
+              <a:buFont typeface="Arial"/>
+              <a:buNone/>
+            </a:pPr>
+            <a:endParaRPr sz="1400" b="1" i="0" u="none" strike="noStrike" cap="none">
+              <a:solidFill>
+                <a:schemeClr val="dk1"/>
+              </a:solidFill>
+              <a:latin typeface="Roboto"/>
+              <a:ea typeface="Roboto"/>
+              <a:cs typeface="Roboto"/>
+              <a:sym typeface="Roboto"/>
+            </a:endParaRPr>
+          </a:p>
+          <a:p>
+            <a:pPr marL="457200" marR="0" lvl="0" indent="-317500" algn="l" rtl="0">
+              <a:lnSpc>
+                <a:spcPct val="150000"/>
+              </a:lnSpc>
+              <a:spcBef>
+                <a:spcPts val="0"/>
+              </a:spcBef>
+              <a:spcAft>
+                <a:spcPts val="0"/>
+              </a:spcAft>
+              <a:buClr>
+                <a:schemeClr val="dk1"/>
+              </a:buClr>
+              <a:buSzPts val="1400"/>
+              <a:buFont typeface="Roboto"/>
+              <a:buChar char="●"/>
+            </a:pPr>
+            <a:r>
+              <a:rPr lang="en" sz="1400" b="0" i="0" u="none" strike="noStrike" cap="none">
+                <a:solidFill>
+                  <a:schemeClr val="dk1"/>
+                </a:solidFill>
+                <a:latin typeface="Roboto"/>
+                <a:ea typeface="Roboto"/>
+                <a:cs typeface="Roboto"/>
+                <a:sym typeface="Roboto"/>
+              </a:rPr>
+              <a:t>Open the class collab. </a:t>
+            </a:r>
+            <a:endParaRPr sz="1400" b="0" i="0" u="none" strike="noStrike" cap="none">
+              <a:solidFill>
+                <a:schemeClr val="dk1"/>
+              </a:solidFill>
+              <a:latin typeface="Roboto"/>
+              <a:ea typeface="Roboto"/>
+              <a:cs typeface="Roboto"/>
+              <a:sym typeface="Roboto"/>
+            </a:endParaRPr>
+          </a:p>
+          <a:p>
+            <a:pPr marL="457200" marR="0" lvl="0" indent="-317500" algn="l" rtl="0">
+              <a:lnSpc>
+                <a:spcPct val="150000"/>
+              </a:lnSpc>
+              <a:spcBef>
+                <a:spcPts val="0"/>
+              </a:spcBef>
+              <a:spcAft>
+                <a:spcPts val="0"/>
+              </a:spcAft>
+              <a:buClr>
+                <a:schemeClr val="dk1"/>
+              </a:buClr>
+              <a:buSzPts val="1400"/>
+              <a:buFont typeface="Roboto"/>
+              <a:buChar char="●"/>
+            </a:pPr>
+            <a:r>
+              <a:rPr lang="en" sz="1400" b="0" i="0" u="none" strike="noStrike" cap="none">
+                <a:solidFill>
+                  <a:schemeClr val="dk1"/>
+                </a:solidFill>
+                <a:latin typeface="Roboto"/>
+                <a:ea typeface="Roboto"/>
+                <a:cs typeface="Roboto"/>
+                <a:sym typeface="Roboto"/>
+              </a:rPr>
+              <a:t>Let’s assume we have access to only 30 3rd class passengers (say, to get the price paid for the ticket you had to track down their families to send you a copy of the receipt).</a:t>
+            </a:r>
+            <a:endParaRPr sz="1400" b="0" i="0" u="none" strike="noStrike" cap="none">
+              <a:solidFill>
+                <a:schemeClr val="dk1"/>
+              </a:solidFill>
+              <a:latin typeface="Roboto"/>
+              <a:ea typeface="Roboto"/>
+              <a:cs typeface="Roboto"/>
+              <a:sym typeface="Roboto"/>
+            </a:endParaRPr>
+          </a:p>
+          <a:p>
+            <a:pPr marL="457200" marR="0" lvl="0" indent="-317500" algn="l" rtl="0">
+              <a:lnSpc>
+                <a:spcPct val="150000"/>
+              </a:lnSpc>
+              <a:spcBef>
+                <a:spcPts val="0"/>
+              </a:spcBef>
+              <a:spcAft>
+                <a:spcPts val="0"/>
+              </a:spcAft>
+              <a:buClr>
+                <a:schemeClr val="dk1"/>
+              </a:buClr>
+              <a:buSzPts val="1400"/>
+              <a:buFont typeface="Roboto"/>
+              <a:buChar char="●"/>
+            </a:pPr>
+            <a:r>
+              <a:rPr lang="en" sz="1400" b="0" i="0" u="none" strike="noStrike" cap="none">
+                <a:solidFill>
+                  <a:schemeClr val="dk1"/>
+                </a:solidFill>
+                <a:latin typeface="Roboto"/>
+                <a:ea typeface="Roboto"/>
+                <a:cs typeface="Roboto"/>
+                <a:sym typeface="Roboto"/>
+              </a:rPr>
+              <a:t>Sample your dataset for 30 entries</a:t>
+            </a:r>
+            <a:endParaRPr sz="1400" b="0" i="0" u="none" strike="noStrike" cap="none">
+              <a:solidFill>
+                <a:schemeClr val="dk1"/>
+              </a:solidFill>
+              <a:latin typeface="Roboto"/>
+              <a:ea typeface="Roboto"/>
+              <a:cs typeface="Roboto"/>
+              <a:sym typeface="Roboto"/>
+            </a:endParaRPr>
+          </a:p>
+          <a:p>
+            <a:pPr marL="0" marR="0" lvl="0" indent="0" algn="l" rtl="0">
+              <a:lnSpc>
+                <a:spcPct val="150000"/>
+              </a:lnSpc>
+              <a:spcBef>
+                <a:spcPts val="0"/>
+              </a:spcBef>
+              <a:spcAft>
+                <a:spcPts val="0"/>
+              </a:spcAft>
+              <a:buClr>
+                <a:srgbClr val="000000"/>
+              </a:buClr>
+              <a:buSzPts val="1400"/>
+              <a:buFont typeface="Arial"/>
+              <a:buNone/>
+            </a:pPr>
+            <a:endParaRPr sz="1400" b="0" i="0" u="none" strike="noStrike" cap="none">
+              <a:solidFill>
+                <a:schemeClr val="dk1"/>
+              </a:solidFill>
+              <a:latin typeface="Roboto"/>
+              <a:ea typeface="Roboto"/>
+              <a:cs typeface="Roboto"/>
+              <a:sym typeface="Roboto"/>
+            </a:endParaRPr>
+          </a:p>
+        </p:txBody>
+      </p:sp>
+      <p:pic>
+        <p:nvPicPr>
+          <p:cNvPr id="120" name="Google Shape;120;p11"/>
+          <p:cNvPicPr preferRelativeResize="0"/>
+          <p:nvPr/>
+        </p:nvPicPr>
+        <p:blipFill rotWithShape="1">
+          <a:blip r:embed="rId3">
+            <a:alphaModFix/>
+          </a:blip>
+          <a:srcRect/>
+          <a:stretch/>
+        </p:blipFill>
+        <p:spPr>
+          <a:xfrm>
+            <a:off x="-809150" y="3742975"/>
+            <a:ext cx="2599849" cy="2803224"/>
+          </a:xfrm>
+          <a:prstGeom prst="rect">
+            <a:avLst/>
+          </a:prstGeom>
+          <a:noFill/>
+          <a:ln>
+            <a:noFill/>
+          </a:ln>
+        </p:spPr>
+      </p:pic>
+    </p:spTree>
+  </p:cSld>
+  <p:clrMapOvr>
+    <a:masterClrMapping/>
+  </p:clrMapOvr>
+</p:sld>
+</file>
+
+<file path=ppt/slides/slide35.xml><?xml version="1.0" encoding="utf-8"?>
+<p:sld xmlns:a="http://schemas.openxmlformats.org/drawingml/2006/main" xmlns:r="http://schemas.openxmlformats.org/officeDocument/2006/relationships" xmlns:p="http://schemas.openxmlformats.org/presentationml/2006/main">
+  <p:cSld>
+    <p:spTree>
+      <p:nvGrpSpPr>
+        <p:cNvPr id="1" name="Shape 124"/>
+        <p:cNvGrpSpPr/>
+        <p:nvPr/>
+      </p:nvGrpSpPr>
+      <p:grpSpPr>
+        <a:xfrm>
+          <a:off x="0" y="0"/>
+          <a:ext cx="0" cy="0"/>
+          <a:chOff x="0" y="0"/>
+          <a:chExt cx="0" cy="0"/>
+        </a:xfrm>
+      </p:grpSpPr>
+      <p:sp>
+        <p:nvSpPr>
+          <p:cNvPr id="125" name="Google Shape;125;p12"/>
+          <p:cNvSpPr txBox="1"/>
+          <p:nvPr/>
+        </p:nvSpPr>
+        <p:spPr>
+          <a:xfrm>
+            <a:off x="719375" y="842675"/>
+            <a:ext cx="7657200" cy="3529800"/>
+          </a:xfrm>
+          <a:prstGeom prst="rect">
+            <a:avLst/>
+          </a:prstGeom>
+          <a:noFill/>
+          <a:ln>
+            <a:noFill/>
+          </a:ln>
+        </p:spPr>
+        <p:txBody>
+          <a:bodyPr spcFirstLastPara="1" wrap="square" lIns="91425" tIns="91425" rIns="91425" bIns="91425" anchor="t" anchorCtr="0">
+            <a:noAutofit/>
+          </a:bodyPr>
+          <a:lstStyle/>
+          <a:p>
+            <a:pPr marL="0" marR="0" lvl="0" indent="0" algn="l" rtl="0">
+              <a:lnSpc>
+                <a:spcPct val="150000"/>
+              </a:lnSpc>
+              <a:spcBef>
+                <a:spcPts val="0"/>
+              </a:spcBef>
+              <a:spcAft>
+                <a:spcPts val="0"/>
+              </a:spcAft>
+              <a:buClr>
+                <a:srgbClr val="000000"/>
+              </a:buClr>
+              <a:buSzPts val="1100"/>
+              <a:buFont typeface="Arial"/>
+              <a:buNone/>
+            </a:pPr>
+            <a:r>
+              <a:rPr lang="en" sz="1800" b="1" i="0" u="none" strike="noStrike" cap="none">
+                <a:solidFill>
+                  <a:srgbClr val="2DC5FA"/>
+                </a:solidFill>
+                <a:latin typeface="Roboto"/>
+                <a:ea typeface="Roboto"/>
+                <a:cs typeface="Roboto"/>
+                <a:sym typeface="Roboto"/>
+              </a:rPr>
+              <a:t>THE 5 STEPS OF HYPOTHESIS TESTING</a:t>
+            </a:r>
+            <a:endParaRPr sz="1400" b="1" i="0" u="none" strike="noStrike" cap="none">
+              <a:solidFill>
+                <a:schemeClr val="dk1"/>
+              </a:solidFill>
+              <a:latin typeface="Roboto"/>
+              <a:ea typeface="Roboto"/>
+              <a:cs typeface="Roboto"/>
+              <a:sym typeface="Roboto"/>
+            </a:endParaRPr>
+          </a:p>
+          <a:p>
+            <a:pPr marL="0" marR="0" lvl="0" indent="0" algn="l" rtl="0">
+              <a:lnSpc>
+                <a:spcPct val="115000"/>
+              </a:lnSpc>
+              <a:spcBef>
+                <a:spcPts val="0"/>
+              </a:spcBef>
+              <a:spcAft>
+                <a:spcPts val="0"/>
+              </a:spcAft>
+              <a:buClr>
+                <a:schemeClr val="dk1"/>
+              </a:buClr>
+              <a:buSzPts val="1100"/>
+              <a:buFont typeface="Arial"/>
+              <a:buNone/>
+            </a:pPr>
+            <a:endParaRPr sz="2000" b="1" i="0" u="none" strike="noStrike" cap="none">
+              <a:solidFill>
+                <a:schemeClr val="dk1"/>
+              </a:solidFill>
+              <a:latin typeface="Roboto"/>
+              <a:ea typeface="Roboto"/>
+              <a:cs typeface="Roboto"/>
+              <a:sym typeface="Roboto"/>
+            </a:endParaRPr>
+          </a:p>
+          <a:p>
+            <a:pPr marL="457200" marR="0" lvl="0" indent="-330200" algn="just" rtl="0">
+              <a:lnSpc>
+                <a:spcPct val="100000"/>
+              </a:lnSpc>
+              <a:spcBef>
+                <a:spcPts val="0"/>
+              </a:spcBef>
+              <a:spcAft>
+                <a:spcPts val="0"/>
+              </a:spcAft>
+              <a:buClr>
+                <a:schemeClr val="dk1"/>
+              </a:buClr>
+              <a:buSzPts val="1600"/>
+              <a:buFont typeface="Roboto"/>
+              <a:buAutoNum type="arabicPeriod"/>
+            </a:pPr>
+            <a:r>
+              <a:rPr lang="en" sz="1700" b="0" i="0" u="none" strike="noStrike" cap="none">
+                <a:solidFill>
+                  <a:schemeClr val="dk1"/>
+                </a:solidFill>
+                <a:latin typeface="Arial"/>
+                <a:ea typeface="Arial"/>
+                <a:cs typeface="Arial"/>
+                <a:sym typeface="Arial"/>
+              </a:rPr>
+              <a:t>Set the hypothesis</a:t>
+            </a:r>
+            <a:endParaRPr sz="1700" b="0" i="0" u="none" strike="noStrike" cap="none">
+              <a:solidFill>
+                <a:schemeClr val="dk1"/>
+              </a:solidFill>
+              <a:latin typeface="Arial"/>
+              <a:ea typeface="Arial"/>
+              <a:cs typeface="Arial"/>
+              <a:sym typeface="Arial"/>
+            </a:endParaRPr>
+          </a:p>
+          <a:p>
+            <a:pPr marL="457200" marR="0" lvl="0" indent="-336550" algn="just" rtl="0">
+              <a:lnSpc>
+                <a:spcPct val="100000"/>
+              </a:lnSpc>
+              <a:spcBef>
+                <a:spcPts val="0"/>
+              </a:spcBef>
+              <a:spcAft>
+                <a:spcPts val="0"/>
+              </a:spcAft>
+              <a:buClr>
+                <a:schemeClr val="dk1"/>
+              </a:buClr>
+              <a:buSzPts val="1700"/>
+              <a:buFont typeface="Arial"/>
+              <a:buAutoNum type="arabicPeriod"/>
+            </a:pPr>
+            <a:r>
+              <a:rPr lang="en" sz="1700" b="0" i="0" u="none" strike="noStrike" cap="none">
+                <a:solidFill>
+                  <a:schemeClr val="dk1"/>
+                </a:solidFill>
+                <a:latin typeface="Arial"/>
+                <a:ea typeface="Arial"/>
+                <a:cs typeface="Arial"/>
+                <a:sym typeface="Arial"/>
+              </a:rPr>
+              <a:t>Choose significance / confidence level</a:t>
+            </a:r>
+            <a:endParaRPr sz="1700" b="0" i="0" u="none" strike="noStrike" cap="none">
+              <a:solidFill>
+                <a:schemeClr val="dk1"/>
+              </a:solidFill>
+              <a:latin typeface="Arial"/>
+              <a:ea typeface="Arial"/>
+              <a:cs typeface="Arial"/>
+              <a:sym typeface="Arial"/>
+            </a:endParaRPr>
+          </a:p>
+          <a:p>
+            <a:pPr marL="457200" marR="0" lvl="0" indent="-336550" algn="just" rtl="0">
+              <a:lnSpc>
+                <a:spcPct val="100000"/>
+              </a:lnSpc>
+              <a:spcBef>
+                <a:spcPts val="0"/>
+              </a:spcBef>
+              <a:spcAft>
+                <a:spcPts val="0"/>
+              </a:spcAft>
+              <a:buClr>
+                <a:schemeClr val="dk1"/>
+              </a:buClr>
+              <a:buSzPts val="1700"/>
+              <a:buFont typeface="Arial"/>
+              <a:buAutoNum type="arabicPeriod"/>
+            </a:pPr>
+            <a:r>
+              <a:rPr lang="en" sz="1700" b="0" i="0" u="none" strike="noStrike" cap="none">
+                <a:solidFill>
+                  <a:schemeClr val="dk1"/>
+                </a:solidFill>
+                <a:latin typeface="Arial"/>
+                <a:ea typeface="Arial"/>
+                <a:cs typeface="Arial"/>
+                <a:sym typeface="Arial"/>
+              </a:rPr>
+              <a:t>Sample</a:t>
+            </a:r>
+            <a:endParaRPr sz="1700" b="0" i="0" u="none" strike="noStrike" cap="none">
+              <a:solidFill>
+                <a:schemeClr val="dk1"/>
+              </a:solidFill>
+              <a:latin typeface="Arial"/>
+              <a:ea typeface="Arial"/>
+              <a:cs typeface="Arial"/>
+              <a:sym typeface="Arial"/>
+            </a:endParaRPr>
+          </a:p>
+          <a:p>
+            <a:pPr marL="457200" marR="0" lvl="0" indent="-336550" algn="just" rtl="0">
+              <a:lnSpc>
+                <a:spcPct val="100000"/>
+              </a:lnSpc>
+              <a:spcBef>
+                <a:spcPts val="0"/>
+              </a:spcBef>
+              <a:spcAft>
+                <a:spcPts val="0"/>
+              </a:spcAft>
+              <a:buClr>
+                <a:schemeClr val="dk1"/>
+              </a:buClr>
+              <a:buSzPts val="1700"/>
+              <a:buFont typeface="Arial"/>
+              <a:buAutoNum type="arabicPeriod"/>
+            </a:pPr>
+            <a:r>
+              <a:rPr lang="en" sz="1700" b="1" i="0" u="none" strike="noStrike" cap="none">
+                <a:solidFill>
+                  <a:schemeClr val="dk1"/>
+                </a:solidFill>
+                <a:latin typeface="Arial"/>
+                <a:ea typeface="Arial"/>
+                <a:cs typeface="Arial"/>
+                <a:sym typeface="Arial"/>
+              </a:rPr>
+              <a:t>Compute statistic + Get p-value </a:t>
+            </a:r>
+            <a:endParaRPr sz="1700" b="1" i="0" u="none" strike="noStrike" cap="none">
+              <a:solidFill>
+                <a:schemeClr val="dk1"/>
+              </a:solidFill>
+              <a:latin typeface="Arial"/>
+              <a:ea typeface="Arial"/>
+              <a:cs typeface="Arial"/>
+              <a:sym typeface="Arial"/>
+            </a:endParaRPr>
+          </a:p>
+          <a:p>
+            <a:pPr marL="457200" marR="0" lvl="0" indent="-336550" algn="just" rtl="0">
+              <a:lnSpc>
+                <a:spcPct val="100000"/>
+              </a:lnSpc>
+              <a:spcBef>
+                <a:spcPts val="0"/>
+              </a:spcBef>
+              <a:spcAft>
+                <a:spcPts val="0"/>
+              </a:spcAft>
+              <a:buClr>
+                <a:schemeClr val="dk1"/>
+              </a:buClr>
+              <a:buSzPts val="1700"/>
+              <a:buFont typeface="Arial"/>
+              <a:buAutoNum type="arabicPeriod"/>
+            </a:pPr>
+            <a:r>
+              <a:rPr lang="en" sz="1700" b="0" i="0" u="none" strike="noStrike" cap="none">
+                <a:solidFill>
+                  <a:schemeClr val="dk1"/>
+                </a:solidFill>
+                <a:latin typeface="Arial"/>
+                <a:ea typeface="Arial"/>
+                <a:cs typeface="Arial"/>
+                <a:sym typeface="Arial"/>
+              </a:rPr>
+              <a:t>Decide</a:t>
+            </a:r>
+            <a:endParaRPr sz="1700" b="0" i="0" u="none" strike="noStrike" cap="none">
+              <a:solidFill>
+                <a:schemeClr val="dk1"/>
+              </a:solidFill>
+              <a:latin typeface="Arial"/>
+              <a:ea typeface="Arial"/>
+              <a:cs typeface="Arial"/>
+              <a:sym typeface="Arial"/>
+            </a:endParaRPr>
+          </a:p>
+        </p:txBody>
+      </p:sp>
+      <p:pic>
+        <p:nvPicPr>
+          <p:cNvPr id="126" name="Google Shape;126;p12"/>
+          <p:cNvPicPr preferRelativeResize="0"/>
+          <p:nvPr/>
+        </p:nvPicPr>
+        <p:blipFill rotWithShape="1">
+          <a:blip r:embed="rId3">
+            <a:alphaModFix/>
+          </a:blip>
+          <a:srcRect/>
+          <a:stretch/>
+        </p:blipFill>
+        <p:spPr>
+          <a:xfrm>
+            <a:off x="-809150" y="3742975"/>
+            <a:ext cx="2599849" cy="2803224"/>
+          </a:xfrm>
+          <a:prstGeom prst="rect">
+            <a:avLst/>
+          </a:prstGeom>
+          <a:noFill/>
+          <a:ln>
+            <a:noFill/>
+          </a:ln>
+        </p:spPr>
+      </p:pic>
+    </p:spTree>
+  </p:cSld>
+  <p:clrMapOvr>
+    <a:masterClrMapping/>
+  </p:clrMapOvr>
+</p:sld>
+</file>
+
+<file path=ppt/slides/slide36.xml><?xml version="1.0" encoding="utf-8"?>
+<p:sld xmlns:a="http://schemas.openxmlformats.org/drawingml/2006/main" xmlns:r="http://schemas.openxmlformats.org/officeDocument/2006/relationships" xmlns:p="http://schemas.openxmlformats.org/presentationml/2006/main">
+  <p:cSld>
+    <p:spTree>
+      <p:nvGrpSpPr>
+        <p:cNvPr id="1" name="Shape 130"/>
+        <p:cNvGrpSpPr/>
+        <p:nvPr/>
+      </p:nvGrpSpPr>
+      <p:grpSpPr>
+        <a:xfrm>
+          <a:off x="0" y="0"/>
+          <a:ext cx="0" cy="0"/>
+          <a:chOff x="0" y="0"/>
+          <a:chExt cx="0" cy="0"/>
+        </a:xfrm>
+      </p:grpSpPr>
+      <p:sp>
+        <p:nvSpPr>
+          <p:cNvPr id="131" name="Google Shape;131;p13"/>
+          <p:cNvSpPr txBox="1"/>
+          <p:nvPr/>
+        </p:nvSpPr>
+        <p:spPr>
+          <a:xfrm>
+            <a:off x="719375" y="842675"/>
+            <a:ext cx="7657200" cy="3529800"/>
+          </a:xfrm>
+          <a:prstGeom prst="rect">
+            <a:avLst/>
+          </a:prstGeom>
+          <a:noFill/>
+          <a:ln>
+            <a:noFill/>
+          </a:ln>
+        </p:spPr>
+        <p:txBody>
+          <a:bodyPr spcFirstLastPara="1" wrap="square" lIns="91425" tIns="91425" rIns="91425" bIns="91425" anchor="t" anchorCtr="0">
+            <a:noAutofit/>
+          </a:bodyPr>
+          <a:lstStyle/>
+          <a:p>
+            <a:pPr marL="0" marR="0" lvl="0" indent="0" algn="l" rtl="0">
+              <a:lnSpc>
+                <a:spcPct val="150000"/>
+              </a:lnSpc>
+              <a:spcBef>
+                <a:spcPts val="0"/>
+              </a:spcBef>
+              <a:spcAft>
+                <a:spcPts val="0"/>
+              </a:spcAft>
+              <a:buClr>
+                <a:srgbClr val="000000"/>
+              </a:buClr>
+              <a:buSzPts val="1100"/>
+              <a:buFont typeface="Arial"/>
+              <a:buNone/>
+            </a:pPr>
+            <a:r>
+              <a:rPr lang="en" sz="1800" b="1" i="0" u="none" strike="noStrike" cap="none">
+                <a:solidFill>
+                  <a:srgbClr val="2DC5FA"/>
+                </a:solidFill>
+                <a:latin typeface="Roboto"/>
+                <a:ea typeface="Roboto"/>
+                <a:cs typeface="Roboto"/>
+                <a:sym typeface="Roboto"/>
+              </a:rPr>
+              <a:t>COMPUTE YOUR TEST STATISTIC</a:t>
+            </a:r>
+            <a:endParaRPr sz="1400" b="1" i="0" u="none" strike="noStrike" cap="none">
+              <a:solidFill>
+                <a:schemeClr val="dk1"/>
+              </a:solidFill>
+              <a:latin typeface="Roboto"/>
+              <a:ea typeface="Roboto"/>
+              <a:cs typeface="Roboto"/>
+              <a:sym typeface="Roboto"/>
+            </a:endParaRPr>
+          </a:p>
+          <a:p>
+            <a:pPr marL="0" marR="0" lvl="0" indent="0" algn="just" rtl="0">
+              <a:lnSpc>
+                <a:spcPct val="100000"/>
+              </a:lnSpc>
+              <a:spcBef>
+                <a:spcPts val="0"/>
+              </a:spcBef>
+              <a:spcAft>
+                <a:spcPts val="0"/>
+              </a:spcAft>
+              <a:buClr>
+                <a:srgbClr val="000000"/>
+              </a:buClr>
+              <a:buSzPts val="1200"/>
+              <a:buFont typeface="Arial"/>
+              <a:buNone/>
+            </a:pPr>
+            <a:endParaRPr sz="1200" b="1" i="0" u="none" strike="noStrike" cap="none">
+              <a:solidFill>
+                <a:schemeClr val="dk1"/>
+              </a:solidFill>
+              <a:latin typeface="Roboto"/>
+              <a:ea typeface="Roboto"/>
+              <a:cs typeface="Roboto"/>
+              <a:sym typeface="Roboto"/>
+            </a:endParaRPr>
+          </a:p>
+          <a:p>
+            <a:pPr marL="0" marR="0" lvl="0" indent="0" algn="just" rtl="0">
+              <a:lnSpc>
+                <a:spcPct val="100000"/>
+              </a:lnSpc>
+              <a:spcBef>
+                <a:spcPts val="0"/>
+              </a:spcBef>
+              <a:spcAft>
+                <a:spcPts val="0"/>
+              </a:spcAft>
+              <a:buClr>
+                <a:srgbClr val="000000"/>
+              </a:buClr>
+              <a:buSzPts val="1200"/>
+              <a:buFont typeface="Arial"/>
+              <a:buNone/>
+            </a:pPr>
+            <a:r>
+              <a:rPr lang="en" sz="1200" b="0" i="0" u="none" strike="noStrike" cap="none">
+                <a:solidFill>
+                  <a:schemeClr val="dk1"/>
+                </a:solidFill>
+                <a:latin typeface="Roboto"/>
+                <a:ea typeface="Roboto"/>
+                <a:cs typeface="Roboto"/>
+                <a:sym typeface="Roboto"/>
+              </a:rPr>
+              <a:t>Your test statistic depends on what kind of test you are trying to make. </a:t>
+            </a:r>
+            <a:endParaRPr/>
+          </a:p>
+          <a:p>
+            <a:pPr marL="0" marR="0" lvl="0" indent="0" algn="just" rtl="0">
+              <a:lnSpc>
+                <a:spcPct val="100000"/>
+              </a:lnSpc>
+              <a:spcBef>
+                <a:spcPts val="0"/>
+              </a:spcBef>
+              <a:spcAft>
+                <a:spcPts val="0"/>
+              </a:spcAft>
+              <a:buClr>
+                <a:srgbClr val="000000"/>
+              </a:buClr>
+              <a:buSzPts val="1200"/>
+              <a:buFont typeface="Arial"/>
+              <a:buNone/>
+            </a:pPr>
+            <a:endParaRPr sz="1200" b="0" i="0" u="none" strike="noStrike" cap="none">
+              <a:solidFill>
+                <a:schemeClr val="dk1"/>
+              </a:solidFill>
+              <a:latin typeface="Roboto"/>
+              <a:ea typeface="Roboto"/>
+              <a:cs typeface="Roboto"/>
+              <a:sym typeface="Roboto"/>
+            </a:endParaRPr>
+          </a:p>
+          <a:p>
+            <a:pPr marL="0" marR="0" lvl="0" indent="0" algn="just" rtl="0">
+              <a:lnSpc>
+                <a:spcPct val="100000"/>
+              </a:lnSpc>
+              <a:spcBef>
+                <a:spcPts val="0"/>
+              </a:spcBef>
+              <a:spcAft>
+                <a:spcPts val="0"/>
+              </a:spcAft>
+              <a:buClr>
+                <a:srgbClr val="000000"/>
+              </a:buClr>
+              <a:buSzPts val="1200"/>
+              <a:buFont typeface="Arial"/>
+              <a:buNone/>
+            </a:pPr>
+            <a:r>
+              <a:rPr lang="en" sz="1200" b="0" i="0" u="none" strike="noStrike" cap="none">
+                <a:solidFill>
+                  <a:schemeClr val="dk1"/>
+                </a:solidFill>
+                <a:latin typeface="Roboto"/>
+                <a:ea typeface="Roboto"/>
+                <a:cs typeface="Roboto"/>
+                <a:sym typeface="Roboto"/>
+              </a:rPr>
+              <a:t>For each test, there is a formula that takes the </a:t>
+            </a:r>
+            <a:r>
+              <a:rPr lang="en" sz="1200">
+                <a:solidFill>
+                  <a:schemeClr val="dk1"/>
+                </a:solidFill>
+                <a:latin typeface="Roboto"/>
+                <a:ea typeface="Roboto"/>
+                <a:cs typeface="Roboto"/>
+                <a:sym typeface="Roboto"/>
+              </a:rPr>
+              <a:t>circumstances</a:t>
+            </a:r>
+            <a:r>
+              <a:rPr lang="en" sz="1200" b="0" i="0" u="none" strike="noStrike" cap="none">
+                <a:solidFill>
+                  <a:schemeClr val="dk1"/>
+                </a:solidFill>
+                <a:latin typeface="Roboto"/>
+                <a:ea typeface="Roboto"/>
+                <a:cs typeface="Roboto"/>
+                <a:sym typeface="Roboto"/>
+              </a:rPr>
+              <a:t> of your observation and returns a number that is as high as it is unlikely that your observation came from </a:t>
+            </a:r>
+            <a:r>
+              <a:rPr lang="en" sz="1200" b="0" i="0" u="none" strike="noStrike" cap="none">
+                <a:solidFill>
+                  <a:schemeClr val="dk1"/>
+                </a:solidFill>
+                <a:latin typeface="Arial"/>
+                <a:ea typeface="Arial"/>
+                <a:cs typeface="Arial"/>
+                <a:sym typeface="Arial"/>
+              </a:rPr>
+              <a:t>H₀.</a:t>
+            </a:r>
+            <a:endParaRPr/>
+          </a:p>
+          <a:p>
+            <a:pPr marL="0" marR="0" lvl="0" indent="0" algn="just" rtl="0">
+              <a:lnSpc>
+                <a:spcPct val="100000"/>
+              </a:lnSpc>
+              <a:spcBef>
+                <a:spcPts val="0"/>
+              </a:spcBef>
+              <a:spcAft>
+                <a:spcPts val="0"/>
+              </a:spcAft>
+              <a:buClr>
+                <a:srgbClr val="000000"/>
+              </a:buClr>
+              <a:buSzPts val="1200"/>
+              <a:buFont typeface="Arial"/>
+              <a:buNone/>
+            </a:pPr>
+            <a:endParaRPr sz="1200" b="0" i="0" u="none" strike="noStrike" cap="none">
+              <a:solidFill>
+                <a:schemeClr val="dk1"/>
+              </a:solidFill>
+              <a:latin typeface="Roboto"/>
+              <a:ea typeface="Roboto"/>
+              <a:cs typeface="Roboto"/>
+              <a:sym typeface="Roboto"/>
+            </a:endParaRPr>
+          </a:p>
+          <a:p>
+            <a:pPr marL="0" marR="0" lvl="0" indent="0" algn="just" rtl="0">
+              <a:lnSpc>
+                <a:spcPct val="100000"/>
+              </a:lnSpc>
+              <a:spcBef>
+                <a:spcPts val="0"/>
+              </a:spcBef>
+              <a:spcAft>
+                <a:spcPts val="0"/>
+              </a:spcAft>
+              <a:buClr>
+                <a:srgbClr val="000000"/>
+              </a:buClr>
+              <a:buSzPts val="1200"/>
+              <a:buFont typeface="Arial"/>
+              <a:buNone/>
+            </a:pPr>
+            <a:r>
+              <a:rPr lang="en" sz="1200" b="0" i="0" u="none" strike="noStrike" cap="none">
+                <a:solidFill>
+                  <a:schemeClr val="dk1"/>
+                </a:solidFill>
+                <a:latin typeface="Roboto"/>
+                <a:ea typeface="Roboto"/>
+                <a:cs typeface="Roboto"/>
+                <a:sym typeface="Roboto"/>
+              </a:rPr>
+              <a:t>In the case of trying to infer the average of a population the relevant </a:t>
+            </a:r>
+            <a:r>
+              <a:rPr lang="en" sz="1200">
+                <a:solidFill>
+                  <a:schemeClr val="dk1"/>
+                </a:solidFill>
+                <a:latin typeface="Roboto"/>
+                <a:ea typeface="Roboto"/>
+                <a:cs typeface="Roboto"/>
+                <a:sym typeface="Roboto"/>
+              </a:rPr>
+              <a:t>circumstances</a:t>
+            </a:r>
+            <a:r>
+              <a:rPr lang="en" sz="1200" b="0" i="0" u="none" strike="noStrike" cap="none">
+                <a:solidFill>
+                  <a:schemeClr val="dk1"/>
+                </a:solidFill>
+                <a:latin typeface="Roboto"/>
+                <a:ea typeface="Roboto"/>
+                <a:cs typeface="Roboto"/>
+                <a:sym typeface="Roboto"/>
+              </a:rPr>
+              <a:t> to consider are:</a:t>
+            </a:r>
+            <a:endParaRPr/>
+          </a:p>
+          <a:p>
+            <a:pPr marL="0" marR="0" lvl="0" indent="0" algn="just" rtl="0">
+              <a:lnSpc>
+                <a:spcPct val="100000"/>
+              </a:lnSpc>
+              <a:spcBef>
+                <a:spcPts val="0"/>
+              </a:spcBef>
+              <a:spcAft>
+                <a:spcPts val="0"/>
+              </a:spcAft>
+              <a:buClr>
+                <a:srgbClr val="000000"/>
+              </a:buClr>
+              <a:buSzPts val="1200"/>
+              <a:buFont typeface="Arial"/>
+              <a:buNone/>
+            </a:pPr>
+            <a:endParaRPr sz="1200" b="0" i="0" u="none" strike="noStrike" cap="none">
+              <a:solidFill>
+                <a:schemeClr val="dk1"/>
+              </a:solidFill>
+              <a:latin typeface="Roboto"/>
+              <a:ea typeface="Roboto"/>
+              <a:cs typeface="Roboto"/>
+              <a:sym typeface="Roboto"/>
+            </a:endParaRPr>
+          </a:p>
+          <a:p>
+            <a:pPr marL="171450" marR="0" lvl="0" indent="-171450" algn="just" rtl="0">
+              <a:lnSpc>
+                <a:spcPct val="150000"/>
+              </a:lnSpc>
+              <a:spcBef>
+                <a:spcPts val="0"/>
+              </a:spcBef>
+              <a:spcAft>
+                <a:spcPts val="0"/>
+              </a:spcAft>
+              <a:buClr>
+                <a:srgbClr val="000000"/>
+              </a:buClr>
+              <a:buSzPts val="1200"/>
+              <a:buFont typeface="Arial"/>
+              <a:buChar char="•"/>
+            </a:pPr>
+            <a:r>
+              <a:rPr lang="en" sz="1200" b="0" i="0" u="none" strike="noStrike" cap="none">
+                <a:solidFill>
+                  <a:schemeClr val="dk1"/>
+                </a:solidFill>
+                <a:latin typeface="Roboto"/>
+                <a:ea typeface="Roboto"/>
+                <a:cs typeface="Roboto"/>
+                <a:sym typeface="Roboto"/>
+              </a:rPr>
+              <a:t>The observed mean</a:t>
+            </a:r>
+            <a:endParaRPr/>
+          </a:p>
+          <a:p>
+            <a:pPr marL="171450" marR="0" lvl="0" indent="-171450" algn="just" rtl="0">
+              <a:lnSpc>
+                <a:spcPct val="150000"/>
+              </a:lnSpc>
+              <a:spcBef>
+                <a:spcPts val="0"/>
+              </a:spcBef>
+              <a:spcAft>
+                <a:spcPts val="0"/>
+              </a:spcAft>
+              <a:buClr>
+                <a:srgbClr val="000000"/>
+              </a:buClr>
+              <a:buSzPts val="1200"/>
+              <a:buFont typeface="Arial"/>
+              <a:buChar char="•"/>
+            </a:pPr>
+            <a:r>
+              <a:rPr lang="en" sz="1200" b="0" i="0" u="none" strike="noStrike" cap="none">
+                <a:solidFill>
+                  <a:schemeClr val="dk1"/>
+                </a:solidFill>
+                <a:latin typeface="Roboto"/>
+                <a:ea typeface="Roboto"/>
+                <a:cs typeface="Roboto"/>
+                <a:sym typeface="Roboto"/>
+              </a:rPr>
+              <a:t>How much the samples vary from each other</a:t>
+            </a:r>
+            <a:endParaRPr/>
+          </a:p>
+          <a:p>
+            <a:pPr marL="171450" marR="0" lvl="0" indent="-171450" algn="just" rtl="0">
+              <a:lnSpc>
+                <a:spcPct val="150000"/>
+              </a:lnSpc>
+              <a:spcBef>
+                <a:spcPts val="0"/>
+              </a:spcBef>
+              <a:spcAft>
+                <a:spcPts val="0"/>
+              </a:spcAft>
+              <a:buClr>
+                <a:srgbClr val="000000"/>
+              </a:buClr>
+              <a:buSzPts val="1200"/>
+              <a:buFont typeface="Arial"/>
+              <a:buChar char="•"/>
+            </a:pPr>
+            <a:r>
+              <a:rPr lang="en" sz="1200" b="0" i="0" u="none" strike="noStrike" cap="none">
+                <a:solidFill>
+                  <a:schemeClr val="dk1"/>
+                </a:solidFill>
+                <a:latin typeface="Roboto"/>
+                <a:ea typeface="Roboto"/>
+                <a:cs typeface="Roboto"/>
+                <a:sym typeface="Roboto"/>
+              </a:rPr>
+              <a:t>The number of observations sampled</a:t>
+            </a:r>
+            <a:endParaRPr/>
+          </a:p>
+          <a:p>
+            <a:pPr marL="0" marR="0" lvl="0" indent="0" algn="just" rtl="0">
+              <a:lnSpc>
+                <a:spcPct val="100000"/>
+              </a:lnSpc>
+              <a:spcBef>
+                <a:spcPts val="0"/>
+              </a:spcBef>
+              <a:spcAft>
+                <a:spcPts val="0"/>
+              </a:spcAft>
+              <a:buClr>
+                <a:srgbClr val="000000"/>
+              </a:buClr>
+              <a:buSzPts val="1200"/>
+              <a:buFont typeface="Arial"/>
+              <a:buNone/>
+            </a:pPr>
+            <a:endParaRPr sz="1200" b="0" i="0" u="none" strike="noStrike" cap="none">
+              <a:solidFill>
+                <a:schemeClr val="dk1"/>
+              </a:solidFill>
+              <a:latin typeface="Roboto"/>
+              <a:ea typeface="Roboto"/>
+              <a:cs typeface="Roboto"/>
+              <a:sym typeface="Roboto"/>
+            </a:endParaRPr>
+          </a:p>
+        </p:txBody>
+      </p:sp>
+      <p:pic>
+        <p:nvPicPr>
+          <p:cNvPr id="132" name="Google Shape;132;p13"/>
+          <p:cNvPicPr preferRelativeResize="0"/>
+          <p:nvPr/>
+        </p:nvPicPr>
+        <p:blipFill rotWithShape="1">
+          <a:blip r:embed="rId3">
+            <a:alphaModFix/>
+          </a:blip>
+          <a:srcRect/>
+          <a:stretch/>
+        </p:blipFill>
+        <p:spPr>
+          <a:xfrm>
+            <a:off x="-809150" y="3742975"/>
+            <a:ext cx="2599849" cy="2803224"/>
+          </a:xfrm>
+          <a:prstGeom prst="rect">
+            <a:avLst/>
+          </a:prstGeom>
+          <a:noFill/>
+          <a:ln>
+            <a:noFill/>
+          </a:ln>
+        </p:spPr>
+      </p:pic>
+    </p:spTree>
+  </p:cSld>
+  <p:clrMapOvr>
+    <a:masterClrMapping/>
+  </p:clrMapOvr>
+</p:sld>
+</file>
+
+<file path=ppt/slides/slide37.xml><?xml version="1.0" encoding="utf-8"?>
+<p:sld xmlns:a="http://schemas.openxmlformats.org/drawingml/2006/main" xmlns:r="http://schemas.openxmlformats.org/officeDocument/2006/relationships" xmlns:p="http://schemas.openxmlformats.org/presentationml/2006/main">
+  <p:cSld>
+    <p:spTree>
+      <p:nvGrpSpPr>
+        <p:cNvPr id="1" name="Shape 136"/>
+        <p:cNvGrpSpPr/>
+        <p:nvPr/>
+      </p:nvGrpSpPr>
+      <p:grpSpPr>
+        <a:xfrm>
+          <a:off x="0" y="0"/>
+          <a:ext cx="0" cy="0"/>
+          <a:chOff x="0" y="0"/>
+          <a:chExt cx="0" cy="0"/>
+        </a:xfrm>
+      </p:grpSpPr>
+      <p:sp>
+        <p:nvSpPr>
+          <p:cNvPr id="137" name="Google Shape;137;p14"/>
+          <p:cNvSpPr txBox="1"/>
+          <p:nvPr/>
+        </p:nvSpPr>
+        <p:spPr>
+          <a:xfrm>
+            <a:off x="719375" y="842675"/>
+            <a:ext cx="7657200" cy="2693400"/>
+          </a:xfrm>
+          <a:prstGeom prst="rect">
+            <a:avLst/>
+          </a:prstGeom>
+          <a:noFill/>
+          <a:ln>
+            <a:noFill/>
+          </a:ln>
+        </p:spPr>
+        <p:txBody>
+          <a:bodyPr spcFirstLastPara="1" wrap="square" lIns="91425" tIns="91425" rIns="91425" bIns="91425" anchor="t" anchorCtr="0">
+            <a:noAutofit/>
+          </a:bodyPr>
+          <a:lstStyle/>
+          <a:p>
+            <a:pPr marL="0" marR="0" lvl="0" indent="0" algn="l" rtl="0">
+              <a:lnSpc>
+                <a:spcPct val="150000"/>
+              </a:lnSpc>
+              <a:spcBef>
+                <a:spcPts val="0"/>
+              </a:spcBef>
+              <a:spcAft>
+                <a:spcPts val="0"/>
+              </a:spcAft>
+              <a:buClr>
+                <a:srgbClr val="000000"/>
+              </a:buClr>
+              <a:buSzPts val="1100"/>
+              <a:buFont typeface="Arial"/>
+              <a:buNone/>
+            </a:pPr>
+            <a:r>
+              <a:rPr lang="en" sz="1800" b="1" i="0" u="none" strike="noStrike" cap="none">
+                <a:solidFill>
+                  <a:srgbClr val="2DC5FA"/>
+                </a:solidFill>
+                <a:latin typeface="Roboto"/>
+                <a:ea typeface="Roboto"/>
+                <a:cs typeface="Roboto"/>
+                <a:sym typeface="Roboto"/>
+              </a:rPr>
+              <a:t>GET THE P-VALUE</a:t>
+            </a:r>
+            <a:endParaRPr sz="1400" b="1" i="0" u="none" strike="noStrike" cap="none">
+              <a:solidFill>
+                <a:schemeClr val="dk1"/>
+              </a:solidFill>
+              <a:latin typeface="Roboto"/>
+              <a:ea typeface="Roboto"/>
+              <a:cs typeface="Roboto"/>
+              <a:sym typeface="Roboto"/>
+            </a:endParaRPr>
+          </a:p>
+          <a:p>
+            <a:pPr marL="0" marR="0" lvl="0" indent="0" algn="just" rtl="0">
+              <a:lnSpc>
+                <a:spcPct val="100000"/>
+              </a:lnSpc>
+              <a:spcBef>
+                <a:spcPts val="0"/>
+              </a:spcBef>
+              <a:spcAft>
+                <a:spcPts val="0"/>
+              </a:spcAft>
+              <a:buClr>
+                <a:srgbClr val="000000"/>
+              </a:buClr>
+              <a:buSzPts val="1200"/>
+              <a:buFont typeface="Arial"/>
+              <a:buNone/>
+            </a:pPr>
+            <a:endParaRPr sz="1200" b="1" i="0" u="none" strike="noStrike" cap="none">
+              <a:solidFill>
+                <a:schemeClr val="dk1"/>
+              </a:solidFill>
+              <a:latin typeface="Roboto"/>
+              <a:ea typeface="Roboto"/>
+              <a:cs typeface="Roboto"/>
+              <a:sym typeface="Roboto"/>
+            </a:endParaRPr>
+          </a:p>
+          <a:p>
+            <a:pPr marL="0" marR="0" lvl="0" indent="0" algn="just" rtl="0">
+              <a:lnSpc>
+                <a:spcPct val="100000"/>
+              </a:lnSpc>
+              <a:spcBef>
+                <a:spcPts val="0"/>
+              </a:spcBef>
+              <a:spcAft>
+                <a:spcPts val="0"/>
+              </a:spcAft>
+              <a:buClr>
+                <a:srgbClr val="000000"/>
+              </a:buClr>
+              <a:buSzPts val="1200"/>
+              <a:buFont typeface="Arial"/>
+              <a:buNone/>
+            </a:pPr>
+            <a:r>
+              <a:rPr lang="en" sz="1200" b="0" i="0" u="none" strike="noStrike" cap="none">
+                <a:solidFill>
+                  <a:schemeClr val="dk1"/>
+                </a:solidFill>
+                <a:latin typeface="Roboto"/>
+                <a:ea typeface="Roboto"/>
+                <a:cs typeface="Roboto"/>
+                <a:sym typeface="Roboto"/>
+              </a:rPr>
+              <a:t>We said the statistic is higher the more unlikely it is for your sample to be sampled under </a:t>
+            </a:r>
+            <a:r>
+              <a:rPr lang="en" sz="1200" b="0" i="0" u="none" strike="noStrike" cap="none">
+                <a:solidFill>
+                  <a:schemeClr val="dk1"/>
+                </a:solidFill>
+                <a:latin typeface="Arial"/>
+                <a:ea typeface="Arial"/>
+                <a:cs typeface="Arial"/>
+                <a:sym typeface="Arial"/>
+              </a:rPr>
+              <a:t>H₀, but how can we quantify that?</a:t>
+            </a:r>
+            <a:endParaRPr sz="1200" b="0" i="0" u="none" strike="noStrike" cap="none">
+              <a:solidFill>
+                <a:schemeClr val="dk1"/>
+              </a:solidFill>
+              <a:latin typeface="Roboto"/>
+              <a:ea typeface="Roboto"/>
+              <a:cs typeface="Roboto"/>
+              <a:sym typeface="Roboto"/>
+            </a:endParaRPr>
+          </a:p>
+          <a:p>
+            <a:pPr marL="0" marR="0" lvl="0" indent="0" algn="just" rtl="0">
+              <a:lnSpc>
+                <a:spcPct val="100000"/>
+              </a:lnSpc>
+              <a:spcBef>
+                <a:spcPts val="0"/>
+              </a:spcBef>
+              <a:spcAft>
+                <a:spcPts val="0"/>
+              </a:spcAft>
+              <a:buClr>
+                <a:srgbClr val="000000"/>
+              </a:buClr>
+              <a:buSzPts val="1200"/>
+              <a:buFont typeface="Arial"/>
+              <a:buNone/>
+            </a:pPr>
+            <a:endParaRPr sz="1200" b="0" i="0" u="none" strike="noStrike" cap="none">
+              <a:solidFill>
+                <a:schemeClr val="dk1"/>
+              </a:solidFill>
+              <a:latin typeface="Roboto"/>
+              <a:ea typeface="Roboto"/>
+              <a:cs typeface="Roboto"/>
+              <a:sym typeface="Roboto"/>
+            </a:endParaRPr>
+          </a:p>
+          <a:p>
+            <a:pPr marL="0" marR="0" lvl="0" indent="0" algn="just" rtl="0">
+              <a:lnSpc>
+                <a:spcPct val="100000"/>
+              </a:lnSpc>
+              <a:spcBef>
+                <a:spcPts val="0"/>
+              </a:spcBef>
+              <a:spcAft>
+                <a:spcPts val="0"/>
+              </a:spcAft>
+              <a:buClr>
+                <a:srgbClr val="000000"/>
+              </a:buClr>
+              <a:buSzPts val="1200"/>
+              <a:buFont typeface="Arial"/>
+              <a:buNone/>
+            </a:pPr>
+            <a:r>
+              <a:rPr lang="en" sz="1200" b="0" i="0" u="none" strike="noStrike" cap="none">
+                <a:solidFill>
+                  <a:schemeClr val="dk1"/>
+                </a:solidFill>
+                <a:latin typeface="Roboto"/>
+                <a:ea typeface="Roboto"/>
+                <a:cs typeface="Roboto"/>
+                <a:sym typeface="Roboto"/>
+              </a:rPr>
+              <a:t>We use the statistic to check </a:t>
+            </a:r>
+            <a:r>
+              <a:rPr lang="en" sz="1200" b="1" i="0" u="none" strike="noStrike" cap="none">
+                <a:solidFill>
+                  <a:schemeClr val="dk1"/>
+                </a:solidFill>
+                <a:latin typeface="Roboto"/>
+                <a:ea typeface="Roboto"/>
+                <a:cs typeface="Roboto"/>
+                <a:sym typeface="Roboto"/>
+              </a:rPr>
+              <a:t>how likely is it to get a sample mean as extreme as the one we actually sampled.</a:t>
+            </a:r>
+            <a:endParaRPr sz="1200" b="1" i="0" u="none" strike="noStrike" cap="none">
+              <a:solidFill>
+                <a:schemeClr val="dk1"/>
+              </a:solidFill>
+              <a:latin typeface="Roboto"/>
+              <a:ea typeface="Roboto"/>
+              <a:cs typeface="Roboto"/>
+              <a:sym typeface="Roboto"/>
+            </a:endParaRPr>
+          </a:p>
+          <a:p>
+            <a:pPr marL="0" marR="0" lvl="0" indent="0" algn="just" rtl="0">
+              <a:lnSpc>
+                <a:spcPct val="100000"/>
+              </a:lnSpc>
+              <a:spcBef>
+                <a:spcPts val="0"/>
+              </a:spcBef>
+              <a:spcAft>
+                <a:spcPts val="0"/>
+              </a:spcAft>
+              <a:buClr>
+                <a:srgbClr val="000000"/>
+              </a:buClr>
+              <a:buSzPts val="1200"/>
+              <a:buFont typeface="Arial"/>
+              <a:buNone/>
+            </a:pPr>
+            <a:endParaRPr sz="1200" b="1" i="0" u="none" strike="noStrike" cap="none">
+              <a:solidFill>
+                <a:schemeClr val="dk1"/>
+              </a:solidFill>
+              <a:latin typeface="Roboto"/>
+              <a:ea typeface="Roboto"/>
+              <a:cs typeface="Roboto"/>
+              <a:sym typeface="Roboto"/>
+            </a:endParaRPr>
+          </a:p>
+          <a:p>
+            <a:pPr marL="0" marR="0" lvl="0" indent="0" algn="just" rtl="0">
+              <a:lnSpc>
+                <a:spcPct val="100000"/>
+              </a:lnSpc>
+              <a:spcBef>
+                <a:spcPts val="0"/>
+              </a:spcBef>
+              <a:spcAft>
+                <a:spcPts val="0"/>
+              </a:spcAft>
+              <a:buClr>
+                <a:srgbClr val="000000"/>
+              </a:buClr>
+              <a:buSzPts val="1200"/>
+              <a:buFont typeface="Arial"/>
+              <a:buNone/>
+            </a:pPr>
+            <a:r>
+              <a:rPr lang="en" sz="1200" b="0" i="0" u="none" strike="noStrike" cap="none">
+                <a:solidFill>
+                  <a:schemeClr val="dk1"/>
+                </a:solidFill>
+                <a:latin typeface="Roboto"/>
+                <a:ea typeface="Roboto"/>
+                <a:cs typeface="Roboto"/>
+                <a:sym typeface="Roboto"/>
+              </a:rPr>
+              <a:t>This quantity is called the </a:t>
+            </a:r>
+            <a:r>
+              <a:rPr lang="en" sz="1200" b="1" i="0" u="none" strike="noStrike" cap="none">
+                <a:solidFill>
+                  <a:schemeClr val="dk1"/>
+                </a:solidFill>
+                <a:latin typeface="Roboto"/>
+                <a:ea typeface="Roboto"/>
+                <a:cs typeface="Roboto"/>
+                <a:sym typeface="Roboto"/>
+              </a:rPr>
+              <a:t>p-value</a:t>
+            </a:r>
+            <a:endParaRPr sz="1200" b="1" i="0" u="none" strike="noStrike" cap="none">
+              <a:solidFill>
+                <a:schemeClr val="dk1"/>
+              </a:solidFill>
+              <a:latin typeface="Roboto"/>
+              <a:ea typeface="Roboto"/>
+              <a:cs typeface="Roboto"/>
+              <a:sym typeface="Roboto"/>
+            </a:endParaRPr>
+          </a:p>
+          <a:p>
+            <a:pPr marL="0" marR="0" lvl="0" indent="0" algn="just" rtl="0">
+              <a:lnSpc>
+                <a:spcPct val="100000"/>
+              </a:lnSpc>
+              <a:spcBef>
+                <a:spcPts val="0"/>
+              </a:spcBef>
+              <a:spcAft>
+                <a:spcPts val="0"/>
+              </a:spcAft>
+              <a:buClr>
+                <a:srgbClr val="000000"/>
+              </a:buClr>
+              <a:buSzPts val="1200"/>
+              <a:buFont typeface="Arial"/>
+              <a:buNone/>
+            </a:pPr>
+            <a:endParaRPr sz="1200" b="0" i="0" u="none" strike="noStrike" cap="none">
+              <a:solidFill>
+                <a:schemeClr val="dk1"/>
+              </a:solidFill>
+              <a:latin typeface="Roboto"/>
+              <a:ea typeface="Roboto"/>
+              <a:cs typeface="Roboto"/>
+              <a:sym typeface="Roboto"/>
+            </a:endParaRPr>
+          </a:p>
+          <a:p>
+            <a:pPr marL="0" marR="0" lvl="0" indent="0" algn="just" rtl="0">
+              <a:lnSpc>
+                <a:spcPct val="100000"/>
+              </a:lnSpc>
+              <a:spcBef>
+                <a:spcPts val="0"/>
+              </a:spcBef>
+              <a:spcAft>
+                <a:spcPts val="0"/>
+              </a:spcAft>
+              <a:buClr>
+                <a:srgbClr val="000000"/>
+              </a:buClr>
+              <a:buSzPts val="1200"/>
+              <a:buFont typeface="Arial"/>
+              <a:buNone/>
+            </a:pPr>
+            <a:r>
+              <a:rPr lang="en" sz="1200" b="0" i="0" u="none" strike="noStrike" cap="none">
+                <a:solidFill>
+                  <a:schemeClr val="dk1"/>
+                </a:solidFill>
+                <a:latin typeface="Roboto"/>
+                <a:ea typeface="Roboto"/>
+                <a:cs typeface="Roboto"/>
+                <a:sym typeface="Roboto"/>
+              </a:rPr>
+              <a:t>If the p-value is very small, it means that it is extremely unlikely, under </a:t>
+            </a:r>
+            <a:r>
+              <a:rPr lang="en" sz="1100" b="0" i="0" u="none" strike="noStrike" cap="none">
+                <a:solidFill>
+                  <a:schemeClr val="dk1"/>
+                </a:solidFill>
+                <a:latin typeface="Arial"/>
+                <a:ea typeface="Arial"/>
+                <a:cs typeface="Arial"/>
+                <a:sym typeface="Arial"/>
+              </a:rPr>
+              <a:t>H₀</a:t>
+            </a:r>
+            <a:r>
+              <a:rPr lang="en" sz="1200" b="0" i="0" u="none" strike="noStrike" cap="none">
+                <a:solidFill>
+                  <a:schemeClr val="dk1"/>
+                </a:solidFill>
+                <a:latin typeface="Roboto"/>
+                <a:ea typeface="Roboto"/>
+                <a:cs typeface="Roboto"/>
+                <a:sym typeface="Roboto"/>
+              </a:rPr>
+              <a:t>, to get a result like the one we did in our sample and thus we should reject </a:t>
+            </a:r>
+            <a:r>
+              <a:rPr lang="en" sz="1100" b="0" i="0" u="none" strike="noStrike" cap="none">
+                <a:solidFill>
+                  <a:schemeClr val="dk1"/>
+                </a:solidFill>
+                <a:latin typeface="Arial"/>
+                <a:ea typeface="Arial"/>
+                <a:cs typeface="Arial"/>
+                <a:sym typeface="Arial"/>
+              </a:rPr>
+              <a:t>H₀</a:t>
+            </a:r>
+            <a:r>
+              <a:rPr lang="en" sz="1200" b="0" i="0" u="none" strike="noStrike" cap="none">
+                <a:solidFill>
+                  <a:schemeClr val="dk1"/>
+                </a:solidFill>
+                <a:latin typeface="Roboto"/>
+                <a:ea typeface="Roboto"/>
+                <a:cs typeface="Roboto"/>
+                <a:sym typeface="Roboto"/>
+              </a:rPr>
+              <a:t>, because staying with it strains credibility.</a:t>
+            </a:r>
+            <a:endParaRPr sz="1200" b="0" i="0" u="none" strike="noStrike" cap="none">
+              <a:solidFill>
+                <a:schemeClr val="dk1"/>
+              </a:solidFill>
+              <a:latin typeface="Roboto"/>
+              <a:ea typeface="Roboto"/>
+              <a:cs typeface="Roboto"/>
+              <a:sym typeface="Roboto"/>
+            </a:endParaRPr>
+          </a:p>
+          <a:p>
+            <a:pPr marL="0" marR="0" lvl="0" indent="0" algn="just" rtl="0">
+              <a:lnSpc>
+                <a:spcPct val="100000"/>
+              </a:lnSpc>
+              <a:spcBef>
+                <a:spcPts val="0"/>
+              </a:spcBef>
+              <a:spcAft>
+                <a:spcPts val="0"/>
+              </a:spcAft>
+              <a:buClr>
+                <a:srgbClr val="000000"/>
+              </a:buClr>
+              <a:buSzPts val="1200"/>
+              <a:buFont typeface="Arial"/>
+              <a:buNone/>
+            </a:pPr>
+            <a:endParaRPr sz="1200" b="0" i="0" u="none" strike="noStrike" cap="none">
+              <a:solidFill>
+                <a:schemeClr val="dk1"/>
+              </a:solidFill>
+              <a:latin typeface="Roboto"/>
+              <a:ea typeface="Roboto"/>
+              <a:cs typeface="Roboto"/>
+              <a:sym typeface="Roboto"/>
+            </a:endParaRPr>
+          </a:p>
+          <a:p>
+            <a:pPr marL="0" marR="0" lvl="0" indent="0" algn="just" rtl="0">
+              <a:lnSpc>
+                <a:spcPct val="100000"/>
+              </a:lnSpc>
+              <a:spcBef>
+                <a:spcPts val="0"/>
+              </a:spcBef>
+              <a:spcAft>
+                <a:spcPts val="0"/>
+              </a:spcAft>
+              <a:buClr>
+                <a:srgbClr val="000000"/>
+              </a:buClr>
+              <a:buSzPts val="1200"/>
+              <a:buFont typeface="Arial"/>
+              <a:buNone/>
+            </a:pPr>
+            <a:r>
+              <a:rPr lang="en" sz="1200" b="0" i="0" u="none" strike="noStrike" cap="none">
+                <a:solidFill>
+                  <a:schemeClr val="dk1"/>
+                </a:solidFill>
+                <a:latin typeface="Roboto"/>
+                <a:ea typeface="Roboto"/>
+                <a:cs typeface="Roboto"/>
+                <a:sym typeface="Roboto"/>
+              </a:rPr>
+              <a:t>We compute the p-value from a table and the value of our statistic or, because it’s 2020, from a scipy call.</a:t>
+            </a:r>
+            <a:endParaRPr sz="1200" b="0" i="0" u="none" strike="noStrike" cap="none">
+              <a:solidFill>
+                <a:schemeClr val="dk1"/>
+              </a:solidFill>
+              <a:latin typeface="Roboto"/>
+              <a:ea typeface="Roboto"/>
+              <a:cs typeface="Roboto"/>
+              <a:sym typeface="Roboto"/>
+            </a:endParaRPr>
+          </a:p>
+        </p:txBody>
+      </p:sp>
+      <p:pic>
+        <p:nvPicPr>
+          <p:cNvPr id="138" name="Google Shape;138;p14"/>
+          <p:cNvPicPr preferRelativeResize="0"/>
+          <p:nvPr/>
+        </p:nvPicPr>
+        <p:blipFill rotWithShape="1">
+          <a:blip r:embed="rId3">
+            <a:alphaModFix/>
+          </a:blip>
+          <a:srcRect/>
+          <a:stretch/>
+        </p:blipFill>
+        <p:spPr>
+          <a:xfrm>
+            <a:off x="-809150" y="3742975"/>
+            <a:ext cx="2599849" cy="2803224"/>
+          </a:xfrm>
+          <a:prstGeom prst="rect">
+            <a:avLst/>
+          </a:prstGeom>
+          <a:noFill/>
+          <a:ln>
+            <a:noFill/>
+          </a:ln>
+        </p:spPr>
+      </p:pic>
+      <p:sp>
+        <p:nvSpPr>
+          <p:cNvPr id="139" name="Google Shape;139;p14"/>
+          <p:cNvSpPr/>
+          <p:nvPr/>
+        </p:nvSpPr>
+        <p:spPr>
+          <a:xfrm>
+            <a:off x="1456050" y="3826225"/>
+            <a:ext cx="1363800" cy="307200"/>
+          </a:xfrm>
+          <a:prstGeom prst="roundRect">
+            <a:avLst>
+              <a:gd name="adj" fmla="val 16667"/>
+            </a:avLst>
+          </a:prstGeom>
+          <a:solidFill>
+            <a:srgbClr val="64C3F5"/>
+          </a:solidFill>
+          <a:ln>
+            <a:noFill/>
+          </a:ln>
+        </p:spPr>
+        <p:txBody>
+          <a:bodyPr spcFirstLastPara="1" wrap="square" lIns="91425" tIns="91425" rIns="91425" bIns="91425" anchor="ctr" anchorCtr="0">
+            <a:noAutofit/>
+          </a:bodyPr>
+          <a:lstStyle/>
+          <a:p>
+            <a:pPr marL="0" marR="0" lvl="0" indent="0" algn="ctr" rtl="0">
+              <a:lnSpc>
+                <a:spcPct val="100000"/>
+              </a:lnSpc>
+              <a:spcBef>
+                <a:spcPts val="0"/>
+              </a:spcBef>
+              <a:spcAft>
+                <a:spcPts val="0"/>
+              </a:spcAft>
+              <a:buClr>
+                <a:srgbClr val="000000"/>
+              </a:buClr>
+              <a:buSzPts val="1600"/>
+              <a:buFont typeface="Arial"/>
+              <a:buNone/>
+            </a:pPr>
+            <a:r>
+              <a:rPr lang="en" sz="1600" b="1" i="0" u="none" strike="noStrike" cap="none">
+                <a:solidFill>
+                  <a:srgbClr val="F3F3F3"/>
+                </a:solidFill>
+                <a:latin typeface="Roboto"/>
+                <a:ea typeface="Roboto"/>
+                <a:cs typeface="Roboto"/>
+                <a:sym typeface="Roboto"/>
+              </a:rPr>
+              <a:t>one-tailed</a:t>
+            </a:r>
+            <a:endParaRPr sz="1800" b="1" i="0" u="none" strike="noStrike" cap="none">
+              <a:solidFill>
+                <a:srgbClr val="F3F3F3"/>
+              </a:solidFill>
+              <a:latin typeface="Roboto"/>
+              <a:ea typeface="Roboto"/>
+              <a:cs typeface="Roboto"/>
+              <a:sym typeface="Roboto"/>
+            </a:endParaRPr>
+          </a:p>
+        </p:txBody>
+      </p:sp>
+      <p:sp>
+        <p:nvSpPr>
+          <p:cNvPr id="140" name="Google Shape;140;p14"/>
+          <p:cNvSpPr/>
+          <p:nvPr/>
+        </p:nvSpPr>
+        <p:spPr>
+          <a:xfrm>
+            <a:off x="4877250" y="3826225"/>
+            <a:ext cx="1363800" cy="307200"/>
+          </a:xfrm>
+          <a:prstGeom prst="roundRect">
+            <a:avLst>
+              <a:gd name="adj" fmla="val 16667"/>
+            </a:avLst>
+          </a:prstGeom>
+          <a:solidFill>
+            <a:srgbClr val="64C3F5"/>
+          </a:solidFill>
+          <a:ln>
+            <a:noFill/>
+          </a:ln>
+        </p:spPr>
+        <p:txBody>
+          <a:bodyPr spcFirstLastPara="1" wrap="square" lIns="91425" tIns="91425" rIns="91425" bIns="91425" anchor="ctr" anchorCtr="0">
+            <a:noAutofit/>
+          </a:bodyPr>
+          <a:lstStyle/>
+          <a:p>
+            <a:pPr marL="0" marR="0" lvl="0" indent="0" algn="ctr" rtl="0">
+              <a:lnSpc>
+                <a:spcPct val="100000"/>
+              </a:lnSpc>
+              <a:spcBef>
+                <a:spcPts val="0"/>
+              </a:spcBef>
+              <a:spcAft>
+                <a:spcPts val="0"/>
+              </a:spcAft>
+              <a:buClr>
+                <a:srgbClr val="000000"/>
+              </a:buClr>
+              <a:buSzPts val="1600"/>
+              <a:buFont typeface="Arial"/>
+              <a:buNone/>
+            </a:pPr>
+            <a:r>
+              <a:rPr lang="en" sz="1600" b="1" i="0" u="none" strike="noStrike" cap="none">
+                <a:solidFill>
+                  <a:srgbClr val="F3F3F3"/>
+                </a:solidFill>
+                <a:latin typeface="Roboto"/>
+                <a:ea typeface="Roboto"/>
+                <a:cs typeface="Roboto"/>
+                <a:sym typeface="Roboto"/>
+              </a:rPr>
+              <a:t>two-tailed</a:t>
+            </a:r>
+            <a:endParaRPr sz="1800" b="1" i="0" u="none" strike="noStrike" cap="none">
+              <a:solidFill>
+                <a:srgbClr val="F3F3F3"/>
+              </a:solidFill>
+              <a:latin typeface="Roboto"/>
+              <a:ea typeface="Roboto"/>
+              <a:cs typeface="Roboto"/>
+              <a:sym typeface="Roboto"/>
+            </a:endParaRPr>
+          </a:p>
+        </p:txBody>
+      </p:sp>
+      <p:sp>
+        <p:nvSpPr>
+          <p:cNvPr id="141" name="Google Shape;141;p14"/>
+          <p:cNvSpPr txBox="1"/>
+          <p:nvPr/>
+        </p:nvSpPr>
+        <p:spPr>
+          <a:xfrm>
+            <a:off x="4877251" y="4151526"/>
+            <a:ext cx="2599850" cy="523220"/>
+          </a:xfrm>
+          <a:prstGeom prst="rect">
+            <a:avLst/>
+          </a:prstGeom>
+          <a:noFill/>
+          <a:ln>
+            <a:noFill/>
+          </a:ln>
+        </p:spPr>
+        <p:txBody>
+          <a:bodyPr spcFirstLastPara="1" wrap="square" lIns="91425" tIns="45700" rIns="91425" bIns="45700" anchor="t" anchorCtr="0">
+            <a:spAutoFit/>
+          </a:bodyPr>
+          <a:lstStyle/>
+          <a:p>
+            <a:pPr marL="0" marR="0" lvl="0" indent="0" algn="l" rtl="0">
+              <a:lnSpc>
+                <a:spcPct val="100000"/>
+              </a:lnSpc>
+              <a:spcBef>
+                <a:spcPts val="0"/>
+              </a:spcBef>
+              <a:spcAft>
+                <a:spcPts val="0"/>
+              </a:spcAft>
+              <a:buNone/>
+            </a:pPr>
+            <a:r>
+              <a:rPr lang="en" sz="1400" b="0" i="0" u="none" strike="noStrike" cap="none">
+                <a:solidFill>
+                  <a:srgbClr val="000000"/>
+                </a:solidFill>
+                <a:latin typeface="Courier New"/>
+                <a:ea typeface="Courier New"/>
+                <a:cs typeface="Courier New"/>
+                <a:sym typeface="Courier New"/>
+              </a:rPr>
+              <a:t>st.ttest_1samp(sample,</a:t>
+            </a:r>
+            <a:r>
+              <a:rPr lang="en" sz="1400" b="0" i="0" u="none" strike="noStrike" cap="none">
+                <a:solidFill>
+                  <a:srgbClr val="09885A"/>
+                </a:solidFill>
+                <a:latin typeface="Courier New"/>
+                <a:ea typeface="Courier New"/>
+                <a:cs typeface="Courier New"/>
+                <a:sym typeface="Courier New"/>
+              </a:rPr>
+              <a:t>H0</a:t>
+            </a:r>
+            <a:r>
+              <a:rPr lang="en" sz="1400" b="0" i="0" u="none" strike="noStrike" cap="none">
+                <a:solidFill>
+                  <a:srgbClr val="000000"/>
+                </a:solidFill>
+                <a:latin typeface="Courier New"/>
+                <a:ea typeface="Courier New"/>
+                <a:cs typeface="Courier New"/>
+                <a:sym typeface="Courier New"/>
+              </a:rPr>
+              <a:t>,alternative=</a:t>
+            </a:r>
+            <a:r>
+              <a:rPr lang="en" sz="1400" b="0" i="0" u="none" strike="noStrike" cap="none">
+                <a:solidFill>
+                  <a:srgbClr val="A31515"/>
+                </a:solidFill>
+                <a:latin typeface="Courier New"/>
+                <a:ea typeface="Courier New"/>
+                <a:cs typeface="Courier New"/>
+                <a:sym typeface="Courier New"/>
+              </a:rPr>
+              <a:t>'less'</a:t>
+            </a:r>
+            <a:r>
+              <a:rPr lang="en" sz="1400" b="0" i="0" u="none" strike="noStrike" cap="none">
+                <a:solidFill>
+                  <a:srgbClr val="000000"/>
+                </a:solidFill>
+                <a:latin typeface="Courier New"/>
+                <a:ea typeface="Courier New"/>
+                <a:cs typeface="Courier New"/>
+                <a:sym typeface="Courier New"/>
+              </a:rPr>
+              <a:t>)</a:t>
+            </a:r>
+            <a:endParaRPr/>
+          </a:p>
+        </p:txBody>
+      </p:sp>
+      <p:sp>
+        <p:nvSpPr>
+          <p:cNvPr id="142" name="Google Shape;142;p14"/>
+          <p:cNvSpPr txBox="1"/>
+          <p:nvPr/>
+        </p:nvSpPr>
+        <p:spPr>
+          <a:xfrm>
+            <a:off x="1465528" y="4139001"/>
+            <a:ext cx="2931108" cy="307777"/>
+          </a:xfrm>
+          <a:prstGeom prst="rect">
+            <a:avLst/>
+          </a:prstGeom>
+          <a:noFill/>
+          <a:ln>
+            <a:noFill/>
+          </a:ln>
+        </p:spPr>
+        <p:txBody>
+          <a:bodyPr spcFirstLastPara="1" wrap="square" lIns="91425" tIns="45700" rIns="91425" bIns="45700" anchor="t" anchorCtr="0">
+            <a:spAutoFit/>
+          </a:bodyPr>
+          <a:lstStyle/>
+          <a:p>
+            <a:pPr marL="0" marR="0" lvl="0" indent="0" algn="l" rtl="0">
+              <a:lnSpc>
+                <a:spcPct val="100000"/>
+              </a:lnSpc>
+              <a:spcBef>
+                <a:spcPts val="0"/>
+              </a:spcBef>
+              <a:spcAft>
+                <a:spcPts val="0"/>
+              </a:spcAft>
+              <a:buNone/>
+            </a:pPr>
+            <a:r>
+              <a:rPr lang="en" sz="1400" b="0" i="0" u="none" strike="noStrike" cap="none">
+                <a:solidFill>
+                  <a:srgbClr val="000000"/>
+                </a:solidFill>
+                <a:latin typeface="Courier New"/>
+                <a:ea typeface="Courier New"/>
+                <a:cs typeface="Courier New"/>
+                <a:sym typeface="Courier New"/>
+              </a:rPr>
+              <a:t>st.ttest_1samp(sample,</a:t>
+            </a:r>
+            <a:r>
+              <a:rPr lang="en" sz="1400" b="0" i="0" u="none" strike="noStrike" cap="none">
+                <a:solidFill>
+                  <a:srgbClr val="09885A"/>
+                </a:solidFill>
+                <a:latin typeface="Courier New"/>
+                <a:ea typeface="Courier New"/>
+                <a:cs typeface="Courier New"/>
+                <a:sym typeface="Courier New"/>
+              </a:rPr>
+              <a:t>H0</a:t>
+            </a:r>
+            <a:r>
+              <a:rPr lang="en" sz="1400" b="0" i="0" u="none" strike="noStrike" cap="none">
+                <a:solidFill>
+                  <a:srgbClr val="000000"/>
+                </a:solidFill>
+                <a:latin typeface="Courier New"/>
+                <a:ea typeface="Courier New"/>
+                <a:cs typeface="Courier New"/>
+                <a:sym typeface="Courier New"/>
+              </a:rPr>
+              <a:t>)</a:t>
+            </a:r>
+            <a:endParaRPr/>
+          </a:p>
+        </p:txBody>
+      </p:sp>
+    </p:spTree>
+  </p:cSld>
+  <p:clrMapOvr>
+    <a:masterClrMapping/>
+  </p:clrMapOvr>
+</p:sld>
+</file>
+
+<file path=ppt/slides/slide38.xml><?xml version="1.0" encoding="utf-8"?>
+<p:sld xmlns:a="http://schemas.openxmlformats.org/drawingml/2006/main" xmlns:r="http://schemas.openxmlformats.org/officeDocument/2006/relationships" xmlns:p="http://schemas.openxmlformats.org/presentationml/2006/main">
+  <p:cSld>
+    <p:spTree>
+      <p:nvGrpSpPr>
+        <p:cNvPr id="1" name="Shape 146"/>
+        <p:cNvGrpSpPr/>
+        <p:nvPr/>
+      </p:nvGrpSpPr>
+      <p:grpSpPr>
+        <a:xfrm>
+          <a:off x="0" y="0"/>
+          <a:ext cx="0" cy="0"/>
+          <a:chOff x="0" y="0"/>
+          <a:chExt cx="0" cy="0"/>
+        </a:xfrm>
+      </p:grpSpPr>
+      <p:sp>
+        <p:nvSpPr>
+          <p:cNvPr id="147" name="Google Shape;147;p15"/>
+          <p:cNvSpPr txBox="1"/>
+          <p:nvPr/>
+        </p:nvSpPr>
+        <p:spPr>
+          <a:xfrm>
+            <a:off x="719375" y="842675"/>
+            <a:ext cx="7657200" cy="3529800"/>
+          </a:xfrm>
+          <a:prstGeom prst="rect">
+            <a:avLst/>
+          </a:prstGeom>
+          <a:noFill/>
+          <a:ln>
+            <a:noFill/>
+          </a:ln>
+        </p:spPr>
+        <p:txBody>
+          <a:bodyPr spcFirstLastPara="1" wrap="square" lIns="91425" tIns="91425" rIns="91425" bIns="91425" anchor="t" anchorCtr="0">
+            <a:noAutofit/>
+          </a:bodyPr>
+          <a:lstStyle/>
+          <a:p>
+            <a:pPr marL="0" marR="0" lvl="0" indent="0" algn="l" rtl="0">
+              <a:lnSpc>
+                <a:spcPct val="150000"/>
+              </a:lnSpc>
+              <a:spcBef>
+                <a:spcPts val="0"/>
+              </a:spcBef>
+              <a:spcAft>
+                <a:spcPts val="0"/>
+              </a:spcAft>
+              <a:buClr>
+                <a:srgbClr val="000000"/>
+              </a:buClr>
+              <a:buSzPts val="1100"/>
+              <a:buFont typeface="Arial"/>
+              <a:buNone/>
+            </a:pPr>
+            <a:r>
+              <a:rPr lang="en" sz="1800" b="1" i="0" u="none" strike="noStrike" cap="none">
+                <a:solidFill>
+                  <a:srgbClr val="2DC5FA"/>
+                </a:solidFill>
+                <a:latin typeface="Roboto"/>
+                <a:ea typeface="Roboto"/>
+                <a:cs typeface="Roboto"/>
+                <a:sym typeface="Roboto"/>
+              </a:rPr>
+              <a:t>RUNNING EXAMPLE</a:t>
+            </a:r>
+            <a:endParaRPr sz="1400" b="1" i="0" u="none" strike="noStrike" cap="none">
+              <a:solidFill>
+                <a:schemeClr val="dk1"/>
+              </a:solidFill>
+              <a:latin typeface="Roboto"/>
+              <a:ea typeface="Roboto"/>
+              <a:cs typeface="Roboto"/>
+              <a:sym typeface="Roboto"/>
+            </a:endParaRPr>
+          </a:p>
+          <a:p>
+            <a:pPr marL="0" marR="0" lvl="0" indent="0" algn="l" rtl="0">
+              <a:lnSpc>
+                <a:spcPct val="150000"/>
+              </a:lnSpc>
+              <a:spcBef>
+                <a:spcPts val="0"/>
+              </a:spcBef>
+              <a:spcAft>
+                <a:spcPts val="0"/>
+              </a:spcAft>
+              <a:buClr>
+                <a:srgbClr val="000000"/>
+              </a:buClr>
+              <a:buSzPts val="1400"/>
+              <a:buFont typeface="Arial"/>
+              <a:buNone/>
+            </a:pPr>
+            <a:endParaRPr sz="1400" b="1" i="0" u="none" strike="noStrike" cap="none">
+              <a:solidFill>
+                <a:schemeClr val="dk1"/>
+              </a:solidFill>
+              <a:latin typeface="Roboto"/>
+              <a:ea typeface="Roboto"/>
+              <a:cs typeface="Roboto"/>
+              <a:sym typeface="Roboto"/>
+            </a:endParaRPr>
+          </a:p>
+          <a:p>
+            <a:pPr marL="457200" marR="0" lvl="0" indent="-317500" algn="l" rtl="0">
+              <a:lnSpc>
+                <a:spcPct val="150000"/>
+              </a:lnSpc>
+              <a:spcBef>
+                <a:spcPts val="0"/>
+              </a:spcBef>
+              <a:spcAft>
+                <a:spcPts val="0"/>
+              </a:spcAft>
+              <a:buClr>
+                <a:schemeClr val="dk1"/>
+              </a:buClr>
+              <a:buSzPts val="1400"/>
+              <a:buFont typeface="Roboto"/>
+              <a:buChar char="●"/>
+            </a:pPr>
+            <a:r>
+              <a:rPr lang="en" sz="1400" b="0" i="0" u="none" strike="noStrike" cap="none">
+                <a:solidFill>
+                  <a:schemeClr val="dk1"/>
+                </a:solidFill>
+                <a:latin typeface="Roboto"/>
+                <a:ea typeface="Roboto"/>
+                <a:cs typeface="Roboto"/>
+                <a:sym typeface="Roboto"/>
+              </a:rPr>
+              <a:t>Get the p-value for your test statistic</a:t>
+            </a:r>
+            <a:endParaRPr sz="1400" b="0" i="0" u="none" strike="noStrike" cap="none">
+              <a:solidFill>
+                <a:schemeClr val="dk1"/>
+              </a:solidFill>
+              <a:latin typeface="Roboto"/>
+              <a:ea typeface="Roboto"/>
+              <a:cs typeface="Roboto"/>
+              <a:sym typeface="Roboto"/>
+            </a:endParaRPr>
+          </a:p>
+          <a:p>
+            <a:pPr marL="457200" marR="0" lvl="0" indent="-317500" algn="l" rtl="0">
+              <a:lnSpc>
+                <a:spcPct val="150000"/>
+              </a:lnSpc>
+              <a:spcBef>
+                <a:spcPts val="0"/>
+              </a:spcBef>
+              <a:spcAft>
+                <a:spcPts val="0"/>
+              </a:spcAft>
+              <a:buClr>
+                <a:schemeClr val="dk1"/>
+              </a:buClr>
+              <a:buSzPts val="1400"/>
+              <a:buFont typeface="Roboto"/>
+              <a:buChar char="●"/>
+            </a:pPr>
+            <a:r>
+              <a:rPr lang="en" sz="1400" b="0" i="0" u="none" strike="noStrike" cap="none">
+                <a:solidFill>
+                  <a:schemeClr val="dk1"/>
+                </a:solidFill>
+                <a:latin typeface="Roboto"/>
+                <a:ea typeface="Roboto"/>
+                <a:cs typeface="Roboto"/>
+                <a:sym typeface="Roboto"/>
+              </a:rPr>
+              <a:t>Watch out, the way to compute p-values for each of our hypotheses is actually different</a:t>
+            </a:r>
+            <a:endParaRPr sz="1400" b="0" i="0" u="none" strike="noStrike" cap="none">
+              <a:solidFill>
+                <a:schemeClr val="dk1"/>
+              </a:solidFill>
+              <a:latin typeface="Roboto"/>
+              <a:ea typeface="Roboto"/>
+              <a:cs typeface="Roboto"/>
+              <a:sym typeface="Roboto"/>
+            </a:endParaRPr>
+          </a:p>
+          <a:p>
+            <a:pPr marL="0" marR="0" lvl="0" indent="0" algn="l" rtl="0">
+              <a:lnSpc>
+                <a:spcPct val="150000"/>
+              </a:lnSpc>
+              <a:spcBef>
+                <a:spcPts val="0"/>
+              </a:spcBef>
+              <a:spcAft>
+                <a:spcPts val="0"/>
+              </a:spcAft>
+              <a:buClr>
+                <a:srgbClr val="000000"/>
+              </a:buClr>
+              <a:buSzPts val="1400"/>
+              <a:buFont typeface="Arial"/>
+              <a:buNone/>
+            </a:pPr>
+            <a:endParaRPr sz="1400" b="0" i="0" u="none" strike="noStrike" cap="none">
+              <a:solidFill>
+                <a:schemeClr val="dk1"/>
+              </a:solidFill>
+              <a:latin typeface="Roboto"/>
+              <a:ea typeface="Roboto"/>
+              <a:cs typeface="Roboto"/>
+              <a:sym typeface="Roboto"/>
+            </a:endParaRPr>
+          </a:p>
+        </p:txBody>
+      </p:sp>
+      <p:pic>
+        <p:nvPicPr>
+          <p:cNvPr id="148" name="Google Shape;148;p15"/>
+          <p:cNvPicPr preferRelativeResize="0"/>
+          <p:nvPr/>
+        </p:nvPicPr>
+        <p:blipFill rotWithShape="1">
+          <a:blip r:embed="rId3">
+            <a:alphaModFix/>
+          </a:blip>
+          <a:srcRect/>
+          <a:stretch/>
+        </p:blipFill>
+        <p:spPr>
+          <a:xfrm>
+            <a:off x="-809150" y="3742975"/>
+            <a:ext cx="2599849" cy="2803224"/>
+          </a:xfrm>
+          <a:prstGeom prst="rect">
+            <a:avLst/>
+          </a:prstGeom>
+          <a:noFill/>
+          <a:ln>
+            <a:noFill/>
+          </a:ln>
+        </p:spPr>
+      </p:pic>
+    </p:spTree>
+  </p:cSld>
+  <p:clrMapOvr>
+    <a:masterClrMapping/>
+  </p:clrMapOvr>
+</p:sld>
+</file>
+
+<file path=ppt/slides/slide39.xml><?xml version="1.0" encoding="utf-8"?>
+<p:sld xmlns:a="http://schemas.openxmlformats.org/drawingml/2006/main" xmlns:r="http://schemas.openxmlformats.org/officeDocument/2006/relationships" xmlns:p="http://schemas.openxmlformats.org/presentationml/2006/main">
+  <p:cSld>
+    <p:spTree>
+      <p:nvGrpSpPr>
+        <p:cNvPr id="1" name="Shape 152"/>
+        <p:cNvGrpSpPr/>
+        <p:nvPr/>
+      </p:nvGrpSpPr>
+      <p:grpSpPr>
+        <a:xfrm>
+          <a:off x="0" y="0"/>
+          <a:ext cx="0" cy="0"/>
+          <a:chOff x="0" y="0"/>
+          <a:chExt cx="0" cy="0"/>
+        </a:xfrm>
+      </p:grpSpPr>
+      <p:sp>
+        <p:nvSpPr>
+          <p:cNvPr id="153" name="Google Shape;153;p16"/>
+          <p:cNvSpPr txBox="1"/>
+          <p:nvPr/>
+        </p:nvSpPr>
+        <p:spPr>
+          <a:xfrm>
+            <a:off x="719375" y="842675"/>
+            <a:ext cx="7657200" cy="3529800"/>
+          </a:xfrm>
+          <a:prstGeom prst="rect">
+            <a:avLst/>
+          </a:prstGeom>
+          <a:noFill/>
+          <a:ln>
+            <a:noFill/>
+          </a:ln>
+        </p:spPr>
+        <p:txBody>
+          <a:bodyPr spcFirstLastPara="1" wrap="square" lIns="91425" tIns="91425" rIns="91425" bIns="91425" anchor="t" anchorCtr="0">
+            <a:noAutofit/>
+          </a:bodyPr>
+          <a:lstStyle/>
+          <a:p>
+            <a:pPr marL="0" marR="0" lvl="0" indent="0" algn="l" rtl="0">
+              <a:lnSpc>
+                <a:spcPct val="150000"/>
+              </a:lnSpc>
+              <a:spcBef>
+                <a:spcPts val="0"/>
+              </a:spcBef>
+              <a:spcAft>
+                <a:spcPts val="0"/>
+              </a:spcAft>
+              <a:buClr>
+                <a:srgbClr val="000000"/>
+              </a:buClr>
+              <a:buSzPts val="1100"/>
+              <a:buFont typeface="Arial"/>
+              <a:buNone/>
+            </a:pPr>
+            <a:r>
+              <a:rPr lang="en" sz="1800" b="1" i="0" u="none" strike="noStrike" cap="none">
+                <a:solidFill>
+                  <a:srgbClr val="2DC5FA"/>
+                </a:solidFill>
+                <a:latin typeface="Roboto"/>
+                <a:ea typeface="Roboto"/>
+                <a:cs typeface="Roboto"/>
+                <a:sym typeface="Roboto"/>
+              </a:rPr>
+              <a:t>THE 5 STEPS OF HYPOTHESIS TESTING</a:t>
+            </a:r>
+            <a:endParaRPr sz="1400" b="1" i="0" u="none" strike="noStrike" cap="none">
+              <a:solidFill>
+                <a:schemeClr val="dk1"/>
+              </a:solidFill>
+              <a:latin typeface="Roboto"/>
+              <a:ea typeface="Roboto"/>
+              <a:cs typeface="Roboto"/>
+              <a:sym typeface="Roboto"/>
+            </a:endParaRPr>
+          </a:p>
+          <a:p>
+            <a:pPr marL="0" marR="0" lvl="0" indent="0" algn="l" rtl="0">
+              <a:lnSpc>
+                <a:spcPct val="115000"/>
+              </a:lnSpc>
+              <a:spcBef>
+                <a:spcPts val="0"/>
+              </a:spcBef>
+              <a:spcAft>
+                <a:spcPts val="0"/>
+              </a:spcAft>
+              <a:buClr>
+                <a:schemeClr val="dk1"/>
+              </a:buClr>
+              <a:buSzPts val="1100"/>
+              <a:buFont typeface="Arial"/>
+              <a:buNone/>
+            </a:pPr>
+            <a:endParaRPr sz="2000" b="1" i="0" u="none" strike="noStrike" cap="none">
+              <a:solidFill>
+                <a:schemeClr val="dk1"/>
+              </a:solidFill>
+              <a:latin typeface="Roboto"/>
+              <a:ea typeface="Roboto"/>
+              <a:cs typeface="Roboto"/>
+              <a:sym typeface="Roboto"/>
+            </a:endParaRPr>
+          </a:p>
+          <a:p>
+            <a:pPr marL="457200" marR="0" lvl="0" indent="-330200" algn="just" rtl="0">
+              <a:lnSpc>
+                <a:spcPct val="100000"/>
+              </a:lnSpc>
+              <a:spcBef>
+                <a:spcPts val="0"/>
+              </a:spcBef>
+              <a:spcAft>
+                <a:spcPts val="0"/>
+              </a:spcAft>
+              <a:buClr>
+                <a:schemeClr val="dk1"/>
+              </a:buClr>
+              <a:buSzPts val="1600"/>
+              <a:buFont typeface="Roboto"/>
+              <a:buAutoNum type="arabicPeriod"/>
+            </a:pPr>
+            <a:r>
+              <a:rPr lang="en" sz="1700" b="0" i="0" u="none" strike="noStrike" cap="none">
+                <a:solidFill>
+                  <a:schemeClr val="dk1"/>
+                </a:solidFill>
+                <a:latin typeface="Arial"/>
+                <a:ea typeface="Arial"/>
+                <a:cs typeface="Arial"/>
+                <a:sym typeface="Arial"/>
+              </a:rPr>
+              <a:t>Set the hypothesis</a:t>
+            </a:r>
+            <a:endParaRPr sz="1700" b="0" i="0" u="none" strike="noStrike" cap="none">
+              <a:solidFill>
+                <a:schemeClr val="dk1"/>
+              </a:solidFill>
+              <a:latin typeface="Arial"/>
+              <a:ea typeface="Arial"/>
+              <a:cs typeface="Arial"/>
+              <a:sym typeface="Arial"/>
+            </a:endParaRPr>
+          </a:p>
+          <a:p>
+            <a:pPr marL="457200" marR="0" lvl="0" indent="-336550" algn="just" rtl="0">
+              <a:lnSpc>
+                <a:spcPct val="100000"/>
+              </a:lnSpc>
+              <a:spcBef>
+                <a:spcPts val="0"/>
+              </a:spcBef>
+              <a:spcAft>
+                <a:spcPts val="0"/>
+              </a:spcAft>
+              <a:buClr>
+                <a:schemeClr val="dk1"/>
+              </a:buClr>
+              <a:buSzPts val="1700"/>
+              <a:buFont typeface="Arial"/>
+              <a:buAutoNum type="arabicPeriod"/>
+            </a:pPr>
+            <a:r>
+              <a:rPr lang="en" sz="1700" b="0" i="0" u="none" strike="noStrike" cap="none">
+                <a:solidFill>
+                  <a:schemeClr val="dk1"/>
+                </a:solidFill>
+                <a:latin typeface="Arial"/>
+                <a:ea typeface="Arial"/>
+                <a:cs typeface="Arial"/>
+                <a:sym typeface="Arial"/>
+              </a:rPr>
+              <a:t>Choose significance / confidence level</a:t>
+            </a:r>
+            <a:endParaRPr sz="1700" b="0" i="0" u="none" strike="noStrike" cap="none">
+              <a:solidFill>
+                <a:schemeClr val="dk1"/>
+              </a:solidFill>
+              <a:latin typeface="Arial"/>
+              <a:ea typeface="Arial"/>
+              <a:cs typeface="Arial"/>
+              <a:sym typeface="Arial"/>
+            </a:endParaRPr>
+          </a:p>
+          <a:p>
+            <a:pPr marL="457200" marR="0" lvl="0" indent="-336550" algn="just" rtl="0">
+              <a:lnSpc>
+                <a:spcPct val="100000"/>
+              </a:lnSpc>
+              <a:spcBef>
+                <a:spcPts val="0"/>
+              </a:spcBef>
+              <a:spcAft>
+                <a:spcPts val="0"/>
+              </a:spcAft>
+              <a:buClr>
+                <a:schemeClr val="dk1"/>
+              </a:buClr>
+              <a:buSzPts val="1700"/>
+              <a:buFont typeface="Arial"/>
+              <a:buAutoNum type="arabicPeriod"/>
+            </a:pPr>
+            <a:r>
+              <a:rPr lang="en" sz="1700" b="0" i="0" u="none" strike="noStrike" cap="none">
+                <a:solidFill>
+                  <a:schemeClr val="dk1"/>
+                </a:solidFill>
+                <a:latin typeface="Arial"/>
+                <a:ea typeface="Arial"/>
+                <a:cs typeface="Arial"/>
+                <a:sym typeface="Arial"/>
+              </a:rPr>
+              <a:t>Sample</a:t>
+            </a:r>
+            <a:endParaRPr sz="1700" b="0" i="0" u="none" strike="noStrike" cap="none">
+              <a:solidFill>
+                <a:schemeClr val="dk1"/>
+              </a:solidFill>
+              <a:latin typeface="Arial"/>
+              <a:ea typeface="Arial"/>
+              <a:cs typeface="Arial"/>
+              <a:sym typeface="Arial"/>
+            </a:endParaRPr>
+          </a:p>
+          <a:p>
+            <a:pPr marL="457200" marR="0" lvl="0" indent="-336550" algn="just" rtl="0">
+              <a:lnSpc>
+                <a:spcPct val="100000"/>
+              </a:lnSpc>
+              <a:spcBef>
+                <a:spcPts val="0"/>
+              </a:spcBef>
+              <a:spcAft>
+                <a:spcPts val="0"/>
+              </a:spcAft>
+              <a:buClr>
+                <a:schemeClr val="dk1"/>
+              </a:buClr>
+              <a:buSzPts val="1700"/>
+              <a:buFont typeface="Arial"/>
+              <a:buAutoNum type="arabicPeriod"/>
+            </a:pPr>
+            <a:r>
+              <a:rPr lang="en" sz="1700" b="0" i="0" u="none" strike="noStrike" cap="none">
+                <a:solidFill>
+                  <a:schemeClr val="dk1"/>
+                </a:solidFill>
+                <a:latin typeface="Arial"/>
+                <a:ea typeface="Arial"/>
+                <a:cs typeface="Arial"/>
+                <a:sym typeface="Arial"/>
+              </a:rPr>
+              <a:t>Compute statistic + Get p-value </a:t>
+            </a:r>
+            <a:endParaRPr sz="1700" b="0" i="0" u="none" strike="noStrike" cap="none">
+              <a:solidFill>
+                <a:schemeClr val="dk1"/>
+              </a:solidFill>
+              <a:latin typeface="Arial"/>
+              <a:ea typeface="Arial"/>
+              <a:cs typeface="Arial"/>
+              <a:sym typeface="Arial"/>
+            </a:endParaRPr>
+          </a:p>
+          <a:p>
+            <a:pPr marL="457200" marR="0" lvl="0" indent="-336550" algn="just" rtl="0">
+              <a:lnSpc>
+                <a:spcPct val="100000"/>
+              </a:lnSpc>
+              <a:spcBef>
+                <a:spcPts val="0"/>
+              </a:spcBef>
+              <a:spcAft>
+                <a:spcPts val="0"/>
+              </a:spcAft>
+              <a:buClr>
+                <a:schemeClr val="dk1"/>
+              </a:buClr>
+              <a:buSzPts val="1700"/>
+              <a:buFont typeface="Arial"/>
+              <a:buAutoNum type="arabicPeriod"/>
+            </a:pPr>
+            <a:r>
+              <a:rPr lang="en" sz="1700" b="1" i="0" u="none" strike="noStrike" cap="none">
+                <a:solidFill>
+                  <a:schemeClr val="dk1"/>
+                </a:solidFill>
+                <a:latin typeface="Arial"/>
+                <a:ea typeface="Arial"/>
+                <a:cs typeface="Arial"/>
+                <a:sym typeface="Arial"/>
+              </a:rPr>
+              <a:t>Decide</a:t>
+            </a:r>
+            <a:endParaRPr sz="1700" b="1" i="0" u="none" strike="noStrike" cap="none">
+              <a:solidFill>
+                <a:schemeClr val="dk1"/>
+              </a:solidFill>
+              <a:latin typeface="Arial"/>
+              <a:ea typeface="Arial"/>
+              <a:cs typeface="Arial"/>
+              <a:sym typeface="Arial"/>
+            </a:endParaRPr>
+          </a:p>
+        </p:txBody>
+      </p:sp>
+      <p:pic>
+        <p:nvPicPr>
+          <p:cNvPr id="154" name="Google Shape;154;p16"/>
+          <p:cNvPicPr preferRelativeResize="0"/>
+          <p:nvPr/>
+        </p:nvPicPr>
+        <p:blipFill rotWithShape="1">
+          <a:blip r:embed="rId3">
+            <a:alphaModFix/>
+          </a:blip>
+          <a:srcRect/>
+          <a:stretch/>
+        </p:blipFill>
+        <p:spPr>
+          <a:xfrm>
+            <a:off x="-809150" y="3742975"/>
+            <a:ext cx="2599849" cy="2803224"/>
+          </a:xfrm>
+          <a:prstGeom prst="rect">
+            <a:avLst/>
+          </a:prstGeom>
+          <a:noFill/>
+          <a:ln>
+            <a:noFill/>
+          </a:ln>
+        </p:spPr>
+      </p:pic>
+    </p:spTree>
+  </p:cSld>
+  <p:clrMapOvr>
+    <a:masterClrMapping/>
+  </p:clrMapOvr>
+</p:sld>
+</file>
+
 <file path=ppt/slides/slide4.xml><?xml version="1.0" encoding="utf-8"?>
 <p:sld xmlns:a="http://schemas.openxmlformats.org/drawingml/2006/main" xmlns:r="http://schemas.openxmlformats.org/officeDocument/2006/relationships" xmlns:p="http://schemas.openxmlformats.org/presentationml/2006/main">
   <p:cSld>
@@ -19482,6 +26457,677 @@
           <a:prstGeom prst="rect">
             <a:avLst/>
           </a:prstGeom>
+        </p:spPr>
+      </p:pic>
+    </p:spTree>
+  </p:cSld>
+  <p:clrMapOvr>
+    <a:masterClrMapping/>
+  </p:clrMapOvr>
+</p:sld>
+</file>
+
+<file path=ppt/slides/slide40.xml><?xml version="1.0" encoding="utf-8"?>
+<p:sld xmlns:a="http://schemas.openxmlformats.org/drawingml/2006/main" xmlns:r="http://schemas.openxmlformats.org/officeDocument/2006/relationships" xmlns:p="http://schemas.openxmlformats.org/presentationml/2006/main">
+  <p:cSld>
+    <p:spTree>
+      <p:nvGrpSpPr>
+        <p:cNvPr id="1" name="Shape 158"/>
+        <p:cNvGrpSpPr/>
+        <p:nvPr/>
+      </p:nvGrpSpPr>
+      <p:grpSpPr>
+        <a:xfrm>
+          <a:off x="0" y="0"/>
+          <a:ext cx="0" cy="0"/>
+          <a:chOff x="0" y="0"/>
+          <a:chExt cx="0" cy="0"/>
+        </a:xfrm>
+      </p:grpSpPr>
+      <p:sp>
+        <p:nvSpPr>
+          <p:cNvPr id="159" name="Google Shape;159;p17"/>
+          <p:cNvSpPr txBox="1"/>
+          <p:nvPr/>
+        </p:nvSpPr>
+        <p:spPr>
+          <a:xfrm>
+            <a:off x="719375" y="842675"/>
+            <a:ext cx="7657200" cy="3529800"/>
+          </a:xfrm>
+          <a:prstGeom prst="rect">
+            <a:avLst/>
+          </a:prstGeom>
+          <a:noFill/>
+          <a:ln>
+            <a:noFill/>
+          </a:ln>
+        </p:spPr>
+        <p:txBody>
+          <a:bodyPr spcFirstLastPara="1" wrap="square" lIns="91425" tIns="91425" rIns="91425" bIns="91425" anchor="t" anchorCtr="0">
+            <a:noAutofit/>
+          </a:bodyPr>
+          <a:lstStyle/>
+          <a:p>
+            <a:pPr marL="0" marR="0" lvl="0" indent="0" algn="l" rtl="0">
+              <a:lnSpc>
+                <a:spcPct val="150000"/>
+              </a:lnSpc>
+              <a:spcBef>
+                <a:spcPts val="0"/>
+              </a:spcBef>
+              <a:spcAft>
+                <a:spcPts val="0"/>
+              </a:spcAft>
+              <a:buClr>
+                <a:srgbClr val="000000"/>
+              </a:buClr>
+              <a:buSzPts val="1100"/>
+              <a:buFont typeface="Arial"/>
+              <a:buNone/>
+            </a:pPr>
+            <a:r>
+              <a:rPr lang="en" sz="1800" b="1" i="0" u="none" strike="noStrike" cap="none">
+                <a:solidFill>
+                  <a:srgbClr val="2DC5FA"/>
+                </a:solidFill>
+                <a:latin typeface="Roboto"/>
+                <a:ea typeface="Roboto"/>
+                <a:cs typeface="Roboto"/>
+                <a:sym typeface="Roboto"/>
+              </a:rPr>
+              <a:t>DECISION CRITERIA</a:t>
+            </a:r>
+            <a:endParaRPr sz="1200" b="0" i="0" u="none" strike="noStrike" cap="none">
+              <a:solidFill>
+                <a:schemeClr val="dk1"/>
+              </a:solidFill>
+              <a:latin typeface="Roboto"/>
+              <a:ea typeface="Roboto"/>
+              <a:cs typeface="Roboto"/>
+              <a:sym typeface="Roboto"/>
+            </a:endParaRPr>
+          </a:p>
+          <a:p>
+            <a:pPr marL="0" marR="0" lvl="0" indent="0" algn="l" rtl="0">
+              <a:lnSpc>
+                <a:spcPct val="150000"/>
+              </a:lnSpc>
+              <a:spcBef>
+                <a:spcPts val="0"/>
+              </a:spcBef>
+              <a:spcAft>
+                <a:spcPts val="0"/>
+              </a:spcAft>
+              <a:buClr>
+                <a:srgbClr val="000000"/>
+              </a:buClr>
+              <a:buSzPts val="1200"/>
+              <a:buFont typeface="Arial"/>
+              <a:buNone/>
+            </a:pPr>
+            <a:endParaRPr sz="1200" b="0" i="0" u="none" strike="noStrike" cap="none">
+              <a:solidFill>
+                <a:schemeClr val="dk1"/>
+              </a:solidFill>
+              <a:latin typeface="Roboto"/>
+              <a:ea typeface="Roboto"/>
+              <a:cs typeface="Roboto"/>
+              <a:sym typeface="Roboto"/>
+            </a:endParaRPr>
+          </a:p>
+          <a:p>
+            <a:pPr marL="0" marR="0" lvl="0" indent="0" algn="just" rtl="0">
+              <a:lnSpc>
+                <a:spcPct val="100000"/>
+              </a:lnSpc>
+              <a:spcBef>
+                <a:spcPts val="0"/>
+              </a:spcBef>
+              <a:spcAft>
+                <a:spcPts val="0"/>
+              </a:spcAft>
+              <a:buClr>
+                <a:srgbClr val="000000"/>
+              </a:buClr>
+              <a:buSzPts val="1200"/>
+              <a:buFont typeface="Arial"/>
+              <a:buNone/>
+            </a:pPr>
+            <a:r>
+              <a:rPr lang="en" sz="1200" b="0" i="0" u="none" strike="noStrike" cap="none">
+                <a:solidFill>
+                  <a:schemeClr val="dk1"/>
+                </a:solidFill>
+                <a:latin typeface="Roboto"/>
+                <a:ea typeface="Roboto"/>
+                <a:cs typeface="Roboto"/>
+                <a:sym typeface="Roboto"/>
+              </a:rPr>
+              <a:t>We now compare our obtained p-value (chance to see an observation at least as extreme as the one we saw) with our significance level .</a:t>
+            </a:r>
+            <a:endParaRPr sz="1200" b="0" i="0" u="none" strike="noStrike" cap="none">
+              <a:solidFill>
+                <a:schemeClr val="dk1"/>
+              </a:solidFill>
+              <a:latin typeface="Roboto"/>
+              <a:ea typeface="Roboto"/>
+              <a:cs typeface="Roboto"/>
+              <a:sym typeface="Roboto"/>
+            </a:endParaRPr>
+          </a:p>
+          <a:p>
+            <a:pPr marL="0" marR="0" lvl="0" indent="0" algn="just" rtl="0">
+              <a:lnSpc>
+                <a:spcPct val="100000"/>
+              </a:lnSpc>
+              <a:spcBef>
+                <a:spcPts val="0"/>
+              </a:spcBef>
+              <a:spcAft>
+                <a:spcPts val="0"/>
+              </a:spcAft>
+              <a:buClr>
+                <a:srgbClr val="000000"/>
+              </a:buClr>
+              <a:buSzPts val="1200"/>
+              <a:buFont typeface="Arial"/>
+              <a:buNone/>
+            </a:pPr>
+            <a:endParaRPr sz="1200" b="0" i="0" u="none" strike="noStrike" cap="none">
+              <a:solidFill>
+                <a:schemeClr val="dk1"/>
+              </a:solidFill>
+              <a:latin typeface="Roboto"/>
+              <a:ea typeface="Roboto"/>
+              <a:cs typeface="Roboto"/>
+              <a:sym typeface="Roboto"/>
+            </a:endParaRPr>
+          </a:p>
+          <a:p>
+            <a:pPr marL="457200" marR="0" lvl="0" indent="-304800" algn="just" rtl="0">
+              <a:lnSpc>
+                <a:spcPct val="100000"/>
+              </a:lnSpc>
+              <a:spcBef>
+                <a:spcPts val="0"/>
+              </a:spcBef>
+              <a:spcAft>
+                <a:spcPts val="0"/>
+              </a:spcAft>
+              <a:buClr>
+                <a:schemeClr val="dk1"/>
+              </a:buClr>
+              <a:buSzPts val="1200"/>
+              <a:buFont typeface="Roboto"/>
+              <a:buChar char="●"/>
+            </a:pPr>
+            <a:r>
+              <a:rPr lang="en" sz="1200" b="0" i="0" u="none" strike="noStrike" cap="none">
+                <a:solidFill>
+                  <a:schemeClr val="dk1"/>
+                </a:solidFill>
+                <a:latin typeface="Roboto"/>
+                <a:ea typeface="Roboto"/>
+                <a:cs typeface="Roboto"/>
+                <a:sym typeface="Roboto"/>
+              </a:rPr>
+              <a:t>If p&lt;𝝰, we have just witnessed an event that, if H₀ is true, happens less than a fraction 𝝰 of the times. This strains credibility and we therefore reject H₀</a:t>
+            </a:r>
+            <a:endParaRPr/>
+          </a:p>
+          <a:p>
+            <a:pPr marL="152400" marR="0" lvl="0" indent="0" algn="just" rtl="0">
+              <a:lnSpc>
+                <a:spcPct val="100000"/>
+              </a:lnSpc>
+              <a:spcBef>
+                <a:spcPts val="0"/>
+              </a:spcBef>
+              <a:spcAft>
+                <a:spcPts val="0"/>
+              </a:spcAft>
+              <a:buNone/>
+            </a:pPr>
+            <a:endParaRPr sz="1200" b="0" i="0" u="none" strike="noStrike" cap="none">
+              <a:solidFill>
+                <a:schemeClr val="dk1"/>
+              </a:solidFill>
+              <a:latin typeface="Roboto"/>
+              <a:ea typeface="Roboto"/>
+              <a:cs typeface="Roboto"/>
+              <a:sym typeface="Roboto"/>
+            </a:endParaRPr>
+          </a:p>
+          <a:p>
+            <a:pPr marL="457200" marR="0" lvl="0" indent="-298450" algn="just" rtl="0">
+              <a:lnSpc>
+                <a:spcPct val="100000"/>
+              </a:lnSpc>
+              <a:spcBef>
+                <a:spcPts val="0"/>
+              </a:spcBef>
+              <a:spcAft>
+                <a:spcPts val="0"/>
+              </a:spcAft>
+              <a:buClr>
+                <a:schemeClr val="dk1"/>
+              </a:buClr>
+              <a:buSzPts val="1100"/>
+              <a:buFont typeface="Arial"/>
+              <a:buChar char="●"/>
+            </a:pPr>
+            <a:r>
+              <a:rPr lang="en" sz="1200" b="0" i="0" u="none" strike="noStrike" cap="none">
+                <a:solidFill>
+                  <a:schemeClr val="dk1"/>
+                </a:solidFill>
+                <a:latin typeface="Roboto"/>
+                <a:ea typeface="Roboto"/>
+                <a:cs typeface="Roboto"/>
+                <a:sym typeface="Roboto"/>
+              </a:rPr>
+              <a:t>If p≥𝝰, we have witnessed an event that, if H₀ is true, happens more than a fraction 𝝰 of the times. This is not enough to convince us to change our minds about H₀ and thus we do not reject it</a:t>
+            </a:r>
+            <a:endParaRPr sz="1200" b="0" i="0" u="none" strike="noStrike" cap="none">
+              <a:solidFill>
+                <a:schemeClr val="dk1"/>
+              </a:solidFill>
+              <a:latin typeface="Roboto"/>
+              <a:ea typeface="Roboto"/>
+              <a:cs typeface="Roboto"/>
+              <a:sym typeface="Roboto"/>
+            </a:endParaRPr>
+          </a:p>
+          <a:p>
+            <a:pPr marL="0" marR="0" lvl="0" indent="0" algn="l" rtl="0">
+              <a:lnSpc>
+                <a:spcPct val="150000"/>
+              </a:lnSpc>
+              <a:spcBef>
+                <a:spcPts val="0"/>
+              </a:spcBef>
+              <a:spcAft>
+                <a:spcPts val="0"/>
+              </a:spcAft>
+              <a:buClr>
+                <a:srgbClr val="000000"/>
+              </a:buClr>
+              <a:buSzPts val="1200"/>
+              <a:buFont typeface="Arial"/>
+              <a:buNone/>
+            </a:pPr>
+            <a:endParaRPr sz="1200" b="0" i="0" u="none" strike="noStrike" cap="none">
+              <a:solidFill>
+                <a:schemeClr val="dk1"/>
+              </a:solidFill>
+              <a:latin typeface="Roboto"/>
+              <a:ea typeface="Roboto"/>
+              <a:cs typeface="Roboto"/>
+              <a:sym typeface="Roboto"/>
+            </a:endParaRPr>
+          </a:p>
+          <a:p>
+            <a:pPr marL="0" marR="0" lvl="0" indent="0" algn="l" rtl="0">
+              <a:lnSpc>
+                <a:spcPct val="150000"/>
+              </a:lnSpc>
+              <a:spcBef>
+                <a:spcPts val="0"/>
+              </a:spcBef>
+              <a:spcAft>
+                <a:spcPts val="0"/>
+              </a:spcAft>
+              <a:buClr>
+                <a:srgbClr val="000000"/>
+              </a:buClr>
+              <a:buSzPts val="1200"/>
+              <a:buFont typeface="Arial"/>
+              <a:buNone/>
+            </a:pPr>
+            <a:r>
+              <a:rPr lang="en" sz="1200" b="0" i="0" u="none" strike="noStrike" cap="none">
+                <a:solidFill>
+                  <a:schemeClr val="dk1"/>
+                </a:solidFill>
+                <a:latin typeface="Roboto"/>
+                <a:ea typeface="Roboto"/>
+                <a:cs typeface="Roboto"/>
+                <a:sym typeface="Roboto"/>
+              </a:rPr>
+              <a:t>Word of warning: in single sided tests, your test statistic needs to “go against” H₀ for you to reject it. E.g. If H₀ posits that average weights are lower than 50 and your observation is below 50kg, you can’t reject, even if the p value is smaller than 𝝰</a:t>
+            </a:r>
+            <a:endParaRPr sz="1200" b="0" i="0" u="none" strike="noStrike" cap="none">
+              <a:solidFill>
+                <a:schemeClr val="dk1"/>
+              </a:solidFill>
+              <a:latin typeface="Roboto"/>
+              <a:ea typeface="Roboto"/>
+              <a:cs typeface="Roboto"/>
+              <a:sym typeface="Roboto"/>
+            </a:endParaRPr>
+          </a:p>
+        </p:txBody>
+      </p:sp>
+      <p:pic>
+        <p:nvPicPr>
+          <p:cNvPr id="160" name="Google Shape;160;p17"/>
+          <p:cNvPicPr preferRelativeResize="0"/>
+          <p:nvPr/>
+        </p:nvPicPr>
+        <p:blipFill rotWithShape="1">
+          <a:blip r:embed="rId3">
+            <a:alphaModFix/>
+          </a:blip>
+          <a:srcRect/>
+          <a:stretch/>
+        </p:blipFill>
+        <p:spPr>
+          <a:xfrm>
+            <a:off x="-809150" y="3742975"/>
+            <a:ext cx="2599849" cy="2803224"/>
+          </a:xfrm>
+          <a:prstGeom prst="rect">
+            <a:avLst/>
+          </a:prstGeom>
+          <a:noFill/>
+          <a:ln>
+            <a:noFill/>
+          </a:ln>
+        </p:spPr>
+      </p:pic>
+    </p:spTree>
+  </p:cSld>
+  <p:clrMapOvr>
+    <a:masterClrMapping/>
+  </p:clrMapOvr>
+</p:sld>
+</file>
+
+<file path=ppt/slides/slide41.xml><?xml version="1.0" encoding="utf-8"?>
+<p:sld xmlns:a="http://schemas.openxmlformats.org/drawingml/2006/main" xmlns:r="http://schemas.openxmlformats.org/officeDocument/2006/relationships" xmlns:p="http://schemas.openxmlformats.org/presentationml/2006/main">
+  <p:cSld>
+    <p:spTree>
+      <p:nvGrpSpPr>
+        <p:cNvPr id="1" name="Shape 164"/>
+        <p:cNvGrpSpPr/>
+        <p:nvPr/>
+      </p:nvGrpSpPr>
+      <p:grpSpPr>
+        <a:xfrm>
+          <a:off x="0" y="0"/>
+          <a:ext cx="0" cy="0"/>
+          <a:chOff x="0" y="0"/>
+          <a:chExt cx="0" cy="0"/>
+        </a:xfrm>
+      </p:grpSpPr>
+      <p:sp>
+        <p:nvSpPr>
+          <p:cNvPr id="165" name="Google Shape;165;p18"/>
+          <p:cNvSpPr txBox="1"/>
+          <p:nvPr/>
+        </p:nvSpPr>
+        <p:spPr>
+          <a:xfrm>
+            <a:off x="719375" y="842675"/>
+            <a:ext cx="7657200" cy="3529800"/>
+          </a:xfrm>
+          <a:prstGeom prst="rect">
+            <a:avLst/>
+          </a:prstGeom>
+          <a:noFill/>
+          <a:ln>
+            <a:noFill/>
+          </a:ln>
+        </p:spPr>
+        <p:txBody>
+          <a:bodyPr spcFirstLastPara="1" wrap="square" lIns="91425" tIns="91425" rIns="91425" bIns="91425" anchor="t" anchorCtr="0">
+            <a:noAutofit/>
+          </a:bodyPr>
+          <a:lstStyle/>
+          <a:p>
+            <a:pPr marL="0" marR="0" lvl="0" indent="0" algn="l" rtl="0">
+              <a:lnSpc>
+                <a:spcPct val="150000"/>
+              </a:lnSpc>
+              <a:spcBef>
+                <a:spcPts val="0"/>
+              </a:spcBef>
+              <a:spcAft>
+                <a:spcPts val="0"/>
+              </a:spcAft>
+              <a:buClr>
+                <a:srgbClr val="000000"/>
+              </a:buClr>
+              <a:buSzPts val="1100"/>
+              <a:buFont typeface="Arial"/>
+              <a:buNone/>
+            </a:pPr>
+            <a:r>
+              <a:rPr lang="en" sz="1800" b="1" i="0" u="none" strike="noStrike" cap="none">
+                <a:solidFill>
+                  <a:srgbClr val="2DC5FA"/>
+                </a:solidFill>
+                <a:latin typeface="Roboto"/>
+                <a:ea typeface="Roboto"/>
+                <a:cs typeface="Roboto"/>
+                <a:sym typeface="Roboto"/>
+              </a:rPr>
+              <a:t>RUNNING EXAMPLE</a:t>
+            </a:r>
+            <a:endParaRPr sz="1400" b="1" i="0" u="none" strike="noStrike" cap="none">
+              <a:solidFill>
+                <a:schemeClr val="dk1"/>
+              </a:solidFill>
+              <a:latin typeface="Roboto"/>
+              <a:ea typeface="Roboto"/>
+              <a:cs typeface="Roboto"/>
+              <a:sym typeface="Roboto"/>
+            </a:endParaRPr>
+          </a:p>
+          <a:p>
+            <a:pPr marL="0" marR="0" lvl="0" indent="0" algn="l" rtl="0">
+              <a:lnSpc>
+                <a:spcPct val="150000"/>
+              </a:lnSpc>
+              <a:spcBef>
+                <a:spcPts val="0"/>
+              </a:spcBef>
+              <a:spcAft>
+                <a:spcPts val="0"/>
+              </a:spcAft>
+              <a:buClr>
+                <a:srgbClr val="000000"/>
+              </a:buClr>
+              <a:buSzPts val="1400"/>
+              <a:buFont typeface="Arial"/>
+              <a:buNone/>
+            </a:pPr>
+            <a:endParaRPr sz="1400" b="1" i="0" u="none" strike="noStrike" cap="none">
+              <a:solidFill>
+                <a:schemeClr val="dk1"/>
+              </a:solidFill>
+              <a:latin typeface="Roboto"/>
+              <a:ea typeface="Roboto"/>
+              <a:cs typeface="Roboto"/>
+              <a:sym typeface="Roboto"/>
+            </a:endParaRPr>
+          </a:p>
+          <a:p>
+            <a:pPr marL="0" marR="0" lvl="0" indent="0" algn="l" rtl="0">
+              <a:lnSpc>
+                <a:spcPct val="150000"/>
+              </a:lnSpc>
+              <a:spcBef>
+                <a:spcPts val="0"/>
+              </a:spcBef>
+              <a:spcAft>
+                <a:spcPts val="0"/>
+              </a:spcAft>
+              <a:buClr>
+                <a:srgbClr val="000000"/>
+              </a:buClr>
+              <a:buSzPts val="1400"/>
+              <a:buFont typeface="Arial"/>
+              <a:buNone/>
+            </a:pPr>
+            <a:r>
+              <a:rPr lang="en" sz="1400" b="0" i="0" u="none" strike="noStrike" cap="none">
+                <a:solidFill>
+                  <a:schemeClr val="dk1"/>
+                </a:solidFill>
+                <a:latin typeface="Roboto"/>
+                <a:ea typeface="Roboto"/>
+                <a:cs typeface="Roboto"/>
+                <a:sym typeface="Roboto"/>
+              </a:rPr>
+              <a:t>Make a decision on whether you reject that</a:t>
+            </a:r>
+            <a:endParaRPr sz="1400" b="0" i="0" u="none" strike="noStrike" cap="none">
+              <a:solidFill>
+                <a:schemeClr val="dk1"/>
+              </a:solidFill>
+              <a:latin typeface="Roboto"/>
+              <a:ea typeface="Roboto"/>
+              <a:cs typeface="Roboto"/>
+              <a:sym typeface="Roboto"/>
+            </a:endParaRPr>
+          </a:p>
+          <a:p>
+            <a:pPr marL="0" marR="0" lvl="0" indent="0" algn="l" rtl="0">
+              <a:lnSpc>
+                <a:spcPct val="150000"/>
+              </a:lnSpc>
+              <a:spcBef>
+                <a:spcPts val="0"/>
+              </a:spcBef>
+              <a:spcAft>
+                <a:spcPts val="0"/>
+              </a:spcAft>
+              <a:buClr>
+                <a:srgbClr val="000000"/>
+              </a:buClr>
+              <a:buSzPts val="1400"/>
+              <a:buFont typeface="Arial"/>
+              <a:buNone/>
+            </a:pPr>
+            <a:endParaRPr sz="1400" b="0" i="0" u="none" strike="noStrike" cap="none">
+              <a:solidFill>
+                <a:schemeClr val="dk1"/>
+              </a:solidFill>
+              <a:latin typeface="Roboto"/>
+              <a:ea typeface="Roboto"/>
+              <a:cs typeface="Roboto"/>
+              <a:sym typeface="Roboto"/>
+            </a:endParaRPr>
+          </a:p>
+          <a:p>
+            <a:pPr marL="457200" marR="0" lvl="0" indent="-317500" algn="l" rtl="0">
+              <a:lnSpc>
+                <a:spcPct val="150000"/>
+              </a:lnSpc>
+              <a:spcBef>
+                <a:spcPts val="0"/>
+              </a:spcBef>
+              <a:spcAft>
+                <a:spcPts val="0"/>
+              </a:spcAft>
+              <a:buClr>
+                <a:schemeClr val="dk1"/>
+              </a:buClr>
+              <a:buSzPts val="1400"/>
+              <a:buFont typeface="Roboto"/>
+              <a:buChar char="●"/>
+            </a:pPr>
+            <a:r>
+              <a:rPr lang="en" sz="1400" b="0" i="0" u="none" strike="noStrike" cap="none">
+                <a:solidFill>
+                  <a:schemeClr val="dk1"/>
+                </a:solidFill>
+                <a:latin typeface="Roboto"/>
+                <a:ea typeface="Roboto"/>
+                <a:cs typeface="Roboto"/>
+                <a:sym typeface="Roboto"/>
+              </a:rPr>
+              <a:t>prices in 3rd class were usually a fifth of prices in first class</a:t>
+            </a:r>
+            <a:endParaRPr sz="1400" b="0" i="0" u="none" strike="noStrike" cap="none">
+              <a:solidFill>
+                <a:schemeClr val="dk1"/>
+              </a:solidFill>
+              <a:latin typeface="Roboto"/>
+              <a:ea typeface="Roboto"/>
+              <a:cs typeface="Roboto"/>
+              <a:sym typeface="Roboto"/>
+            </a:endParaRPr>
+          </a:p>
+          <a:p>
+            <a:pPr marL="457200" marR="0" lvl="0" indent="-317500" algn="l" rtl="0">
+              <a:lnSpc>
+                <a:spcPct val="150000"/>
+              </a:lnSpc>
+              <a:spcBef>
+                <a:spcPts val="0"/>
+              </a:spcBef>
+              <a:spcAft>
+                <a:spcPts val="0"/>
+              </a:spcAft>
+              <a:buClr>
+                <a:schemeClr val="dk1"/>
+              </a:buClr>
+              <a:buSzPts val="1400"/>
+              <a:buFont typeface="Roboto"/>
+              <a:buChar char="●"/>
+            </a:pPr>
+            <a:r>
+              <a:rPr lang="en" sz="1400" b="0" i="0" u="none" strike="noStrike" cap="none">
+                <a:solidFill>
+                  <a:schemeClr val="dk1"/>
+                </a:solidFill>
+                <a:latin typeface="Roboto"/>
+                <a:ea typeface="Roboto"/>
+                <a:cs typeface="Roboto"/>
+                <a:sym typeface="Roboto"/>
+              </a:rPr>
+              <a:t>prices in third class are a fifth of prices in first class or more expensive</a:t>
+            </a:r>
+            <a:endParaRPr sz="1400" b="0" i="0" u="none" strike="noStrike" cap="none">
+              <a:solidFill>
+                <a:schemeClr val="dk1"/>
+              </a:solidFill>
+              <a:latin typeface="Roboto"/>
+              <a:ea typeface="Roboto"/>
+              <a:cs typeface="Roboto"/>
+              <a:sym typeface="Roboto"/>
+            </a:endParaRPr>
+          </a:p>
+        </p:txBody>
+      </p:sp>
+      <p:pic>
+        <p:nvPicPr>
+          <p:cNvPr id="166" name="Google Shape;166;p18"/>
+          <p:cNvPicPr preferRelativeResize="0"/>
+          <p:nvPr/>
+        </p:nvPicPr>
+        <p:blipFill rotWithShape="1">
+          <a:blip r:embed="rId3">
+            <a:alphaModFix/>
+          </a:blip>
+          <a:srcRect/>
+          <a:stretch/>
+        </p:blipFill>
+        <p:spPr>
+          <a:xfrm>
+            <a:off x="-809150" y="3742975"/>
+            <a:ext cx="2599849" cy="2803224"/>
+          </a:xfrm>
+          <a:prstGeom prst="rect">
+            <a:avLst/>
+          </a:prstGeom>
+          <a:noFill/>
+          <a:ln>
+            <a:noFill/>
+          </a:ln>
         </p:spPr>
       </p:pic>
     </p:spTree>
@@ -24673,4 +32319,319 @@
   <a:objectDefaults/>
   <a:extraClrSchemeLst/>
 </a:theme>
+</file>
+
+<file path=ppt/theme/theme2.xml><?xml version="1.0" encoding="utf-8"?>
+<a:theme xmlns:a="http://schemas.openxmlformats.org/drawingml/2006/main" name="Office Theme">
+  <a:themeElements>
+    <a:clrScheme name="Office">
+      <a:dk1>
+        <a:sysClr val="windowText" lastClr="000000"/>
+      </a:dk1>
+      <a:lt1>
+        <a:sysClr val="window" lastClr="FFFFFF"/>
+      </a:lt1>
+      <a:dk2>
+        <a:srgbClr val="0E2841"/>
+      </a:dk2>
+      <a:lt2>
+        <a:srgbClr val="E8E8E8"/>
+      </a:lt2>
+      <a:accent1>
+        <a:srgbClr val="156082"/>
+      </a:accent1>
+      <a:accent2>
+        <a:srgbClr val="E97132"/>
+      </a:accent2>
+      <a:accent3>
+        <a:srgbClr val="196B24"/>
+      </a:accent3>
+      <a:accent4>
+        <a:srgbClr val="0F9ED5"/>
+      </a:accent4>
+      <a:accent5>
+        <a:srgbClr val="A02B93"/>
+      </a:accent5>
+      <a:accent6>
+        <a:srgbClr val="4EA72E"/>
+      </a:accent6>
+      <a:hlink>
+        <a:srgbClr val="467886"/>
+      </a:hlink>
+      <a:folHlink>
+        <a:srgbClr val="96607D"/>
+      </a:folHlink>
+    </a:clrScheme>
+    <a:fontScheme name="Office">
+      <a:majorFont>
+        <a:latin typeface="Aptos Display" panose="02110004020202020204"/>
+        <a:ea typeface=""/>
+        <a:cs typeface=""/>
+        <a:font script="Jpan" typeface="游ゴシック Light"/>
+        <a:font script="Hang" typeface="맑은 고딕"/>
+        <a:font script="Hans" typeface="等线 Light"/>
+        <a:font script="Hant" typeface="新細明體"/>
+        <a:font script="Arab" typeface="Times New Roman"/>
+        <a:font script="Hebr" typeface="Times New Roman"/>
+        <a:font script="Thai" typeface="Angsana New"/>
+        <a:font script="Ethi" typeface="Nyala"/>
+        <a:font script="Beng" typeface="Vrinda"/>
+        <a:font script="Gujr" typeface="Shruti"/>
+        <a:font script="Khmr" typeface="MoolBoran"/>
+        <a:font script="Knda" typeface="Tunga"/>
+        <a:font script="Guru" typeface="Raavi"/>
+        <a:font script="Cans" typeface="Euphemia"/>
+        <a:font script="Cher" typeface="Plantagenet Cherokee"/>
+        <a:font script="Yiii" typeface="Microsoft Yi Baiti"/>
+        <a:font script="Tibt" typeface="Microsoft Himalaya"/>
+        <a:font script="Thaa" typeface="MV Boli"/>
+        <a:font script="Deva" typeface="Mangal"/>
+        <a:font script="Telu" typeface="Gautami"/>
+        <a:font script="Taml" typeface="Latha"/>
+        <a:font script="Syrc" typeface="Estrangelo Edessa"/>
+        <a:font script="Orya" typeface="Kalinga"/>
+        <a:font script="Mlym" typeface="Kartika"/>
+        <a:font script="Laoo" typeface="DokChampa"/>
+        <a:font script="Sinh" typeface="Iskoola Pota"/>
+        <a:font script="Mong" typeface="Mongolian Baiti"/>
+        <a:font script="Viet" typeface="Times New Roman"/>
+        <a:font script="Uigh" typeface="Microsoft Uighur"/>
+        <a:font script="Geor" typeface="Sylfaen"/>
+        <a:font script="Armn" typeface="Arial"/>
+        <a:font script="Bugi" typeface="Leelawadee UI"/>
+        <a:font script="Bopo" typeface="Microsoft JhengHei"/>
+        <a:font script="Java" typeface="Javanese Text"/>
+        <a:font script="Lisu" typeface="Segoe UI"/>
+        <a:font script="Mymr" typeface="Myanmar Text"/>
+        <a:font script="Nkoo" typeface="Ebrima"/>
+        <a:font script="Olck" typeface="Nirmala UI"/>
+        <a:font script="Osma" typeface="Ebrima"/>
+        <a:font script="Phag" typeface="Phagspa"/>
+        <a:font script="Syrn" typeface="Estrangelo Edessa"/>
+        <a:font script="Syrj" typeface="Estrangelo Edessa"/>
+        <a:font script="Syre" typeface="Estrangelo Edessa"/>
+        <a:font script="Sora" typeface="Nirmala UI"/>
+        <a:font script="Tale" typeface="Microsoft Tai Le"/>
+        <a:font script="Talu" typeface="Microsoft New Tai Lue"/>
+        <a:font script="Tfng" typeface="Ebrima"/>
+      </a:majorFont>
+      <a:minorFont>
+        <a:latin typeface="Aptos" panose="02110004020202020204"/>
+        <a:ea typeface=""/>
+        <a:cs typeface=""/>
+        <a:font script="Jpan" typeface="游ゴシック"/>
+        <a:font script="Hang" typeface="맑은 고딕"/>
+        <a:font script="Hans" typeface="等线"/>
+        <a:font script="Hant" typeface="新細明體"/>
+        <a:font script="Arab" typeface="Arial"/>
+        <a:font script="Hebr" typeface="Arial"/>
+        <a:font script="Thai" typeface="Cordia New"/>
+        <a:font script="Ethi" typeface="Nyala"/>
+        <a:font script="Beng" typeface="Vrinda"/>
+        <a:font script="Gujr" typeface="Shruti"/>
+        <a:font script="Khmr" typeface="DaunPenh"/>
+        <a:font script="Knda" typeface="Tunga"/>
+        <a:font script="Guru" typeface="Raavi"/>
+        <a:font script="Cans" typeface="Euphemia"/>
+        <a:font script="Cher" typeface="Plantagenet Cherokee"/>
+        <a:font script="Yiii" typeface="Microsoft Yi Baiti"/>
+        <a:font script="Tibt" typeface="Microsoft Himalaya"/>
+        <a:font script="Thaa" typeface="MV Boli"/>
+        <a:font script="Deva" typeface="Mangal"/>
+        <a:font script="Telu" typeface="Gautami"/>
+        <a:font script="Taml" typeface="Latha"/>
+        <a:font script="Syrc" typeface="Estrangelo Edessa"/>
+        <a:font script="Orya" typeface="Kalinga"/>
+        <a:font script="Mlym" typeface="Kartika"/>
+        <a:font script="Laoo" typeface="DokChampa"/>
+        <a:font script="Sinh" typeface="Iskoola Pota"/>
+        <a:font script="Mong" typeface="Mongolian Baiti"/>
+        <a:font script="Viet" typeface="Arial"/>
+        <a:font script="Uigh" typeface="Microsoft Uighur"/>
+        <a:font script="Geor" typeface="Sylfaen"/>
+        <a:font script="Armn" typeface="Arial"/>
+        <a:font script="Bugi" typeface="Leelawadee UI"/>
+        <a:font script="Bopo" typeface="Microsoft JhengHei"/>
+        <a:font script="Java" typeface="Javanese Text"/>
+        <a:font script="Lisu" typeface="Segoe UI"/>
+        <a:font script="Mymr" typeface="Myanmar Text"/>
+        <a:font script="Nkoo" typeface="Ebrima"/>
+        <a:font script="Olck" typeface="Nirmala UI"/>
+        <a:font script="Osma" typeface="Ebrima"/>
+        <a:font script="Phag" typeface="Phagspa"/>
+        <a:font script="Syrn" typeface="Estrangelo Edessa"/>
+        <a:font script="Syrj" typeface="Estrangelo Edessa"/>
+        <a:font script="Syre" typeface="Estrangelo Edessa"/>
+        <a:font script="Sora" typeface="Nirmala UI"/>
+        <a:font script="Tale" typeface="Microsoft Tai Le"/>
+        <a:font script="Talu" typeface="Microsoft New Tai Lue"/>
+        <a:font script="Tfng" typeface="Ebrima"/>
+      </a:minorFont>
+    </a:fontScheme>
+    <a:fmtScheme name="Office">
+      <a:fillStyleLst>
+        <a:solidFill>
+          <a:schemeClr val="phClr"/>
+        </a:solidFill>
+        <a:gradFill rotWithShape="1">
+          <a:gsLst>
+            <a:gs pos="0">
+              <a:schemeClr val="phClr">
+                <a:lumMod val="110000"/>
+                <a:satMod val="105000"/>
+                <a:tint val="67000"/>
+              </a:schemeClr>
+            </a:gs>
+            <a:gs pos="50000">
+              <a:schemeClr val="phClr">
+                <a:lumMod val="105000"/>
+                <a:satMod val="103000"/>
+                <a:tint val="73000"/>
+              </a:schemeClr>
+            </a:gs>
+            <a:gs pos="100000">
+              <a:schemeClr val="phClr">
+                <a:lumMod val="105000"/>
+                <a:satMod val="109000"/>
+                <a:tint val="81000"/>
+              </a:schemeClr>
+            </a:gs>
+          </a:gsLst>
+          <a:lin ang="5400000" scaled="0"/>
+        </a:gradFill>
+        <a:gradFill rotWithShape="1">
+          <a:gsLst>
+            <a:gs pos="0">
+              <a:schemeClr val="phClr">
+                <a:satMod val="103000"/>
+                <a:lumMod val="102000"/>
+                <a:tint val="94000"/>
+              </a:schemeClr>
+            </a:gs>
+            <a:gs pos="50000">
+              <a:schemeClr val="phClr">
+                <a:satMod val="110000"/>
+                <a:lumMod val="100000"/>
+                <a:shade val="100000"/>
+              </a:schemeClr>
+            </a:gs>
+            <a:gs pos="100000">
+              <a:schemeClr val="phClr">
+                <a:lumMod val="99000"/>
+                <a:satMod val="120000"/>
+                <a:shade val="78000"/>
+              </a:schemeClr>
+            </a:gs>
+          </a:gsLst>
+          <a:lin ang="5400000" scaled="0"/>
+        </a:gradFill>
+      </a:fillStyleLst>
+      <a:lnStyleLst>
+        <a:ln w="12700" cap="flat" cmpd="sng" algn="ctr">
+          <a:solidFill>
+            <a:schemeClr val="phClr"/>
+          </a:solidFill>
+          <a:prstDash val="solid"/>
+          <a:miter lim="800000"/>
+        </a:ln>
+        <a:ln w="19050" cap="flat" cmpd="sng" algn="ctr">
+          <a:solidFill>
+            <a:schemeClr val="phClr"/>
+          </a:solidFill>
+          <a:prstDash val="solid"/>
+          <a:miter lim="800000"/>
+        </a:ln>
+        <a:ln w="25400" cap="flat" cmpd="sng" algn="ctr">
+          <a:solidFill>
+            <a:schemeClr val="phClr"/>
+          </a:solidFill>
+          <a:prstDash val="solid"/>
+          <a:miter lim="800000"/>
+        </a:ln>
+      </a:lnStyleLst>
+      <a:effectStyleLst>
+        <a:effectStyle>
+          <a:effectLst/>
+        </a:effectStyle>
+        <a:effectStyle>
+          <a:effectLst/>
+        </a:effectStyle>
+        <a:effectStyle>
+          <a:effectLst>
+            <a:outerShdw blurRad="57150" dist="19050" dir="5400000" algn="ctr" rotWithShape="0">
+              <a:srgbClr val="000000">
+                <a:alpha val="63000"/>
+              </a:srgbClr>
+            </a:outerShdw>
+          </a:effectLst>
+        </a:effectStyle>
+      </a:effectStyleLst>
+      <a:bgFillStyleLst>
+        <a:solidFill>
+          <a:schemeClr val="phClr"/>
+        </a:solidFill>
+        <a:solidFill>
+          <a:schemeClr val="phClr">
+            <a:tint val="95000"/>
+            <a:satMod val="170000"/>
+          </a:schemeClr>
+        </a:solidFill>
+        <a:gradFill rotWithShape="1">
+          <a:gsLst>
+            <a:gs pos="0">
+              <a:schemeClr val="phClr">
+                <a:tint val="93000"/>
+                <a:satMod val="150000"/>
+                <a:shade val="98000"/>
+                <a:lumMod val="102000"/>
+              </a:schemeClr>
+            </a:gs>
+            <a:gs pos="50000">
+              <a:schemeClr val="phClr">
+                <a:tint val="98000"/>
+                <a:satMod val="130000"/>
+                <a:shade val="90000"/>
+                <a:lumMod val="103000"/>
+              </a:schemeClr>
+            </a:gs>
+            <a:gs pos="100000">
+              <a:schemeClr val="phClr">
+                <a:shade val="63000"/>
+                <a:satMod val="120000"/>
+              </a:schemeClr>
+            </a:gs>
+          </a:gsLst>
+          <a:lin ang="5400000" scaled="0"/>
+        </a:gradFill>
+      </a:bgFillStyleLst>
+    </a:fmtScheme>
+  </a:themeElements>
+  <a:objectDefaults>
+    <a:lnDef>
+      <a:spPr/>
+      <a:bodyPr/>
+      <a:lstStyle/>
+      <a:style>
+        <a:lnRef idx="2">
+          <a:schemeClr val="accent1"/>
+        </a:lnRef>
+        <a:fillRef idx="0">
+          <a:schemeClr val="accent1"/>
+        </a:fillRef>
+        <a:effectRef idx="1">
+          <a:schemeClr val="accent1"/>
+        </a:effectRef>
+        <a:fontRef idx="minor">
+          <a:schemeClr val="tx1"/>
+        </a:fontRef>
+      </a:style>
+    </a:lnDef>
+  </a:objectDefaults>
+  <a:extraClrSchemeLst/>
+  <a:extLst>
+    <a:ext uri="{05A4C25C-085E-4340-85A3-A5531E510DB2}">
+      <thm15:themeFamily xmlns:thm15="http://schemas.microsoft.com/office/thememl/2012/main" name="Office Theme" id="{2E142A2C-CD16-42D6-873A-C26D2A0506FA}" vid="{1BDDFF52-6CD6-40A5-AB3C-68EB2F1E4D0A}"/>
+    </a:ext>
+  </a:extLst>
+</a:theme>
 </file>
--- a/D3/1. Hypothesis Testing.pptx
+++ b/D3/1. Hypothesis Testing.pptx
@@ -25104,7 +25104,7 @@
               <a:buNone/>
             </a:pPr>
             <a:r>
-              <a:rPr lang="en" sz="1800" b="1" i="0" u="none" strike="noStrike" cap="none">
+              <a:rPr lang="en" sz="1800" b="1" i="0" u="none" strike="noStrike" cap="none" dirty="0">
                 <a:solidFill>
                   <a:srgbClr val="2DC5FA"/>
                 </a:solidFill>
@@ -25115,7 +25115,7 @@
               </a:rPr>
               <a:t>RUNNING EXAMPLE</a:t>
             </a:r>
-            <a:endParaRPr sz="1400" b="1" i="0" u="none" strike="noStrike" cap="none">
+            <a:endParaRPr sz="1400" b="1" i="0" u="none" strike="noStrike" cap="none" dirty="0">
               <a:solidFill>
                 <a:schemeClr val="dk1"/>
               </a:solidFill>
@@ -25143,7 +25143,7 @@
               <a:buFont typeface="Arial"/>
               <a:buNone/>
             </a:pPr>
-            <a:endParaRPr sz="1400" b="1" i="0" u="none" strike="noStrike" cap="none">
+            <a:endParaRPr sz="1400" b="1" i="0" u="none" strike="noStrike" cap="none" dirty="0">
               <a:solidFill>
                 <a:schemeClr val="dk1"/>
               </a:solidFill>
@@ -25172,7 +25172,7 @@
               <a:buChar char="●"/>
             </a:pPr>
             <a:r>
-              <a:rPr lang="en" sz="1400" b="0" i="0" u="none" strike="noStrike" cap="none">
+              <a:rPr lang="en" sz="1400" b="0" i="0" u="none" strike="noStrike" cap="none" dirty="0">
                 <a:solidFill>
                   <a:schemeClr val="dk1"/>
                 </a:solidFill>
@@ -25181,9 +25181,33 @@
                 <a:cs typeface="Roboto"/>
                 <a:sym typeface="Roboto"/>
               </a:rPr>
-              <a:t>Open the class collab. </a:t>
-            </a:r>
-            <a:endParaRPr sz="1400" b="0" i="0" u="none" strike="noStrike" cap="none">
+              <a:t>Open the class </a:t>
+            </a:r>
+            <a:r>
+              <a:rPr lang="en" sz="1400" b="0" i="0" u="none" strike="noStrike" cap="none" dirty="0" err="1">
+                <a:solidFill>
+                  <a:schemeClr val="dk1"/>
+                </a:solidFill>
+                <a:latin typeface="Roboto"/>
+                <a:ea typeface="Roboto"/>
+                <a:cs typeface="Roboto"/>
+                <a:sym typeface="Roboto"/>
+              </a:rPr>
+              <a:t>Jupyter</a:t>
+            </a:r>
+            <a:r>
+              <a:rPr lang="en" sz="1400" b="0" i="0" u="none" strike="noStrike" cap="none" dirty="0">
+                <a:solidFill>
+                  <a:schemeClr val="dk1"/>
+                </a:solidFill>
+                <a:latin typeface="Roboto"/>
+                <a:ea typeface="Roboto"/>
+                <a:cs typeface="Roboto"/>
+                <a:sym typeface="Roboto"/>
+              </a:rPr>
+              <a:t>. </a:t>
+            </a:r>
+            <a:endParaRPr sz="1400" b="0" i="0" u="none" strike="noStrike" cap="none" dirty="0">
               <a:solidFill>
                 <a:schemeClr val="dk1"/>
               </a:solidFill>
@@ -25212,7 +25236,7 @@
               <a:buChar char="●"/>
             </a:pPr>
             <a:r>
-              <a:rPr lang="en" sz="1400" b="0" i="0" u="none" strike="noStrike" cap="none">
+              <a:rPr lang="en" sz="1400" b="0" i="0" u="none" strike="noStrike" cap="none" dirty="0">
                 <a:solidFill>
                   <a:schemeClr val="dk1"/>
                 </a:solidFill>
@@ -25223,7 +25247,7 @@
               </a:rPr>
               <a:t>Let’s assume we have access to only 30 3rd class passengers (say, to get the price paid for the ticket you had to track down their families to send you a copy of the receipt).</a:t>
             </a:r>
-            <a:endParaRPr sz="1400" b="0" i="0" u="none" strike="noStrike" cap="none">
+            <a:endParaRPr sz="1400" b="0" i="0" u="none" strike="noStrike" cap="none" dirty="0">
               <a:solidFill>
                 <a:schemeClr val="dk1"/>
               </a:solidFill>
@@ -25252,7 +25276,7 @@
               <a:buChar char="●"/>
             </a:pPr>
             <a:r>
-              <a:rPr lang="en" sz="1400" b="0" i="0" u="none" strike="noStrike" cap="none">
+              <a:rPr lang="en" sz="1400" b="0" i="0" u="none" strike="noStrike" cap="none" dirty="0">
                 <a:solidFill>
                   <a:schemeClr val="dk1"/>
                 </a:solidFill>
@@ -25263,7 +25287,7 @@
               </a:rPr>
               <a:t>Sample your dataset for 30 entries</a:t>
             </a:r>
-            <a:endParaRPr sz="1400" b="0" i="0" u="none" strike="noStrike" cap="none">
+            <a:endParaRPr sz="1400" b="0" i="0" u="none" strike="noStrike" cap="none" dirty="0">
               <a:solidFill>
                 <a:schemeClr val="dk1"/>
               </a:solidFill>
@@ -25291,7 +25315,7 @@
               <a:buFont typeface="Arial"/>
               <a:buNone/>
             </a:pPr>
-            <a:endParaRPr sz="1400" b="0" i="0" u="none" strike="noStrike" cap="none">
+            <a:endParaRPr sz="1400" b="0" i="0" u="none" strike="noStrike" cap="none" dirty="0">
               <a:solidFill>
                 <a:schemeClr val="dk1"/>
               </a:solidFill>
@@ -28935,7 +28959,7 @@
         </p:blipFill>
         <p:spPr>
           <a:xfrm>
-            <a:off x="54863" y="-19050"/>
+            <a:off x="54863" y="-9582"/>
             <a:ext cx="9089117" cy="5095932"/>
           </a:xfrm>
           <a:prstGeom prst="rect">
@@ -29206,7 +29230,7 @@
                 </a:highlight>
                 <a:latin typeface="Arial" panose="020B0604020202020204" pitchFamily="34" charset="0"/>
               </a:rPr>
-              <a:t>1 = 10</a:t>
+              <a:t>1 = 13</a:t>
             </a:r>
           </a:p>
           <a:p>
@@ -29234,7 +29258,7 @@
                 </a:highlight>
                 <a:latin typeface="Arial" panose="020B0604020202020204" pitchFamily="34" charset="0"/>
               </a:rPr>
-              <a:t>1 = 11</a:t>
+              <a:t>1 = 18</a:t>
             </a:r>
             <a:endParaRPr lang="pt-PT" dirty="0">
               <a:solidFill>
@@ -29271,7 +29295,7 @@
                 </a:highlight>
                 <a:latin typeface="Arial" panose="020B0604020202020204" pitchFamily="34" charset="0"/>
               </a:rPr>
-              <a:t>1 = 11</a:t>
+              <a:t>1 = 19</a:t>
             </a:r>
           </a:p>
           <a:p>
@@ -29299,7 +29323,7 @@
                 </a:highlight>
                 <a:latin typeface="Arial" panose="020B0604020202020204" pitchFamily="34" charset="0"/>
               </a:rPr>
-              <a:t>1 = 13</a:t>
+              <a:t>1 = 5</a:t>
             </a:r>
             <a:endParaRPr lang="pt-PT" dirty="0">
               <a:solidFill>
@@ -29336,7 +29360,7 @@
                 </a:highlight>
                 <a:latin typeface="Arial" panose="020B0604020202020204" pitchFamily="34" charset="0"/>
               </a:rPr>
-              <a:t>1 = 19</a:t>
+              <a:t>1 = 20</a:t>
             </a:r>
           </a:p>
           <a:p>

--- a/D3/1. Hypothesis Testing.pptx
+++ b/D3/1. Hypothesis Testing.pptx
@@ -76,6 +76,127 @@
     </p:ext>
   </p:extLst>
 </p:presentation>
+</file>
+
+<file path=ppt/ink/ink1.xml><?xml version="1.0" encoding="utf-8"?>
+<inkml:ink xmlns:inkml="http://www.w3.org/2003/InkML">
+  <inkml:definitions>
+    <inkml:context xml:id="ctx0">
+      <inkml:inkSource xml:id="inkSrc0">
+        <inkml:traceFormat>
+          <inkml:channel name="X" type="integer" min="-2.14748E9" max="2.14748E9" units="cm"/>
+          <inkml:channel name="Y" type="integer" min="-2.14748E9" max="2.14748E9" units="cm"/>
+          <inkml:channel name="F" type="integer" max="32767" units="dev"/>
+        </inkml:traceFormat>
+        <inkml:channelProperties>
+          <inkml:channelProperty channel="X" name="resolution" value="1000" units="1/cm"/>
+          <inkml:channelProperty channel="Y" name="resolution" value="1000" units="1/cm"/>
+          <inkml:channelProperty channel="F" name="resolution" value="0" units="1/dev"/>
+        </inkml:channelProperties>
+      </inkml:inkSource>
+      <inkml:timestamp xml:id="ts0" timeString="2024-05-22T07:28:26.448"/>
+    </inkml:context>
+    <inkml:brush xml:id="br0">
+      <inkml:brushProperty name="width" value="0.05292" units="cm"/>
+      <inkml:brushProperty name="height" value="0.05292" units="cm"/>
+      <inkml:brushProperty name="color" value="#FF0000"/>
+    </inkml:brush>
+  </inkml:definitions>
+  <inkml:trace contextRef="#ctx0" brushRef="#br0">7779 12418 24575,'5'26'0,"0"0"0,2 4 0,-7 17 0,0-41 0,0 17 0,0-7 0,0-12 0,0 12 0</inkml:trace>
+  <inkml:trace contextRef="#ctx0" brushRef="#br0" timeOffset="15591">7761 12982 24575,'-16'47'0,"5"-6"0,-7-23 0,2-8 0,14 13 0,-21-19 0,19 20 0,-12-15 0,8 1 0,6 14 0,-13-13 0,13 15 0,-6-16 0,-8 13 0,12-11 0,-19 6 0,44-18 0,-15-18 0,28-2 0,-9-5 0,-13-1 0,11 7 0,-13-7 0,0 1 0,14 5 0,-21-5 0,13 15 0,-16-6 0,0-1 0,0 5 0,0-4 0,0 16 0,-16 16 0,13-12 0,-13 19 0,16-13 0,0 0 0,0 21 0,0-17 0,0 35 0,0-35 0,16 25 0,-13-35 0,21 27 0,-14-19 0,7 6 0,9-3 0,-14-13 0,11 6 0,-13-8 0,23 0 0,-11 0 0,3-13 0,-1-5 0,-10-6 0,-1-5 0,-3-1 0,-10 1 0,0-12 0,0 21 0,0 3 0,0 1 0,0 14 0,0-6 0,0 24 0,8 11 0,-6 18 0,6-7 0,7-13 0,-11-9 0,28 17 0,-28-17 0,6 8 0,3-1 0,5-11 0,-7 5 0,13-1 0,-14-14 0,15 14 0,-13-15 0,4 7 0,-8 8 0,1-4 0,1 5 0,-2-9 0,-8-8 0,0 0 0</inkml:trace>
+  <inkml:trace contextRef="#ctx0" brushRef="#br0" timeOffset="30397">7197 12453 24575,'0'-28'0,"0"3"0,0-1 0,0-1 0,0 0 0,0 9 0,0-9 0,0-1 0,0 8 0,-2-18 0,4-4 0,13 3 0,-11-6 0,12 11 0,-16 17 0,0-9 0,0 15 0,0-5 0,0 8 0,0-2 0,0 0 0,0 3 0,0 7 0,8 0 0,25 0 0,-9 0 0,20 0 0,0 0 0,-23 0 0,22 3 0,1 1 0,-21-2 0,20 6 0,-9-8 0,-15 0 0,-1 0 0,-10 0 0,-1 8 0,-5-6 0,6 6 0,-8-8 0,16 0 0,-12 0 0,12 16 0,-16-12 0,7 35 0,-5-2 0,6 10 0,-8-4 0,0-2 0,0-27 0,0 25 0,-8-4 0,6-11 0,-5 15 0,7-21 0,0-6 0,0 11 0,0-13 0,0 15 0,0-5 0,0 5 0,0-15 0,0-2 0,0-8 0,0 0 0,0 0 0</inkml:trace>
+  <inkml:trace contextRef="#ctx0" brushRef="#br0" timeOffset="32064">2417 12876 24575,'-8'-10'0,"6"10"0,-37 18 0,21 1 0,4 5 0,9 11 0,4 1 0,-5-10 0,4-1 0,24 1 0,5-3 0,1 0 0,1-20 0,1-2 0,-5 15 0,9-19 0,-5-10 0,-23-14 0,4 0 0,-5 1 0,-22-6 0,4 7 0,-2 3 0,-12 11 0,-6-7 0,13 10 0,2 8 0,11 0 0,7 0 0</inkml:trace>
+  <inkml:trace contextRef="#ctx0" brushRef="#br0" timeOffset="33701">14270 12929 24575,'40'-14'0,"0"1"0,-1-1 0,-13 6 0,-1 0 0,16-4 0,5-1 0,-11 15 0,-16 27 0,-13 14 0,-13 2 0,-10 6 0,4-4 0,12-12 0,3-3 0,-7 1 0,-14 4 0,-9 4 0,-2-7 0,5-12 0,-4-19 0,-13 2 0,2-2 0,18-5 0,-1-13 0,30-3 0,27 22 0,13-8 0,-12 15 0,0 3 0,4-4 0,1-2 0,-23-39 0,3 7 0,-6-5 0,-3-1 0,-1 9 0,-2-3 0,-8 24 0</inkml:trace>
+  <inkml:trace contextRef="#ctx0" brushRef="#br0" timeOffset="34379">14799 12788 24575,'-38'0'0,"0"0"0,11 13 0,3 5 0,-4 4 0,5 3 0,12 8 0,6 7 0,3 7 0,3 7 0,0-6 0,-2-11 0,2-2 0,3 5 0,2 3 0,0-12 0,-2-13 0,19-11 0,-21-7 0,20-10 0,3-11 0,-15-11 0,-2-6 0,10-2 0,5-3 0,-7 0 0,-15 7 0,-4 1 0,1 0 0,10-10 0,-5 6 0,-26 8 0,13 29 0,0-6 0,2 8 0</inkml:trace>
+  <inkml:trace contextRef="#ctx0" brushRef="#br0" timeOffset="43079">8484 12453 24575,'0'-20'0,"0"-3"0,0 13 0,0 0 0,0-21 0,0 25 0,0-18 0,0-7 0,0-16 0,0-2 0,0 18 0,0 5 0,0 14 0,0-3 0,0 15 0,0-8 0,0-2 0,0-15 0,0 5 0,0 2 0,0 3 0,0 13 0,0-14 0,0-2 0,0 7 0,0-5 0,16 16 0,19 0 0,4 0 0,-9 0 0,-1 0 0,1 0 0,19 0 0,-28 0 0,5 0 0,5 0 0,-17 0 0,13 0 0,3 0 0,-7 0 0,18 0 0,-31 16 0,-2-12 0,-8 19 0,-8 10 0,6-17 0,-6 23 0,8-29 0,0 16 0,-8-7 0,6 7 0,-5 7 0,7-12 0,0 21 0,0-23 0,0 7 0,0-9 0,0 9 0,0-7 0,0-1 0,0-10 0,0 0 0,0-6 0,0 6 0,0-8 0,0 15 0,0-11 0,0 12 0,0-16 0,0 0 0</inkml:trace>
+  <inkml:trace contextRef="#ctx0" brushRef="#br0" timeOffset="46942">7232 11941 24575,'-27'0'0,"9"0"0,-12 1 0,-3-2 0,-4-7 0,-3 7 0,-4 0 0,-2-3 0,0 1 0,11 2 0,1 1 0,1 1 0,-7-1 0,1 0 0,-12-8 0,8 0 0,27 4 0,-17-12 0,25 16 0,8 0 0,0 16 0,0-4 0,-3 14 0,-2 5 0,4 10 0,-7 4 0,8-6 0,0-19 0,0 7 0,0-1 0,0 7 0,0-19 0,8 17 0,-7-6 0,7-3 0,-8 3 0,0-9 0,-8-14 0,7 22 0,-7-13 0,8 7 0,0-2 0,0-14 0,0 6 0</inkml:trace>
+  <inkml:trace contextRef="#ctx0" brushRef="#br0" timeOffset="51911">7267 11941 24575,'0'-28'0,"0"-1"0,0 2 0,0-13 0,0-8 0,0 10 0,0-1 0,0 4 0,0 4 0,0-1 0,0-1 0,-1-4 0,2 5 0,7-9 0,-6 8 0,2 4 0,0-1 0,-4-5 0,16 15 0,-13 5 0,13 7 0,-16 6 0,0-6 0,16 8 0,11 8 0,-5-6 0,25 6 0,-33-8 0,19 0 0,-23 0 0,-2 0 0,7 15 0,-11-11 0,20 12 0,-15-16 0,9 0 0,-8 0 0,21 8 0,-1-6 0,-1 6 0,-5-1 0,-24 11 0,0 2 0,0 5 0,0 8 0,0-3 0,0 13 0,7-16 0,-5 15 0,6-13 0,-8 14 0,0-8 0,0 8 0,0-21 0,0 2 0,0-24 0,0 7 0,0 3 0,0 0 0,0 13 0,0-11 0,0 6 0,0-2 0,0 1 0,8-5 0,-6 4 0,6-9 0,-8 3 0,0 0 0,0-2 0,0 8 0,0-5 0,0 7 0,0-10 0</inkml:trace>
+  <inkml:trace contextRef="#ctx0" brushRef="#br0" timeOffset="56743">4110 12453 24575,'-4'-41'0,"1"0"0,-1 1 0,1-1 0,-1 0 0,1 0 0,-1 3 0,1 1 0,0-1 0,0 1 0,2 10 0,1 16 0,0-23 0,15 23 0,5-5 0,-1 16 0,13 0 0,-13 0 0,1 0 0,4 16 0,-15-12 0,17 11 0,-7-7 0,-1-6 0,13 6 0,-17-8 0,17 3 0,3 2 0,-9-3 0,11 1 0,1 1 0,-6 4 0,4-6 0,-35 37 0,-3-31 0,-10 29 0,2 5 0,9-15 0,-2 6 0,0 1 0,4 1 0,0-8 0,0-9 0,0 6 0,0-20 0,0 11 0</inkml:trace>
+  <inkml:trace contextRef="#ctx0" brushRef="#br0" timeOffset="60177">8484 11941 24575,'8'-28'0,"0"-1"0,-4-6 0,4 10 0,0-1 0,-8-13 0,0 33 0,0-25 0,7 21 0,-5-23 0,6 19 0,-8-17 0,0 13 0,0-2 0,0-5 0,0-1 0,0 7 0,8-30 0,-6 33 0,6-23 0,23 37 0,-15-6 0,16 10 0,1 4 0,-18-4 0,32 6 0,-35-8 0,14 15 0,-17-11 0,15 12 0,-20-16 0,19 0 0,-21 0 0,14 8 0,-14-6 0,6 6 0,-8 0 0,0-7 0,0 15 0,0 2 0,0 1 0,0 23 0,0-21 0,0 28 0,0-35 0,3 18 0,2-1 0,-3-22 0,2 18 0,-1 1 0,-3-8 0,16 7 0,-12-1 0,12-1 0,-16-5 0,0-3 0,0-9 0,0-8 0,0 0 0</inkml:trace>
+  <inkml:trace contextRef="#ctx0" brushRef="#br0" timeOffset="63175">7285 11324 24575,'0'-20'0,"10"-4"0,3-7 0,-3-13 0,-2-8 0,4 5 0,10 7 0,1 0 0,-11-7 0,-4-4 0,-1 6 0,2 14 0,-2 5 0,-7-1 0,23-4 0,9 5 0,13 16 0,-10 5 0,0 2 0,-4 3 0,-5 0 0,-4 0 0,3 0 0,-17 8 0,-8 33 0,-4 2 0,0 2 0,4-9 0,-2 1 0,-4 10 0,-4 6 0,3-8 0,5-16 0,0-1 0,-6 15 0,0-2 0,8-8 0,0-23 0,0-2 0,0 0 0,0-6 0,0 21 0,0-19 0,0 12 0</inkml:trace>
+  <inkml:trace contextRef="#ctx0" brushRef="#br0" timeOffset="67077">7761 11412 24575,'26'8'0,"10"-8"0,2 2 0,-15 10 0,1-1 0,26-8 0,-2-2 0,-17 15 0,11-14 0,-3-4 0,-20 2 0,16 0 0,1 0 0,-7 0 0,9 0 0,3 0 0,-14-16 0,1 12 0,-3-11 0,1 15 0,-7 0 0,-1 0 0,-2 0 0,1 0 0,3 0 0,-3 0 0,-1 0 0,-14 0 0,6 0 0,-8 0 0</inkml:trace>
+  <inkml:trace contextRef="#ctx0" brushRef="#br0" timeOffset="68296">7726 11941 24575,'31'0'0,"1"0"0,10 0 0,6 0 0,-7 0 0,6 0 0,-9-1 0,10-1 0,0-1 0,-10 1 0,-11 2 0,-3-2 0,20-2 0,-1 1 0,4 3 0,-28-16 0,9 12 0,-11-12 0,-1 16 0,-14 0 0,21 0 0,-3 0 0,15 0 0,-15 0 0,-4 0 0,-9 0 0,-5 0 0,6 0 0,-8 0 0,0 0 0</inkml:trace>
+  <inkml:trace contextRef="#ctx0" brushRef="#br0" timeOffset="71482">9013 12082 24575,'49'-5'0,"-1"1"0,1-1 0,0 0 0,-6 1 0,4 0 0,-2 1 0,-2 0 0,-6 1 0,7 2 0,-4 0 0,-3 0 0,1 0 0,-7 0 0,4 0 0,-15 0 0,-4 0 0,-16 16 0,-8 19 0,6 4 0,-2-9 0,0-1 0,4 0 0,0 20 0,0-19 0,0 13 0,0-23 0,0 3 0,0-21 0,8 14 0,-6-14 0,6 6 0</inkml:trace>
+  <inkml:trace contextRef="#ctx0" brushRef="#br0" timeOffset="72582">11853 12047 24575,'0'37'0,"0"5"0,0 1 0,0-12 0,0-2 0,0-1 0,0 1 0,0 6 0,4-2 0,0-1 0,-2 3 0,6-8 0,0-3 0,-6-8 0,6-16 0</inkml:trace>
+  <inkml:trace contextRef="#ctx0" brushRef="#br0" timeOffset="73850">11800 12153 24575,'26'0'0,"1"0"0,-7 0 0,19 0 0,-33-16 0,25 12 0,-13-11 0,2 15 0,13 0 0,-6 0 0,-2 0 0,1 0 0,14 0 0,-14 0 0,-2 0 0,-4 0 0,4 0 0,-15 0 0,17 0 0,-14 0 0,3 0 0,-15 15 0,0-3 0,0 37 0,0-25 0,0 9 0,0-1 0,0-1 0,0-2 0,0 9 0,0-1 0,0-18 0,0-3 0,0-16 0</inkml:trace>
+</inkml:ink>
+</file>
+
+<file path=ppt/ink/ink2.xml><?xml version="1.0" encoding="utf-8"?>
+<inkml:ink xmlns:inkml="http://www.w3.org/2003/InkML">
+  <inkml:definitions>
+    <inkml:context xml:id="ctx0">
+      <inkml:inkSource xml:id="inkSrc0">
+        <inkml:traceFormat>
+          <inkml:channel name="X" type="integer" min="-2.14748E9" max="2.14748E9" units="cm"/>
+          <inkml:channel name="Y" type="integer" min="-2.14748E9" max="2.14748E9" units="cm"/>
+          <inkml:channel name="F" type="integer" max="32767" units="dev"/>
+        </inkml:traceFormat>
+        <inkml:channelProperties>
+          <inkml:channelProperty channel="X" name="resolution" value="1000" units="1/cm"/>
+          <inkml:channelProperty channel="Y" name="resolution" value="1000" units="1/cm"/>
+          <inkml:channelProperty channel="F" name="resolution" value="0" units="1/dev"/>
+        </inkml:channelProperties>
+      </inkml:inkSource>
+      <inkml:timestamp xml:id="ts0" timeString="2024-05-22T07:30:02.040"/>
+    </inkml:context>
+    <inkml:brush xml:id="br0">
+      <inkml:brushProperty name="width" value="0.05292" units="cm"/>
+      <inkml:brushProperty name="height" value="0.05292" units="cm"/>
+      <inkml:brushProperty name="color" value="#FF0000"/>
+    </inkml:brush>
+  </inkml:definitions>
+  <inkml:trace contextRef="#ctx0" brushRef="#br0">7691 12400 24575,'0'45'0,"0"-2"0,0-15 0,0-3 0,0-15 0,0 5 0,0-13 0,0 6 0,0-8 0,0 0 0,0 0 0</inkml:trace>
+  <inkml:trace contextRef="#ctx0" brushRef="#br0" timeOffset="2255">7620 12841 24575,'-14'39'0,"1"0"0,0-7 0,0 1 0,-4 10 0,1-2 0,-6 0 0,5-19 0,1-2 0,6-5 0,10-29 0,26-5 0,3-18 0,-16 16 0,1-1 0,7-5 0,-2 3 0,-6 0 0,13-15 0,-18 37 0,-8-14 0,0-1 0,0 28 0,0-13 0,10 25 0,3 11 0,-7-2 0,18 3 0,-24-12 0,0-21 0,15 6 0,-11-8 0,35-8 0,-25-9 0,11-4 0,-1-1 0,-10-10 0,3 3 0,-3 1 0,-12 7 0,6 3 0,-8 36 0,-4 18 0,0 4 0,2 7 0,-2-9 0,0-3 0,4-10 0,8-5 0,2 5 0,0-15 0,13 14 0,-19-20 0,20 11 0,-14-7 0,15-6 0,-5 14 0,5-14 0,-15 6 0,-2-8 0,-8 0 0,0 0 0</inkml:trace>
+  <inkml:trace contextRef="#ctx0" brushRef="#br0" timeOffset="44060">4604 12488 24575,'0'37'0,"0"-11"0,0-11 0,0-13 0,0 22 0,0-20 0,0 12 0</inkml:trace>
+  <inkml:trace contextRef="#ctx0" brushRef="#br0" timeOffset="45280">4357 13000 24575,'25'-10'0,"11"-14"0,-7 20 0,12 4 0,-29 4 0,11 12 0,-21-8 0,30 2 0,-26 23 0,17-12 0,-31 11 0,-7 1 0,1 0 0,-6-6 0,-1-3 0,1-6 0,-5-10 0,15-8 0,-14 0 0,20 0 0,-11 0 0</inkml:trace>
+  <inkml:trace contextRef="#ctx0" brushRef="#br0" timeOffset="45701">4392 13158 24575,'10'0'0,"13"0"0,-19 0 0,19 11 0,1 2 0,-16-7 0,14 10 0,3-1 0,3-13 0,1 6 0,4 0 0,-23-6 0,14 6 0,-13-8 0,7 0 0,-2 0 0,-14 0 0,6 0 0,-8 0 0</inkml:trace>
+  <inkml:trace contextRef="#ctx0" brushRef="#br0" timeOffset="47319">4815 13070 24575,'10'-8'0,"-2"6"0,23-21 0,-15 19 0,25-12 0,-15 40 0,-7 13 0,-11-6 0,-6 1 0,-12 15 0,-9-6 0,-30-31 0,33-2 0,-31-8 0,12-8 0,-4-2 0,3 0 0,13-13 0,21 11 0,-14-14 0,14 17 0,2-15 0,26 12 0,3-13 0,14 16 0,13 4 0,-10 1 0,-1-6 0,-3 7 0,8 0 0,-16 2 0,-25 1 0,17 0 0,-14-16 0,11 12 0,-21-12 0,6 16 0</inkml:trace>
+  <inkml:trace contextRef="#ctx0" brushRef="#br0" timeOffset="49459">4022 13141 24575,'37'0'0,"-5"0"0,1 0 0,0 0 0,10 0 0,-27 0 0,-16 0 0,0 0 0</inkml:trace>
+  <inkml:trace contextRef="#ctx0" brushRef="#br0" timeOffset="51026">11201 12488 24575,'8'49'0,"-1"0"0,-3-14 0,4 5 0,0-1 0</inkml:trace>
+  <inkml:trace contextRef="#ctx0" brushRef="#br0" timeOffset="52610">11095 13105 24575,'33'-13'0,"0"-1"0,-5-4 0,17 18 0,-4 8 0,-31 4 0,14 19 0,-1 10 0,-17 8 0,-10 2 0,-3-10 0,-4 1 0,-2-3 0,-5 10 0,-6-8 0,-13-12 0,-4-11 0,-6-18 0,21-7 0,3-2 0,3 6 0,3-21 0,17-9 0,25 17 0,13-15 0,-1 31 0,12 0 0,-12 23 0,8-9 0,-23 3 0,-1-1 0,14-6 0,1-2 0,-1-8 0,0 0 0,-7 0 0,5 0 0,-6-8 0,-7-2 0,-4 0 0,-16 3 0</inkml:trace>
+  <inkml:trace contextRef="#ctx0" brushRef="#br0" timeOffset="53859">11624 13211 24575,'18'-27'0,"-9"9"0,15 3 0,-4 13 0,15-6 0,-8 8 0,-9 0 0,3 27 0,-3 8 0,-10-3 0,11 13 0,-7 0 0,-27-16 0,3 5 0,-14-9 0,9-5 0,-24 5 0,6-18 0,-1-4 0,-9-3 0,-5-9 0,6-7 0,26-14 0,-4 7 0,3-5 0,18-17 0,10-2 0,3 14 0,3 1 0,1-13 0,6 6 0,16 22 0,6 9 0,-6-1 0,0 2 0,8 3 0,-1-2 0,-13-6 0,-4-1 0,-2 1 0,-18-4 0,-8 16 0</inkml:trace>
+  <inkml:trace contextRef="#ctx0" brushRef="#br0" timeOffset="59309">4763 11289 24575,'-3'38'0,"0"1"0,1-1 0,1 5 0,0-3 0,-3-8 0,0-6 0,4-8 0,0-2 0,0-14 0,0 21 0,0-19 0,0 20 0,0-22 0,0 13 0,0-21 0,8-19 0,-6-14 0,6 1 0,-8 7 0,0 21 0,7 1 0,-5 1 0,6 0 0,8 6 0,3 2 0,6 0 0,1 2 0,6 6 0,-3-8 0,-1 0 0,-7 0 0,20 0 0,-13 0 0,7 0 0,-8 0 0,-9 0 0,7 0 0,5 0 0,1-1 0,5 1 0,3 1 0,6 0 0,4 1 0,2 1 0,0-1 0,-2-2 0,0 0 0,0 1 0,0-1 0,-2 2 0,1 0 0,-2 0 0,-5 0 0,6 2 0,-6 0 0,-8-3 0,-1 0 0,2 3 0,0 0 0,4-4 0,1 0 0,-5 0 0,1 0 0,0 0 0,9 0 0,0 0 0,-7 0 0,1 0 0,-1 0 0,5 0 0,2 0 0,-5 0 0,6 0 0,-1 0 0,-7 0 0,-6 0 0,0 0 0,10 0 0,5 0 0,-5 0 0,-8 0 0,-4 0 0,0 0 0,1 0 0,6 0 0,4 1 0,-2-2 0,1-3 0,0 0 0,3 3 0,4 1 0,-4-1 0,-3-2 0,-2-2 0,12 1 0,0 0 0,-12 4 0,-1-1 0,5-4 0,0 2 0,-4 2 0,-4 2 0,11-1 0,5 0 0,-15 0 0,2 0 0,2 0 0,1 0 0,7 0 0,2 0 0,-5 0 0,0 0 0,-6 0 0,0 0 0,10 0 0,0 0 0,-11 0 0,1 0 0,0 0 0,3 0 0,1 0 0,3 0 0,2 0 0,-1 0 0,-4 0 0,0 0 0,0 0 0,2 0 0,0 0 0,-3 0 0,-1 0 0,0 0 0,-3 0 0,1 0 0,2 0 0,2 0 0,1 0 0,2 0 0,0 0 0,3 0 0,0 0 0,-3 0 0,4 0 0,-2 0 0,2 0 0,-9 0 0,1 0 0,0 0 0,1 0 0,2 0 0,0 0 0,0 0 0,-1 0 0,-4 0 0,0 0 0,0 0 0,1 0 0,5 0 0,2 0 0,-1 0 0,-6 0 0,2 0 0,0 0 0,-2 0 0,5 0 0,-2 0 0,-10 0 0,3 0 0,7 0 0,9 0 0,-8 0 0,2 0 0,-6 0 0,-10 0 0,-1 0 0,1 0 0,-3 0 0,-1 0 0,5 0 0,19 0 0,-28 0 0,12 0 0,-7 0 0,-14-32 0,3 24 0,-9-18 0,-4-2 0,0 14 0,6-19 0,-8 23 0,0 33 0,0 1 0,1 11 0,-2 4 0,-3-10 0,0-1 0,4 7 0,-2 1 0,-10-5 0,1-2 0,7 9 0,-12-5 0,16-23 0,0 13 0,0-19 0,0 12 0</inkml:trace>
+  <inkml:trace contextRef="#ctx0" brushRef="#br0" timeOffset="61826">10072 10830 24575,'0'-10'0,"-8"-5"0,-25-3 0,-7-10 0,-5 14 0,-2 1 0,20 3 0,1 2 0,-4 3 0,2 3 0,4 2 0,0 16 0,-1 7 0,7-4 0,1 3 0,-15 15 0,5 4 0,17-9 0,10-1 0,13 2 0,8-5 0,1-11 0,5-5 0,6 3 0,4-6 0,6-18 0,-2-6 0,-10 9 0,-3-2 0,0-8 0,-3-1 0,6 0 0,-29-17 0,6 13 0,-8-5 0,0 52 0,0 11 0,0-19 0,0 12 0,0 10 0,0-9 0,0-7 0,0 5 0,0 1 0,0-1 0,0 12 0,0-21 0,0 5 0,-8-15 0,6 6 0,-5-14 0,7 6 0,0-8 0</inkml:trace>
+  <inkml:trace contextRef="#ctx0" brushRef="#br0" timeOffset="64510">10672 10883 24575,'-37'-5'0,"1"0"0,-3 1 0,2 0 0,-10 4 0,1 0 0,1 0 0,0 0 0,-1 0 0,2 0 0,21 0 0,-9 0 0,32 0 0,8 8 0,18 25 0,-13-1 0,4-6 0,-2-1 0,-13-6 0,13 5 0,-13-22 0,22 14 0,-12-15 0,13 23 0,1-4 0,-15 15 0,5-16 0,-16-26 0,16-23 0,-5 1 0,7 5 0,6 24 0,-21 0 0,21 0 0,-22 0 0,14 16 0,1-4 0,-5 5 0,19 15 0,-11-11 0,0 7 0,-5 3 0,-15-11 0,-15 23 0,3-6 0,-10-15 0,-5-1 0,0 6 0,-1-3 0,4-11 0,-1-2 0,-6 7 0,5-5 0,14-13 0,-19 0 0,11 0 0,1 0 0,3 0 0,16 0 0,0 0 0</inkml:trace>
+  <inkml:trace contextRef="#ctx0" brushRef="#br0" timeOffset="65396">10936 10936 24575,'0'29'0,"0"1"0,-10-3 0,-3 2 0,2 5 0,0 7 0,0 0 0,-1-8 0,-5-3 0,0-3 0,2 8 0,0 4 0,6-11 0,9-12 0,0-12 0,0 11 0</inkml:trace>
+  <inkml:trace contextRef="#ctx0" brushRef="#br0" timeOffset="65980">10742 11059 24575,'10'20'0,"-2"-4"0</inkml:trace>
+  <inkml:trace contextRef="#ctx0" brushRef="#br0" timeOffset="66733">11060 11200 24575,'0'0'0</inkml:trace>
+  <inkml:trace contextRef="#ctx0" brushRef="#br0" timeOffset="108856">16016 12453 24575,'33'-30'0,"-3"30"0,-3 14 0,5 19 0,-29 0 0,-2-1 0,14-2 0,-21 13 0,-11 2 0,1-20 0,-6-3 0,-5-5 0,-7-1 0,1-2 0,-8 6 0,-4-7 0,0-17 0,-3-9 0,6-1 0,9-1 0,3-4 0,-6-8 0,8-6 0,20 0 0,8-1 0,2 6 0,4-1 0,5-6 0,3 0 0,-3-1 0,7 3 0,12 12 0,11 4 0,2 0 0,-4 1 0,-5 0 0,-2 0 0,4-1 0,4 3 0,6-2 0,3 0 0,-2 2 0,-3 2 0,5 0 0,-3 3 0,-2-1 0,-9-2 0,-1-1 0,-1 2 0,13 1 0,-14 5 0,-28 5 0,12 0 0</inkml:trace>
+  <inkml:trace contextRef="#ctx0" brushRef="#br0" timeOffset="109578">16492 12612 24575,'47'-13'0,"0"1"0,0-1 0,-6 0 0,-3 1 0,4 3 0,-14 2 0,-26 5 0,6-6 0</inkml:trace>
+  <inkml:trace contextRef="#ctx0" brushRef="#br0" timeOffset="110342">16545 12859 24575,'33'0'0,"-1"0"0,-6 0 0,1 0 0,7-4 0,2 0 0,2 4 0,-3-2 0,6-14 0,-14 15 0,-1 0 0,-1-7 0,-17 8 0</inkml:trace>
+  <inkml:trace contextRef="#ctx0" brushRef="#br0" timeOffset="111707">17709 12047 24575,'-17'-10'0,"-9"2"0,2 7 0,-3 2 0,-8 9 0,-2 4 0,4-1 0,0 2 0,1 2 0,-7 9 0,3 5 0,7 5 0,0 7 0,5-6 0,7-13 0,3 1 0,-4 9 0,0 7 0,5-5 0,6-7 0,2-1 0,-3 4 0,-1 4 0,2 0 0,5 0 0,2 1 0,0-2 0,0 8 0,0-2 0,-1-8 0,4-7 0,21-10 0,3-15 0,5-2 0,-2 1 0,1 0 0,0 0 0,0 0 0,2-2 0,-3-4 0,1-20 0,7 5 0,-15-13 0,-31-7 0,6 10 0,-21-4 0,19 11 0,-43 22 0,31-6 0,-25 8 0,-8-8 0,31 6 0,-10 2 0,1 0 0,16 2 0,-7 6 0,10 0 0,16-6 0,-6 6 0,6-8 0</inkml:trace>
+  <inkml:trace contextRef="#ctx0" brushRef="#br0" timeOffset="112458">17762 12224 24575,'5'28'0,"0"0"0,3 8 0,-7-2 0,-1 8 0,-1-5 0,1-9 0,0-1 0,-1 14 0,2 2 0,7 5 0,0-5 0,-4-4 0,3-6 0,1-2 0,0 1 0,-6-26 0,6 25 0,-8-29 0,0 6 0</inkml:trace>
+  <inkml:trace contextRef="#ctx0" brushRef="#br0" timeOffset="113604">17903 12418 24575,'-15'27'0,"-13"14"0,-17-27 0,8 9 0,12-15 0,25 2 0,2 0 0,13-2 0,-13-1 0,30 19 0,-7 7 0,2 3 0,3-10 0,-1 0 0,2 13 0,-1-3 0,11-9 0,-29-1 0,4-16 0,-16-2 0</inkml:trace>
+  <inkml:trace contextRef="#ctx0" brushRef="#br0" timeOffset="115343">18344 12682 24575,'-15'-27'0,"-5"9"0,1 10 0,-28 8 0,15 0 0,-13 8 0,20-6 0,17 29 0,8-1 0,0-1 0,5 6 0,5 1 0,18-1 0,-4 0 0,5-1 0,5-17 0,2-7 0,-3-7 0,-1-6 0,-3-8 0,-5-5 0,1-22 0,-17-5 0,-16 24 0,6 3 0,2 16 0,2 39 0,14-6 0,-10-1 0,-1 7 0,2-2 0,6 6 0,1 0 0,-6-7 0,-2 0 0,0-2 0,3 2 0,-3-1 0,-5 3 0,-2-2 0,1 6 0,1-13 0,-2 0 0,-6 7 0,-9-10 0,-2-1 0,3-2 0,-14-5 0,-5-5 0,7-10 0,-1-6 0,-19-2 0,-4-5 0,15 0 0,-1-1 0,2-4 0,3-3 0,1-3 0,4-2 0,-5-8 0,11-3 0,23-5 0,12 2 0,4 15 0,5 4 0,12-1 0,1 5 0,1 6 0,-14 8 0,-23 0 0</inkml:trace>
+  <inkml:trace contextRef="#ctx0" brushRef="#br0" timeOffset="134734">21467 11271 24575,'-14'37'0,"1"0"0,0 1 0,-1-1 0,-1 3 0,-2 0 0,-1 1 0,-1-2 0,-1 1 0,0 0 0,-1 0 0,1-3-820,-1 3 1,0-1 0,0-2 0,1-4-179,-9 12 0,0-9 2585,-13-9-1587,29-46 427,24-21 0,9-9-427,-10 4 0,2-4 0,5 9 0,7-4 0,-1 1 0,-7 6 0,-9 4 0,0 3 0,9-4 0,-1 1 0,-13-6 2832,6 33-2832,-8-25 0,0 52 0,16 25 0,-12-15 0,-1 6 0,1 0 0,3 5 0,2 1 0,1 0 0,1-3 0,0-1 0,0-1 0,-1 13 0,2-8 0,21-5 0,-8-15 0,3-23 0,5-9 0,8-5 0,-4 0 0,5-3 0,1-2 0,-2 0 0,-2 0 0,-2-2 0,1-1 0,-1-2 0,-4 1 0,1-2 0,0-1 0,-4-2 0,-4 0 0,2-12 0,-6-3 0,-8 3 0,-7 0 0,-6 2 0,0 2 0,-2 7 0,1 13 0,0 22 0,-7 20 0,-7 13 0,4 0 0,5 0 0,2 4 0,-2 0 0,-3 8 0,1 3 0,0-1 0,3-7 0,2-2 0,3-5 0,0 4 0,-2 4 0,0 4 0,1 1 0,2-2 0,2-7 0,2 0 0,1-2 0,-1-4 0,1 13 0,0-4 0,0-8 0,2 0 0,0-10 0,7-12 0,-14-14 0,6 6 0</inkml:trace>
+  <inkml:trace contextRef="#ctx0" brushRef="#br0" timeOffset="136100">22348 12224 24575,'-15'-20'0,"3"4"0,-13 32 0,15-4 0,2 13 0,8 16 0,8-17 0,-4 5 0,2-1 0,3-15 0,23 11 0,-26-24 0,25 0 0,-21 0 0,15 0 0,3 23 0,7-1 0,-15 21 0,-5-15 0,-38-10 0,-9-3 0,11-3 0,-6-3 0,-3-3 0,-4-8 0,5-4 0,16 4 0,-22-5 0,7-1 0,26 6 0,-6-6 0</inkml:trace>
+  <inkml:trace contextRef="#ctx0" brushRef="#br0" timeOffset="136825">22437 11994 24575,'27'0'0,"1"0"0,0 1 0,2-2 0,16-6 0,0-1 0,-13 6 0,-1 0 0,8-7 0,-3 2 0,-6 7 0,-29 0 0,6 0 0,-8 0 0</inkml:trace>
+  <inkml:trace contextRef="#ctx0" brushRef="#br0" timeOffset="137624">22613 12118 24575,'33'6'0,"1"1"0,-1-1 0,11 3 0,0-2 0,7-4 0,-4-6 0,-18-5 0,-7 0 0,-6 4 0,-16-11 0</inkml:trace>
+  <inkml:trace contextRef="#ctx0" brushRef="#br0" timeOffset="138799">22931 11483 24575,'46'-2'0,"0"0"0,0 0 0,0 0 0,-4-2 0,0-1 0,-1 1 0,-4-1 0,0 1 0,-3 1 0,-3-2 0,11-6 0,-13 7 0,-27 19 0,21 5 0,-19 7 0,1 11 0,2 12 0,-3-2 0,-3-13 0,-2-1 0,1 4 0,0 0 0,0 5 0,0 1 0,0-1 0,0-5 0,0 5 0,0-4 0,0-1 0,0 1 0,0-1 0,0-5 0,0 6 0,0 0 0,0-21 0,0-7 0,0 5 0,0-8 0,0-6 0,0 6 0</inkml:trace>
+  <inkml:trace contextRef="#ctx0" brushRef="#br0" timeOffset="139506">23301 12029 24575,'25'-4'0,"1"-1"0,21-11 0,-1 14 0,0 2 0,-1-8 0,1 7 0,-4 2 0,-18-1 0,9 0 0,-25 0 0</inkml:trace>
+  <inkml:trace contextRef="#ctx0" brushRef="#br0" timeOffset="141416">23724 11712 24575,'0'-26'0,"0"15"0,16-36 0,11 31 0,-13-5 0,2 1 0,33 10 0,-12 10 0,-11 3 0,1 4 0,-5 5 0,1 1 0,8 1 0,-3 0 0,-5 5 0,9-3 0,-25 24 0,-6 6 0,0-20 0,0 1 0,1 14 0,2 7 0,-3-4 0,-3-1 0,-3-5 0,-4-9 0,0-1 0,0 6 0,-2-4 0,-14-8 0,9 2 0,-2 1 0,-7-6 0,-2-1 0,6 1 0,0-1 0,-8-3 0,2-4 0,7-3 0,2-8 0,-13-8 0,17-10 0,-11-9 0,17-16 0,16-2 0,9 15 0,27 7 0,-13 23 0,2 0 0,-5 10 0,-1 3 0,1 1 0,4 9 0,2 3 0,-6-7 0,-5-1 0,1 12 0,-1-12 0,1-5 0,-5-11 0,1 6 0,3-8 0,-5 0 0,9-8 0,-7 6 0,11-22 0,-27 13 0,12-7 0,-16 10 0,0 8 0,0 0 0,0 0 0</inkml:trace>
+  <inkml:trace contextRef="#ctx0" brushRef="#br0" timeOffset="149784">6174 12329 24575,'-10'24'0,"0"-1"0,-6 11 0,16-26 0,0 7 0,16-11 0,-12-4 0,12-19 0,-16-17 0,0 1 0,0 15 0,0-3 0,7 21 0,-5-22 0,14 20 0,-6-11 0,15 15 0,3 0 0,-9 15 0,13-11 0,-28 20 0,11 9 0,-15-9 0,0 17 0,0-16 0,0-5 0,8-2 0,-6-3 0,6-13 0,-8 22 0,0-20 0,0 11 0,0-15 0</inkml:trace>
+  <inkml:trace contextRef="#ctx0" brushRef="#br0" timeOffset="208876">12100 4409 24575,'4'49'0,"0"0"0,-10-8 0,-5 2 0,-1 3 0,2-6 0,-1 3 0,0 2 0,-1-2 0,1-3 0,-3 9 0,0-4 0,-3-1-850,-8 0 0,-3 0 1,10-11 849,14-7 812,-19 15-812,21-18 420,-6 3-420,31-59 0,-5 2 0,2-5 0,3-1 0,4 4 0,3 0 0,1 0 0,-3 0 0,-2-5 0,-3 1 0,2 1 0,7 0 0,2 3 0,-13 6 0,-19 5 1317,5-27-1317,-7 27 0,0-5 0,0-2 0,0-3 0,0-3 0,0 4 0,-3 51 0,-1 11 0,2-2 0,-1 12 0,0 12 0,1-6 0,1-14 0,2 1 0,-1 2 0,0 6 0,0 0 0,0-9 0,0 8 0,1-7 0,1 5 0,3-8 0,4-8 0,1 18 0,22-31 0,-27-2 0,27 8 0,1-36 0,6 14 0,-1-21 0,-15-12 0,-7-1 0,-12 9 0,7-2 0,5-6 0,-4 5 0,-6-7 0,6 4 0,-1-1 0,-11-9 0,0 2 0,0-4 0,0 20 0,0 2 0,0-5 0,0 52 0,0 11 0,0-1 0,0 15 0,0 4 0,0-22 0,0 0 0,0 11 0,0-1 0,0 12 0,-3-9 0,-2 4 0,4-10 0,1 1 0,-1 0 0,1 4 0,-1 1 0,2 1 0,3 6 0,2 2 0,2-4 0,5 3 0,2-4 0,-6-4 0,1-6 0,6-6 0,-8-3 0,-6 1 0,13-14 0,-13 3 0,6-15 0</inkml:trace>
+  <inkml:trace contextRef="#ctx0" brushRef="#br0" timeOffset="210825">12859 4992 24575,'49'0'0,"-20"0"0,-3 0 0,-7 0 0,17 0 0,-9 0 0,-2 0 0,-15 0 0,-2 0 0,-8 0 0,0 0 0</inkml:trace>
+  <inkml:trace contextRef="#ctx0" brushRef="#br0" timeOffset="211604">12841 5203 24575,'29'0'0,"-1"0"0,22 0 0,-4 0 0,-17 0 0,-1 0 0,1 0 0,10 0 0,-31 0 0,31-15 0,-37 11 0,6-12 0,-8 16 0</inkml:trace>
+  <inkml:trace contextRef="#ctx0" brushRef="#br0" timeOffset="217609">13476 4409 24575,'-18'-9'0,"-23"1"0,18 8 0,-26 0 0,37 0 0,-4 0 0,9 0 0,5 0 0,-14 0 0,14 0 0,-6 31 0,8-15 0,4 12 0,0 1 0,-2-8 0,6 20 0,-8-29 0,0 20 0,0-29 0,0 37 0,0-34 0,0 25 0,0-6 0,0-3 0,0 11 0,0 1 0,0 3 0,-1-3 0,2 0 0,7 0 0,-7-7 0,0 1 0,6 7 0,-7-12 0,0 24 0,0-27 0,0 7 0,0 7 0,0 9 0,0-12 0,0-2 0,0-1 0,0 1 0,0-1 0,0 3 0,0-11 0,0-1 0,0 5 0,0-6 0,0 1 0,0-1 0,0-2 0,0-14 0,0 21 0,0-11 0,16 13 0,-12 9 0,12-13 0,-9 5 0,-5-19 0,14-7 0,-6 0 0,15 0 0,-5 0 0,5 0 0,-15 0 0,14 0 0,-20 0 0,19 0 0,-21 0 0,6 0 0,-8 0 0,0-7 0,8 5 0,-6-6 0,6 8 0,-8 0 0,0 0 0</inkml:trace>
+  <inkml:trace contextRef="#ctx0" brushRef="#br0" timeOffset="233492">14693 4939 24575,'0'0'0</inkml:trace>
+  <inkml:trace contextRef="#ctx0" brushRef="#br0" timeOffset="234184">14693 5309 24575,'0'0'0</inkml:trace>
+  <inkml:trace contextRef="#ctx0" brushRef="#br0" timeOffset="299741">13741 4621 24575,'-16'10'0,"12"13"0,-12-19 0,1 28 0,11-13 0,-28 9 0,22-2 0,1 5 0,-12 7 0,-1 4 0,6 4 0,2 2 0,1 0 0,1 0 0,4-4 0,0-4 0,0-11 0,-1-1 0,-1 15 0,0-2 0,-8 1 0,13-4 0,2-4 0,3-18 0,0 13 0,0-3 0,0-20 0,8 25 0,-6-29 0,6 6 0,16-8 0,5-8 0,9-10 0,0-5 0,-16 7 0,0-2 0,13-7 0,-6-1 0,-17 1 0,4-1 0,-16 7 0,0-7 0,-16 1 0,4 13 0,-29-3 0,20 15 0,-5 0 0,3-8 0,19 6 0,-12-6 0,16 8 0,0 0 0</inkml:trace>
+  <inkml:trace contextRef="#ctx0" brushRef="#br0" timeOffset="301135">14111 4921 24575,'-29'37'0,"-1"-5"0,5 1 0,17 0 0,-8-5 0,-7 3 0,7 0 0,12 3 0,2-1 0,-10 4 0,1-1 0,11 7 0,15-20 0,-11-21 0,12 6 0,-8-8 0,17 0 0,5-8 0,-3 6 0,5-21 0,-21 11 0,7-14 0,-2 1 0,-7-2 0,1 7 0,-2-19 0,-8 17 0,0-21 0,0 23 0,0 5 0,0 7 0,-8-2 0,-2 0 0,1-13 0,-7 19 0,-2-27 0,7 27 0,-5-28 0,16 28 0,0-11 0</inkml:trace>
+  <inkml:trace contextRef="#ctx0" brushRef="#br0" timeOffset="304633">15222 4850 24575,'47'12'0,"0"0"0,-7 6 0,-3 1 0,-4-4 0,-3 2 0,-7 1 0,-7 3 0,-14 20 0,-2-8 0,-2 1 0,-6-1 0,-25 4 0,7-8 0,-1 1 0,-2 2 0,1-1 0,4-7 0,3 1 0,6 9 0,6-4 0,9-16 0,0 17 0,0-29 0,8 6 0,10-8 0,9-16 0,-15-11 0,-7 1 0,-4-1 0,-11-12 0,0 11 0,-3-1 0,-4-1 0,-2-1 0,0 2 0,-1 0 0,1-2 0,3 1 0,6 6 0,4-1 0,4-6 0,4 1 0,6-5 0,-6-12 0,6 47 0</inkml:trace>
+  <inkml:trace contextRef="#ctx0" brushRef="#br0" timeOffset="305467">15875 4762 24575,'0'36'0,"0"-1"0,-4 0 0,-3 5 0,0-1 0,1-4 0,4-2 0,-1 0 0,-8 17 0,-1 5 0,11-17 0,25-22 0,13 16 0,-7-34 0,3-4 0,14 4 0,-14-6 0,-25 8 0</inkml:trace>
+  <inkml:trace contextRef="#ctx0" brushRef="#br0" timeOffset="305957">16122 4850 24575,'0'39'0,"0"0"0,0-1 0,-2 5 0,-1 0 0,0 0 0,2-1 0,2 0 0,-3 0 0,-3 5 0,-1 0 0,1 0 0,4-4 0,1-1 0,0-2 0,-5 12 0,2-6 0,2-17 0,2-5 0,-1 0 0</inkml:trace>
+  <inkml:trace contextRef="#ctx0" brushRef="#br0" timeOffset="306962">16228 4692 24575,'32'0'0,"0"0"0,2 0 0,-1 0 0,-5 0 0,-3 0 0,6 0 0,-13 29 0,-5 19 0,-4 0 0,-9-12 0,-3-1 0,0 4 0,2 6 0,1 5 0,0 2 0,-1 1 0,-3-12 0,-1 2 0,-1 1 0,1 0 0,1-1 0,2-1 0,4 2 0,2-2 0,1 1 0,0-1 0,-1 0 0,-2 1 0,-2 0 0,0 0 0,2-1 0,2-3 0,6 13 0,2-4 0,1-11 0,3-10 0,-26-4 0,-12-4 0,-23-14 0,-4-4 0,23 10 0,-1-1 0,-59-18 0,86 8 0,-8 0 0,6 0 0,-6 0 0</inkml:trace>
+  <inkml:trace contextRef="#ctx0" brushRef="#br0" timeOffset="375843">4745 10371 24575,'10'16'0,"5"-4"0,-13 5 0,6 31 0,-8-39 0,0 38 0,0-53 0,0 5 0,0-33 0,0 5 0,14 0 0,3-1 0,7-9 0,11 4 0,-19 19 0,-16 8 0,-7 31 0,-2 15 0,3-12 0,1 3 0,-5 18 0,2 4 0,3-7 0,2-4 0,3-1 0,0-6 0,0-25 0,0-8 0</inkml:trace>
+  <inkml:trace contextRef="#ctx0" brushRef="#br0" timeOffset="379111">4974 10530 24575,'33'0'0,"-1"0"0,-11-8 0,18 8 0,-7-2 0,-28-5 0,35 7 0,-25 0 0,19 0 0,-23 0 0,13 0 0,16 0 0,5 0 0,-9 0 0,4 0 0,1 0 0,5 0 0,2 0 0,-4 0 0,-6 0 0,-2 0 0,0 0 0,5 0 0,1 0 0,0 0 0,2 0 0,-1 0 0,-4 0 0,-6 0 0,1 0 0,12 0 0,7 0 0,-2 0 0,-12 0 0,-1 0 0,0 0 0,0 0 0,0 0 0,1 0 0,5 0 0,2 0 0,-2 0 0,-7-3 0,0 0 0,0 1 0,3 1 0,2 1 0,-2-1 0,12-3 0,-4 0 0,-7 3 0,-5 2 0,-6-1 0,9-4 0,10-1 0,-7-2 0,-16 1 0,-1 0 0,11 2 0,8-1 0,0 1 0,-11 0 0,4-4 0,-2 7 0,-4 2 0,-18-1 0,12 0 0,9 0 0,-10 0 0,10 0 0,-1 0 0,-16 0 0,13-3 0,-3-2 0,-21 3 0,27-6 0,-30 8 0,13 0 0,-13 0 0,30 0 0,-18 0 0,11 0 0,-1 0 0,-13 0 0,7 0 0,-10-8 0,-8-9 0,0-26 0,0 4 0,0 13 0,0 1 0,0-3 0,0 65 0,0 8 0,0 3 0,0 0 0,-1-19 0,2-3 0,7 16 0,-6-33 0,5-1 0,-7-8 0</inkml:trace>
+  <inkml:trace contextRef="#ctx0" brushRef="#br0" timeOffset="381635">4745 10513 24575,'-47'1'0,"0"1"0,0-1 0,0 1 0,0 0 0,0-1 0,5 0 0,-2 0 0,-4 0 0,-1 0 0,-1 0 0,0 0 0,0-1 0,2 1 0,3-1 0,3 1 0,4-1-521,-6 0 0,6 0 1,3 0-1,-3 0 0,-9 0 521,11 0 0,-6 0 0,-3 0 0,-4 0 0,-2 0 0,-1 0 0,-2 0 0,0 0 0,1 0 0,0 0 0,3 0 0,3 0 0,3 0 0,4 0-220,-12 0 1,6 0-1,4 0 1,0 0 0,-2 0-1,-5 0 220,5 0 0,-4 0 0,-3-1 0,-2 1 0,-1 0 0,1-1 0,0 1 0,3 1 0,2-1 0,5 1 0,-5 1 0,4 0 0,2 1 0,2 0 0,1 0 0,1 0 85,-9 0 1,2-1-1,2 1 1,1 1-86,-2 1 0,2 1 0,5 0 0,2 3 0,5-2 0,-11-5 594,15 1 0,-1 2-594,2 3 0,1-1 1732,-13-3-1732,-8 12 659,17-16-659,13 8 0,15-6 0,-8 6 0,-10-48 0,7 7 0,-3-1 0,4 0 0,16-4 0,-1 63 0,0 19 0,0 1 0,1 4 0,2-7 0,1 3 0,-2-3 0,-6 9 0,0-12 0,7-21 0,-8-18 0,-24-57 0,21 31 0,0-1 0,-9-5 0,1 2 0,11-2 0,0 32 0</inkml:trace>
+  <inkml:trace contextRef="#ctx0" brushRef="#br0" timeOffset="384085">11024 9313 24575,'0'40'0,"0"0"0,0-7 0,0-3 0,0 13 0,4-64 0,0-11 0,-2 15 0,1-15 0,0-9 0,-1 10 0,-2 15 0,0-15 0,0 78 0,0-28 0,0 30 0,0-41 0,0-8 0</inkml:trace>
+  <inkml:trace contextRef="#ctx0" brushRef="#br0" timeOffset="385925">11024 9384 24575,'-43'11'0,"-1"0"0,0 0 0,5-2 0,-3 0 0,-2 0 0,3 0 0,3 0 0,0 2 0,3-1 0,-4 0 0,-8 1 0,-8 1 0,4-2 0,12-3 0,2-5 0,0 4 0,-8 4 0,8-3 0,-3-3 0,7 0 0,-11 0 0,-6 2 0,2-1 0,8 0 0,5-2 0,5 0 0,-5 0-656,-5 0 1,-6-2-1,-1 1 1,2 0 0,7 0-883,-1 2 0,2 0 1925,-10-3 0,-5-2 0,6 1-387,11-1 0,1 2 386,-6 3 1,-5 2-1,-3 0-386,5-3 0,-1-1 0,-3 1 0,-1 0-547,5 1 1,-2 1 0,-1-1 0,-1 1 0,1-1 0,2 0 111,0-1 1,2-2 0,1 1 0,-1 0 0,-2 0 808,-3 0 0,-3 1 0,-1 0 0,2 0 0,4 0 0,6-2-374,-8 0 0,4 0 0,-2 2 0,-4 0 0,6-1 0,8-2 0,3 0 226,-6 0 1,4 0-227,4 0 0,3 0 0,-4 0 3276,11 0 0,-7 0-3044,-7 16-232,15-4 0,-7 5 0,16-9 0,3-8 0,-9 0 0,12 0 0,-12 0 0,16-23 0,16 1 0,-12-13 0,12-6 0,-16 19 0,0 12 0,0 22 0,0 31 0,0 2 0,0-18 0,0-1 0,0 11 0,0-11 0,0-18 0,0-8 0</inkml:trace>
+  <inkml:trace contextRef="#ctx0" brushRef="#br0" timeOffset="388134">11060 9401 24575,'48'0'0,"0"0"0,0 0 0,0 0 0,0 0 0,0 0 0,-4 0 0,0 0 0,0 0 0,1 0 0,2 0 0,2 0 0,4 0 0,3 0 0,-16 0 0,2 0 0,4 0 0,1 0 0,3 0 0,1 0 0,1 0 0,1 0 0,1 0 0,0 0 0,0 0 0,-1 0 0,0 0 0,-1 0 0,-2 0 0,-1 0 0,-2 0 0,-3 0 0,-2 0-365,14 0 1,-4 0 0,-3 0 0,-2 0 0,-1 0 0,0 0 0,1 0 0,3 0 0,4 0 145,-10 0 1,5 0-1,2 0 1,3 0-1,1 0 1,2 0-1,-1 0 1,-1 0-1,-1 0 1,-2 0 0,-3 0-1,-4 0 1,-4 0-1,-6 0 1,-5 0-875,12 0 1,-11 0 0,-2 0 1756,-1 1 0,0-2-664,21-2 0,-9-2 0,-29 3 1719,21-5-1719,-28 7 0,11 0 0,-15-32 3276,0 9-1638,-3-9 0,-1-3-1522,3 7 0,0 1-116,-7-12 0,8 55 0,3 16 0,2 10 0,-2-1 0,0 3 0,0-3 0,2 0 0,0-4 0,0-2 0,-2-15 0,-2-43 0,-2-11 0,1 5 0,0-20 0,0 51 0,0 7 0,0-1 0,0-8 0,0 0 0</inkml:trace>
+  <inkml:trace contextRef="#ctx0" brushRef="#br0" timeOffset="440369">11518 4074 24575,'-14'37'0,"0"-1"0,0 0 0,-1 0 0,-2 9 0,0-1 0,2-3 0,2 0 0,1 6 0,5-12 0,1 7 0,-1 4 0,1 3 0,0 1 0,0-3 0,1-3 0,-1 4 0,2-5 0,-1 1 0,1 2 0,-1 5-328,1-9 0,0 5 0,0 3 1,0 2-1,-1 1 0,1 0 1,0-1-1,0-2 0,1-3 1,0-5-329,0 8 1,1-5-1,0-2 1,1 0 0,-1 3 186,2-3 1,-1 2 0,1 3 0,0-1 0,0-2 0,0-5 0,-1-6 1132,-2 11 0,0-2-664,5-2 0,2 5 0,1 0 0,0-2 573,1-3 0,0-2 0,0 0-573,-2 3 0,1 0 0,5-2 0,11-3 0,6-1 0,-2-8 0,12 6 0,-3-24 0,12-3 0,8-2 0,3 0 0,-1-1-146,-14 0 0,0-1 1,2-1-1,1 1 0,1-1 1,2 0-1,2 1 0,1 0 146,-6-1 0,1 1 0,3-1 0,1 1 0,1 0 0,1-1 0,0 1 0,1 0 0,-1 0 0,0-1 0,-2 1 0,0 0 0,-3 0 327,5 0 1,-1 1 0,-2-1-1,-1 1 1,0 0 0,0-1-1,1 1 1,0-1 0,1 0-1,2-1-270,-4 0 0,1-1 0,3 1 1,0-2-1,2 1 0,-1 0 0,0-1 1,-1 1-1,-1-1 0,-2 1 0,-3 0 1,-2 0-1,-4 0-564,9 1 0,-6 1 1,-3 0-1,-1 0 1,1 0-1,4-1 507,3-1 0,2-1 0,1 0 0,1-1 0,0 1 0,-1-1 0,-1 2 0,2 0 0,0 0 0,-1 1 0,-1-1 0,-1 1 0,-1-1 0,-3-1 0,-2 0 0,-1 1 0,2-1 0,2 1-181,-2-1 0,3 2 0,1-1 0,1 0 0,-1 1 0,-1-1 0,-3-1 181,3 1 0,-1-1 0,-1 0 0,-2-1 0,0 1 0,4 0 0,-1 0 0,0 0 0,1 0 0,-3 0 0,2 0 0,0 0 0,-1 0 0,-1 0 284,1 0 1,-3 0 0,1 0 0,7 0-285,-10 0 0,5 0 0,4 0 0,2 0 0,0 0 0,0 0 0,-2 0 0,-3 0 0,-5 0 295,12 0 0,-5 0 0,-2 0 0,5 0-295,-7 0 0,5 0 0,3 0 0,-1 0 0,-3 0 0,-8 0 0,-10 0 3276,11 0-3276,-14 2 0,1-4 1847,16-21-1847,-28-9 0,-4-11 0,-2 2 0,2 3 0,-2-6 0,-5 4 0,0-8 0,-2-6 0,0-1 0,0 1 0,-1 7 0,0 0 0,-1 4 0,0 0 0,-1-2 0,1 6 0,0-2 0,0 0 0,0-2 0,0-1 0,0-1 0,0 2 0,0-4 0,0-1 0,0 0 0,0 0 0,0 1 0,0 3 0,0 4 0,0-8 0,1 6 0,-1 0 0,-1-6-3,0 8 0,0-3 0,0-3 0,-1-2 0,0 0 0,0 0 0,-1 2 0,0 2 3,-2-2 0,0 1 0,-1 2 0,-1-1 0,1 1 0,-1-2 0,1 3 0,0 0 0,0-1 0,-1 0 0,0-1 0,0 0 0,-1 0 0,0 1 0,0-1 0,-1 0 0,0-1 0,0 0 0,0 2 0,0 1 0,2 1 0,-2-10 0,1 3 0,0 0 0,1 3 0,-1 0 0,0-5 0,-1 0 0,1 4 0,0 10 0,-1 9 0,2 5 0,6-17 0,-30 38 0,-17 9-469,14-6 1,-9-2 0,-4 0 0,-3 0 0,0 0 0,2 0 0,5 0-180,1 2 1,4-1 0,1 1 0,-2 0 0,-5-1 647,2 0 0,-4-1 0,-3 0 0,-2 0 0,-1 0 0,1 0 0,1-1 0,4 1 0,3 0-647,-5 0 1,3 0 0,3 0-1,1 0 1,0 0 646,-3 0 0,3 0 0,-2 0 0,-3 0 0,5 0 0,-4 0 0,-2 0 0,-1 0 0,2 0 0,4 0 0,7 0 0,-2 0 0,5 0 0,-3 0 0,-7 0 0,-6 0 0,-3 0 0,3 0 0,8 0-132,-7 0 1,1 0 131,3 2 0,-7 0 0,-2 0 0,-1 0 0,8-1 0,-2-1 0,0 0 0,-2 0 0,0 1 0,4 0 0,-2 0 0,0 1 0,-1-1 0,0 0 0,-1 1-147,4-1 0,0 0 0,-1 1 0,-1-1 0,2 0 0,-1 0 0,3 0 147,-2-1 0,2 0 0,1 1 0,-1-1 0,1 0 0,-2 1 0,-4-1 0,0 1 0,-2 0 0,2 1 0,0-1 0,2 1 0,-1 1 0,2 1 0,1-1 0,1 1 0,0-2 0,-1-1 0,1-1 0,0 1 0,-1 1 0,1 3 0,-2 2 0,-1 1 0,5-1 0,6-3 0,2-1 0,2-2 0,-5 3 0,-7 1 0,2-1 0,10-1 3276,-5-3-2280,-1 0 2280,-6 0-1636,0 0-1398,3 0 1,-4 0-243,10 0 0,-1 0 0,2 0 0,-11 0 0,1 0 0,5 0 0,4 0 0,8 0 2183,7 0-2183,-7 0 0,9 0 0,-9 16 0,7-12 0,-17 7 0,-1 1 0,8-2 0,1-5 0,-1 0 0,-2 3 0,9 7 0,-13-3 0,17 13 0,10 17 0,9-16 0,-2 3 0,-6 3 0,-1 0 0,4 13 0,-12-13 0,16-30 0,0 5 0,0-7 0,0 0 0</inkml:trace>
+</inkml:ink>
 </file>
 
 <file path=ppt/notesMasters/notesMaster1.xml><?xml version="1.0" encoding="utf-8"?>
@@ -9037,7 +9158,7 @@
               </a:rPr>
               <a:t>step:</a:t>
             </a:r>
-            <a:endParaRPr sz="1400">
+            <a:endParaRPr sz="1400" dirty="0">
               <a:latin typeface="Arial Black"/>
               <a:cs typeface="Arial Black"/>
             </a:endParaRPr>
@@ -9051,7 +9172,7 @@
                 <a:spcPts val="245"/>
               </a:spcBef>
             </a:pPr>
-            <a:endParaRPr sz="1400">
+            <a:endParaRPr sz="1400" dirty="0">
               <a:latin typeface="Arial Black"/>
               <a:cs typeface="Arial Black"/>
             </a:endParaRPr>
@@ -9181,7 +9302,7 @@
               </a:rPr>
               <a:t>must:</a:t>
             </a:r>
-            <a:endParaRPr sz="1200">
+            <a:endParaRPr sz="1200" dirty="0">
               <a:latin typeface="Arial"/>
               <a:cs typeface="Arial"/>
             </a:endParaRPr>
@@ -9192,7 +9313,7 @@
                 <a:spcPct val="100000"/>
               </a:lnSpc>
             </a:pPr>
-            <a:endParaRPr sz="1200">
+            <a:endParaRPr sz="1200" dirty="0">
               <a:latin typeface="Arial"/>
               <a:cs typeface="Arial"/>
             </a:endParaRPr>
@@ -9206,7 +9327,7 @@
                 <a:spcPts val="120"/>
               </a:spcBef>
             </a:pPr>
-            <a:endParaRPr sz="1200">
+            <a:endParaRPr sz="1200" dirty="0">
               <a:latin typeface="Arial"/>
               <a:cs typeface="Arial"/>
             </a:endParaRPr>
@@ -9256,7 +9377,7 @@
               </a:rPr>
               <a:t>level</a:t>
             </a:r>
-            <a:endParaRPr sz="1200">
+            <a:endParaRPr sz="1200" dirty="0">
               <a:latin typeface="Arial"/>
               <a:cs typeface="Arial"/>
             </a:endParaRPr>
@@ -9295,7 +9416,7 @@
               </a:rPr>
               <a:t>Data</a:t>
             </a:r>
-            <a:endParaRPr sz="1200">
+            <a:endParaRPr sz="1200" dirty="0">
               <a:latin typeface="Arial"/>
               <a:cs typeface="Arial"/>
             </a:endParaRPr>
@@ -9348,7 +9469,7 @@
               </a:rPr>
               <a:t>Statistic</a:t>
             </a:r>
-            <a:endParaRPr sz="1200">
+            <a:endParaRPr sz="1200" dirty="0">
               <a:latin typeface="Arial"/>
               <a:cs typeface="Arial"/>
             </a:endParaRPr>
@@ -9394,7 +9515,7 @@
               </a:rPr>
               <a:t>value</a:t>
             </a:r>
-            <a:endParaRPr sz="1200">
+            <a:endParaRPr sz="1200" dirty="0">
               <a:latin typeface="Arial"/>
               <a:cs typeface="Arial"/>
             </a:endParaRPr>
@@ -9426,7 +9547,7 @@
               </a:rPr>
               <a:t>making</a:t>
             </a:r>
-            <a:endParaRPr sz="1200">
+            <a:endParaRPr sz="1200" dirty="0">
               <a:latin typeface="Arial"/>
               <a:cs typeface="Arial"/>
             </a:endParaRPr>
@@ -15165,7 +15286,7 @@
               </a:rPr>
               <a:t>value</a:t>
             </a:r>
-            <a:endParaRPr sz="1400">
+            <a:endParaRPr sz="1400" dirty="0">
               <a:latin typeface="Arial Black"/>
               <a:cs typeface="Arial Black"/>
             </a:endParaRPr>
@@ -15723,7 +15844,7 @@
               </a:rPr>
               <a:t>value.</a:t>
             </a:r>
-            <a:endParaRPr sz="1200">
+            <a:endParaRPr sz="1200" dirty="0">
               <a:latin typeface="Arial"/>
               <a:cs typeface="Arial"/>
             </a:endParaRPr>
@@ -15739,7 +15860,7 @@
               <a:buFont typeface="Arial"/>
               <a:buChar char="●"/>
             </a:pPr>
-            <a:endParaRPr sz="1200">
+            <a:endParaRPr sz="1200" dirty="0">
               <a:latin typeface="Arial"/>
               <a:cs typeface="Arial"/>
             </a:endParaRPr>
@@ -16239,7 +16360,7 @@
               </a:rPr>
               <a:t>hypothesis.</a:t>
             </a:r>
-            <a:endParaRPr sz="1200">
+            <a:endParaRPr sz="1200" dirty="0">
               <a:latin typeface="Arial"/>
               <a:cs typeface="Arial"/>
             </a:endParaRPr>
@@ -22705,7 +22826,7 @@
         <p:spPr>
           <a:xfrm>
             <a:off x="914400" y="1504950"/>
-            <a:ext cx="2819400" cy="369332"/>
+            <a:ext cx="7239000" cy="1477328"/>
           </a:xfrm>
           <a:prstGeom prst="rect">
             <a:avLst/>
@@ -22720,7 +22841,31 @@
           <a:p>
             <a:r>
               <a:rPr lang="en-PT" dirty="0"/>
-              <a:t>Lets build the summary?</a:t>
+              <a:t>Hypothesis Testing:</a:t>
+            </a:r>
+          </a:p>
+          <a:p>
+            <a:r>
+              <a:rPr lang="en-PT" dirty="0"/>
+              <a:t> - Create H0 and H1</a:t>
+            </a:r>
+          </a:p>
+          <a:p>
+            <a:r>
+              <a:rPr lang="en-PT" dirty="0"/>
+              <a:t> - Pick a significance level: how confortable are we in being wrong</a:t>
+            </a:r>
+          </a:p>
+          <a:p>
+            <a:r>
+              <a:rPr lang="en-PT" dirty="0"/>
+              <a:t> - Test Statics + get the pvalue  </a:t>
+            </a:r>
+          </a:p>
+          <a:p>
+            <a:r>
+              <a:rPr lang="en-PT" dirty="0"/>
+              <a:t> - If the pvalue is too smal, I reject H0</a:t>
             </a:r>
           </a:p>
         </p:txBody>
@@ -27644,6 +27789,57 @@
           </a:fontRef>
         </p:style>
       </p:cxnSp>
+      <mc:AlternateContent xmlns:mc="http://schemas.openxmlformats.org/markup-compatibility/2006">
+        <mc:Choice xmlns:p14="http://schemas.microsoft.com/office/powerpoint/2010/main" Requires="p14">
+          <p:contentPart p14:bwMode="auto" r:id="rId3">
+            <p14:nvContentPartPr>
+              <p14:cNvPr id="24" name="Ink 23">
+                <a:extLst>
+                  <a:ext uri="{FF2B5EF4-FFF2-40B4-BE49-F238E27FC236}">
+                    <a16:creationId xmlns:a16="http://schemas.microsoft.com/office/drawing/2014/main" id="{CDA6138F-B5B6-0F8F-A6F5-54BE0ACDB25E}"/>
+                  </a:ext>
+                </a:extLst>
+              </p14:cNvPr>
+              <p14:cNvContentPartPr/>
+              <p14:nvPr/>
+            </p14:nvContentPartPr>
+            <p14:xfrm>
+              <a:off x="835920" y="3860640"/>
+              <a:ext cx="4492080" cy="984600"/>
+            </p14:xfrm>
+          </p:contentPart>
+        </mc:Choice>
+        <mc:Fallback>
+          <p:pic>
+            <p:nvPicPr>
+              <p:cNvPr id="24" name="Ink 23">
+                <a:extLst>
+                  <a:ext uri="{FF2B5EF4-FFF2-40B4-BE49-F238E27FC236}">
+                    <a16:creationId xmlns:a16="http://schemas.microsoft.com/office/drawing/2014/main" id="{CDA6138F-B5B6-0F8F-A6F5-54BE0ACDB25E}"/>
+                  </a:ext>
+                </a:extLst>
+              </p:cNvPr>
+              <p:cNvPicPr/>
+              <p:nvPr/>
+            </p:nvPicPr>
+            <p:blipFill>
+              <a:blip r:embed="rId4"/>
+              <a:stretch>
+                <a:fillRect/>
+              </a:stretch>
+            </p:blipFill>
+            <p:spPr>
+              <a:xfrm>
+                <a:off x="826560" y="3851280"/>
+                <a:ext cx="4510800" cy="1003320"/>
+              </a:xfrm>
+              <a:prstGeom prst="rect">
+                <a:avLst/>
+              </a:prstGeom>
+            </p:spPr>
+          </p:pic>
+        </mc:Fallback>
+      </mc:AlternateContent>
     </p:spTree>
     <p:extLst>
       <p:ext uri="{BB962C8B-B14F-4D97-AF65-F5344CB8AC3E}">
@@ -29485,6 +29681,57 @@
           </a:prstGeom>
         </p:spPr>
       </p:pic>
+      <mc:AlternateContent xmlns:mc="http://schemas.openxmlformats.org/markup-compatibility/2006">
+        <mc:Choice xmlns:p14="http://schemas.microsoft.com/office/powerpoint/2010/main" Requires="p14">
+          <p:contentPart p14:bwMode="auto" r:id="rId4">
+            <p14:nvContentPartPr>
+              <p14:cNvPr id="5" name="Ink 4">
+                <a:extLst>
+                  <a:ext uri="{FF2B5EF4-FFF2-40B4-BE49-F238E27FC236}">
+                    <a16:creationId xmlns:a16="http://schemas.microsoft.com/office/drawing/2014/main" id="{055EB2EF-63E7-12C5-5FBA-2657651BDD13}"/>
+                  </a:ext>
+                </a:extLst>
+              </p14:cNvPr>
+              <p14:cNvContentPartPr/>
+              <p14:nvPr/>
+            </p14:nvContentPartPr>
+            <p14:xfrm>
+              <a:off x="492480" y="1269720"/>
+              <a:ext cx="8264520" cy="3608280"/>
+            </p14:xfrm>
+          </p:contentPart>
+        </mc:Choice>
+        <mc:Fallback>
+          <p:pic>
+            <p:nvPicPr>
+              <p:cNvPr id="5" name="Ink 4">
+                <a:extLst>
+                  <a:ext uri="{FF2B5EF4-FFF2-40B4-BE49-F238E27FC236}">
+                    <a16:creationId xmlns:a16="http://schemas.microsoft.com/office/drawing/2014/main" id="{055EB2EF-63E7-12C5-5FBA-2657651BDD13}"/>
+                  </a:ext>
+                </a:extLst>
+              </p:cNvPr>
+              <p:cNvPicPr/>
+              <p:nvPr/>
+            </p:nvPicPr>
+            <p:blipFill>
+              <a:blip r:embed="rId5"/>
+              <a:stretch>
+                <a:fillRect/>
+              </a:stretch>
+            </p:blipFill>
+            <p:spPr>
+              <a:xfrm>
+                <a:off x="483120" y="1260360"/>
+                <a:ext cx="8283240" cy="3627000"/>
+              </a:xfrm>
+              <a:prstGeom prst="rect">
+                <a:avLst/>
+              </a:prstGeom>
+            </p:spPr>
+          </p:pic>
+        </mc:Fallback>
+      </mc:AlternateContent>
     </p:spTree>
     <p:extLst>
       <p:ext uri="{BB962C8B-B14F-4D97-AF65-F5344CB8AC3E}">
